--- a/Presentation1.pptx
+++ b/Presentation1.pptx
@@ -7,9 +7,12 @@
   <p:sldIdLst>
     <p:sldId id="256" r:id="rId2"/>
     <p:sldId id="259" r:id="rId3"/>
-    <p:sldId id="258" r:id="rId4"/>
-    <p:sldId id="260" r:id="rId5"/>
-    <p:sldId id="261" r:id="rId6"/>
+    <p:sldId id="262" r:id="rId4"/>
+    <p:sldId id="258" r:id="rId5"/>
+    <p:sldId id="260" r:id="rId6"/>
+    <p:sldId id="263" r:id="rId7"/>
+    <p:sldId id="264" r:id="rId8"/>
+    <p:sldId id="261" r:id="rId9"/>
   </p:sldIdLst>
   <p:sldSz cx="12192000" cy="6858000"/>
   <p:notesSz cx="6858000" cy="9144000"/>
@@ -108,6 +111,11 @@
       </a:defRPr>
     </a:lvl9pPr>
   </p:defaultTextStyle>
+  <p:extLst>
+    <p:ext uri="{EFAFB233-063F-42B5-8137-9DF3F51BA10A}">
+      <p15:sldGuideLst xmlns:p15="http://schemas.microsoft.com/office/powerpoint/2012/main"/>
+    </p:ext>
+  </p:extLst>
 </p:presentation>
 </file>
 
@@ -300,7 +308,7 @@
             <a:fld id="{B61BEF0D-F0BB-DE4B-95CE-6DB70DBA9567}" type="datetimeFigureOut">
               <a:rPr lang="en-US" dirty="0"/>
               <a:pPr/>
-              <a:t>2/18/16</a:t>
+              <a:t>2/19/16</a:t>
             </a:fld>
             <a:endParaRPr lang="en-US" dirty="0"/>
           </a:p>
@@ -635,7 +643,7 @@
             <a:fld id="{B61BEF0D-F0BB-DE4B-95CE-6DB70DBA9567}" type="datetimeFigureOut">
               <a:rPr lang="en-US" dirty="0"/>
               <a:pPr/>
-              <a:t>2/18/16</a:t>
+              <a:t>2/19/16</a:t>
             </a:fld>
             <a:endParaRPr lang="en-US" dirty="0"/>
           </a:p>
@@ -1033,7 +1041,7 @@
             <a:fld id="{B61BEF0D-F0BB-DE4B-95CE-6DB70DBA9567}" type="datetimeFigureOut">
               <a:rPr lang="en-US" dirty="0"/>
               <a:pPr/>
-              <a:t>2/18/16</a:t>
+              <a:t>2/19/16</a:t>
             </a:fld>
             <a:endParaRPr lang="en-US" dirty="0"/>
           </a:p>
@@ -1366,7 +1374,7 @@
             <a:fld id="{B61BEF0D-F0BB-DE4B-95CE-6DB70DBA9567}" type="datetimeFigureOut">
               <a:rPr lang="en-US" dirty="0"/>
               <a:pPr/>
-              <a:t>2/18/16</a:t>
+              <a:t>2/19/16</a:t>
             </a:fld>
             <a:endParaRPr lang="en-US" dirty="0"/>
           </a:p>
@@ -1683,7 +1691,7 @@
             <a:fld id="{B61BEF0D-F0BB-DE4B-95CE-6DB70DBA9567}" type="datetimeFigureOut">
               <a:rPr lang="en-US" dirty="0"/>
               <a:pPr/>
-              <a:t>2/18/16</a:t>
+              <a:t>2/19/16</a:t>
             </a:fld>
             <a:endParaRPr lang="en-US" dirty="0"/>
           </a:p>
@@ -2076,7 +2084,7 @@
             <a:fld id="{B61BEF0D-F0BB-DE4B-95CE-6DB70DBA9567}" type="datetimeFigureOut">
               <a:rPr lang="en-US" dirty="0"/>
               <a:pPr/>
-              <a:t>2/18/16</a:t>
+              <a:t>2/19/16</a:t>
             </a:fld>
             <a:endParaRPr lang="en-US" dirty="0"/>
           </a:p>
@@ -2330,7 +2338,7 @@
             <a:fld id="{B61BEF0D-F0BB-DE4B-95CE-6DB70DBA9567}" type="datetimeFigureOut">
               <a:rPr lang="en-US" dirty="0"/>
               <a:pPr/>
-              <a:t>2/18/16</a:t>
+              <a:t>2/19/16</a:t>
             </a:fld>
             <a:endParaRPr lang="en-US" dirty="0"/>
           </a:p>
@@ -2589,7 +2597,7 @@
             <a:fld id="{B61BEF0D-F0BB-DE4B-95CE-6DB70DBA9567}" type="datetimeFigureOut">
               <a:rPr lang="en-US" dirty="0"/>
               <a:pPr/>
-              <a:t>2/18/16</a:t>
+              <a:t>2/19/16</a:t>
             </a:fld>
             <a:endParaRPr lang="en-US" dirty="0"/>
           </a:p>
@@ -2848,7 +2856,7 @@
             <a:fld id="{B61BEF0D-F0BB-DE4B-95CE-6DB70DBA9567}" type="datetimeFigureOut">
               <a:rPr lang="en-US" dirty="0"/>
               <a:pPr/>
-              <a:t>2/18/16</a:t>
+              <a:t>2/19/16</a:t>
             </a:fld>
             <a:endParaRPr lang="en-US" dirty="0"/>
           </a:p>
@@ -3174,7 +3182,7 @@
             <a:fld id="{B61BEF0D-F0BB-DE4B-95CE-6DB70DBA9567}" type="datetimeFigureOut">
               <a:rPr lang="en-US" dirty="0"/>
               <a:pPr/>
-              <a:t>2/18/16</a:t>
+              <a:t>2/19/16</a:t>
             </a:fld>
             <a:endParaRPr lang="en-US" dirty="0"/>
           </a:p>
@@ -3494,7 +3502,7 @@
             <a:fld id="{B61BEF0D-F0BB-DE4B-95CE-6DB70DBA9567}" type="datetimeFigureOut">
               <a:rPr lang="en-US" dirty="0"/>
               <a:pPr/>
-              <a:t>2/18/16</a:t>
+              <a:t>2/19/16</a:t>
             </a:fld>
             <a:endParaRPr lang="en-US" dirty="0"/>
           </a:p>
@@ -3948,7 +3956,7 @@
             <a:fld id="{B61BEF0D-F0BB-DE4B-95CE-6DB70DBA9567}" type="datetimeFigureOut">
               <a:rPr lang="en-US" dirty="0"/>
               <a:pPr/>
-              <a:t>2/18/16</a:t>
+              <a:t>2/19/16</a:t>
             </a:fld>
             <a:endParaRPr lang="en-US" dirty="0"/>
           </a:p>
@@ -4150,7 +4158,7 @@
             <a:fld id="{B61BEF0D-F0BB-DE4B-95CE-6DB70DBA9567}" type="datetimeFigureOut">
               <a:rPr lang="en-US" dirty="0"/>
               <a:pPr/>
-              <a:t>2/18/16</a:t>
+              <a:t>2/19/16</a:t>
             </a:fld>
             <a:endParaRPr lang="en-US" dirty="0"/>
           </a:p>
@@ -4324,7 +4332,7 @@
             <a:fld id="{B61BEF0D-F0BB-DE4B-95CE-6DB70DBA9567}" type="datetimeFigureOut">
               <a:rPr lang="en-US" dirty="0"/>
               <a:pPr/>
-              <a:t>2/18/16</a:t>
+              <a:t>2/19/16</a:t>
             </a:fld>
             <a:endParaRPr lang="en-US" dirty="0"/>
           </a:p>
@@ -4654,7 +4662,7 @@
             <a:fld id="{B61BEF0D-F0BB-DE4B-95CE-6DB70DBA9567}" type="datetimeFigureOut">
               <a:rPr lang="en-US" dirty="0"/>
               <a:pPr/>
-              <a:t>2/18/16</a:t>
+              <a:t>2/19/16</a:t>
             </a:fld>
             <a:endParaRPr lang="en-US" dirty="0"/>
           </a:p>
@@ -4996,7 +5004,7 @@
             <a:fld id="{B61BEF0D-F0BB-DE4B-95CE-6DB70DBA9567}" type="datetimeFigureOut">
               <a:rPr lang="en-US" dirty="0"/>
               <a:pPr/>
-              <a:t>2/18/16</a:t>
+              <a:t>2/19/16</a:t>
             </a:fld>
             <a:endParaRPr lang="en-US" dirty="0"/>
           </a:p>
@@ -7110,7 +7118,7 @@
             <a:fld id="{B61BEF0D-F0BB-DE4B-95CE-6DB70DBA9567}" type="datetimeFigureOut">
               <a:rPr lang="en-US" dirty="0"/>
               <a:pPr/>
-              <a:t>2/18/16</a:t>
+              <a:t>2/19/16</a:t>
             </a:fld>
             <a:endParaRPr lang="en-US" dirty="0"/>
           </a:p>
@@ -7657,11 +7665,7 @@
             </a:r>
             <a:r>
               <a:rPr lang="en-US" dirty="0" err="1" smtClean="0"/>
-              <a:t>donn</a:t>
-            </a:r>
-            <a:r>
-              <a:rPr lang="en-US" dirty="0" err="1" smtClean="0"/>
-              <a:t>ées</a:t>
+              <a:t>données</a:t>
             </a:r>
             <a:endParaRPr lang="en-US" dirty="0"/>
           </a:p>
@@ -7747,11 +7751,7 @@
           <a:p>
             <a:r>
               <a:rPr lang="fr-FR" dirty="0" smtClean="0"/>
-              <a:t>Un mod</a:t>
-            </a:r>
-            <a:r>
-              <a:rPr lang="fr-FR" dirty="0" smtClean="0"/>
-              <a:t>èle simplifié</a:t>
+              <a:t>Un modèle simplifié</a:t>
             </a:r>
             <a:endParaRPr lang="fr-FR" dirty="0"/>
           </a:p>
@@ -7765,10 +7765,10 @@
         </p:nvGrpSpPr>
         <p:grpSpPr>
           <a:xfrm>
-            <a:off x="270934" y="2252132"/>
-            <a:ext cx="4591550" cy="3276600"/>
-            <a:chOff x="270934" y="2252132"/>
-            <a:chExt cx="4591550" cy="3276600"/>
+            <a:off x="175412" y="2076088"/>
+            <a:ext cx="4367719" cy="3097043"/>
+            <a:chOff x="357984" y="2252132"/>
+            <a:chExt cx="4620946" cy="3276600"/>
           </a:xfrm>
         </p:grpSpPr>
         <p:sp>
@@ -7779,8 +7779,8 @@
           </p:nvSpPr>
           <p:spPr>
             <a:xfrm>
-              <a:off x="270934" y="2252132"/>
-              <a:ext cx="4591550" cy="3259235"/>
+              <a:off x="387381" y="2252132"/>
+              <a:ext cx="4591549" cy="3259235"/>
             </a:xfrm>
             <a:prstGeom prst="rect">
               <a:avLst/>
@@ -7861,25 +7861,1542 @@
           </p:spPr>
         </p:pic>
       </p:grpSp>
+      <mc:AlternateContent xmlns:mc="http://schemas.openxmlformats.org/markup-compatibility/2006" xmlns:a14="http://schemas.microsoft.com/office/drawing/2010/main">
+        <mc:Choice Requires="a14">
+          <p:sp>
+            <p:nvSpPr>
+              <p:cNvPr id="5" name="TextBox 4"/>
+              <p:cNvSpPr txBox="1"/>
+              <p:nvPr/>
+            </p:nvSpPr>
+            <p:spPr>
+              <a:xfrm>
+                <a:off x="5377172" y="1526046"/>
+                <a:ext cx="6315255" cy="2296654"/>
+              </a:xfrm>
+              <a:prstGeom prst="rect">
+                <a:avLst/>
+              </a:prstGeom>
+              <a:noFill/>
+            </p:spPr>
+            <p:txBody>
+              <a:bodyPr wrap="none" lIns="0" tIns="0" rIns="0" bIns="0" rtlCol="0">
+                <a:spAutoFit/>
+              </a:bodyPr>
+              <a:lstStyle/>
+              <a:p>
+                <a:endParaRPr lang="fr-FR" sz="3200" dirty="0"/>
+              </a:p>
+            </p:txBody>
+          </p:sp>
+        </mc:Choice>
+        <mc:Fallback xmlns="">
+          <p:sp>
+            <p:nvSpPr>
+              <p:cNvPr id="5" name="TextBox 4"/>
+              <p:cNvSpPr txBox="1">
+                <a:spLocks noRot="1" noChangeAspect="1" noMove="1" noResize="1" noEditPoints="1" noAdjustHandles="1" noChangeArrowheads="1" noChangeShapeType="1" noTextEdit="1"/>
+              </p:cNvSpPr>
+              <p:nvPr/>
+            </p:nvSpPr>
+            <p:spPr>
+              <a:xfrm>
+                <a:off x="6020640" y="1991712"/>
+                <a:ext cx="6315255" cy="2296654"/>
+              </a:xfrm>
+              <a:prstGeom prst="rect">
+                <a:avLst/>
+              </a:prstGeom>
+              <a:blipFill rotWithShape="0">
+                <a:blip r:embed="rId3"/>
+                <a:stretch>
+                  <a:fillRect/>
+                </a:stretch>
+              </a:blipFill>
+            </p:spPr>
+            <p:txBody>
+              <a:bodyPr/>
+              <a:lstStyle/>
+              <a:p>
+                <a:r>
+                  <a:rPr lang="fr-FR">
+                    <a:noFill/>
+                  </a:rPr>
+                  <a:t> </a:t>
+                </a:r>
+              </a:p>
+            </p:txBody>
+          </p:sp>
+        </mc:Fallback>
+      </mc:AlternateContent>
       <p:grpSp>
         <p:nvGrpSpPr>
-          <p:cNvPr id="6" name="Group 5"/>
+          <p:cNvPr id="12" name="Group 11"/>
           <p:cNvGrpSpPr/>
           <p:nvPr/>
         </p:nvGrpSpPr>
         <p:grpSpPr>
           <a:xfrm>
-            <a:off x="6020640" y="1154834"/>
+            <a:off x="5154757" y="3829214"/>
+            <a:ext cx="9646949" cy="2687833"/>
+            <a:chOff x="5193530" y="3745634"/>
+            <a:chExt cx="9646949" cy="2687833"/>
+          </a:xfrm>
+        </p:grpSpPr>
+        <mc:AlternateContent xmlns:mc="http://schemas.openxmlformats.org/markup-compatibility/2006" xmlns:a14="http://schemas.microsoft.com/office/drawing/2010/main">
+          <mc:Choice Requires="a14">
+            <p:sp>
+              <p:nvSpPr>
+                <p:cNvPr id="7" name="TextBox 6"/>
+                <p:cNvSpPr txBox="1"/>
+                <p:nvPr/>
+              </p:nvSpPr>
+              <p:spPr>
+                <a:xfrm>
+                  <a:off x="5193530" y="3994081"/>
+                  <a:ext cx="6923539" cy="2439386"/>
+                </a:xfrm>
+                <a:prstGeom prst="rect">
+                  <a:avLst/>
+                </a:prstGeom>
+                <a:noFill/>
+              </p:spPr>
+              <p:txBody>
+                <a:bodyPr wrap="square" lIns="0" tIns="0" rIns="0" bIns="0" rtlCol="0">
+                  <a:spAutoFit/>
+                </a:bodyPr>
+                <a:lstStyle/>
+                <a:p>
+                  <a:pPr/>
+                  <a14:m>
+                    <m:oMathPara xmlns:m="http://schemas.openxmlformats.org/officeDocument/2006/math">
+                      <m:oMathParaPr>
+                        <m:jc m:val="centerGroup"/>
+                      </m:oMathParaPr>
+                      <m:oMath xmlns:m="http://schemas.openxmlformats.org/officeDocument/2006/math">
+                        <m:d>
+                          <m:dPr>
+                            <m:begChr m:val="{"/>
+                            <m:endChr m:val=""/>
+                            <m:ctrlPr>
+                              <a:rPr lang="cs-CZ" sz="2800" i="1" smtClean="0">
+                                <a:latin typeface="Cambria Math" charset="0"/>
+                              </a:rPr>
+                            </m:ctrlPr>
+                          </m:dPr>
+                          <m:e>
+                            <m:eqArr>
+                              <m:eqArrPr>
+                                <m:ctrlPr>
+                                  <a:rPr lang="cs-CZ" sz="2800" i="1" smtClean="0">
+                                    <a:latin typeface="Cambria Math" charset="0"/>
+                                  </a:rPr>
+                                </m:ctrlPr>
+                              </m:eqArrPr>
+                              <m:e>
+                                <m:eqArr>
+                                  <m:eqArrPr>
+                                    <m:ctrlPr>
+                                      <a:rPr lang="cs-CZ" sz="2800" i="1" smtClean="0">
+                                        <a:latin typeface="Cambria Math" charset="0"/>
+                                      </a:rPr>
+                                    </m:ctrlPr>
+                                  </m:eqArrPr>
+                                  <m:e>
+                                    <m:sSub>
+                                      <m:sSubPr>
+                                        <m:ctrlPr>
+                                          <a:rPr lang="en-US" sz="2800" b="0" i="1" smtClean="0">
+                                            <a:latin typeface="Cambria Math" charset="0"/>
+                                          </a:rPr>
+                                        </m:ctrlPr>
+                                      </m:sSubPr>
+                                      <m:e>
+                                        <m:acc>
+                                          <m:accPr>
+                                            <m:chr m:val="̂"/>
+                                            <m:ctrlPr>
+                                              <a:rPr lang="en-US" sz="2800" b="0" i="1" smtClean="0">
+                                                <a:latin typeface="Cambria Math" charset="0"/>
+                                              </a:rPr>
+                                            </m:ctrlPr>
+                                          </m:accPr>
+                                          <m:e>
+                                            <m:r>
+                                              <a:rPr lang="en-US" sz="2800" b="0" i="1" smtClean="0">
+                                                <a:latin typeface="Cambria Math" charset="0"/>
+                                              </a:rPr>
+                                              <m:t>𝑥</m:t>
+                                            </m:r>
+                                          </m:e>
+                                        </m:acc>
+                                      </m:e>
+                                      <m:sub>
+                                        <m:r>
+                                          <a:rPr lang="en-US" sz="2800" b="0" i="1" smtClean="0">
+                                            <a:latin typeface="Cambria Math" charset="0"/>
+                                          </a:rPr>
+                                          <m:t>𝑘</m:t>
+                                        </m:r>
+                                        <m:r>
+                                          <a:rPr lang="en-US" sz="2800" b="0" i="1" smtClean="0">
+                                            <a:latin typeface="Cambria Math" charset="0"/>
+                                          </a:rPr>
+                                          <m:t>+1</m:t>
+                                        </m:r>
+                                      </m:sub>
+                                    </m:sSub>
+                                    <m:r>
+                                      <a:rPr lang="en-US" sz="2800" i="1">
+                                        <a:latin typeface="Cambria Math" charset="0"/>
+                                      </a:rPr>
+                                      <m:t>=</m:t>
+                                    </m:r>
+                                    <m:sSub>
+                                      <m:sSubPr>
+                                        <m:ctrlPr>
+                                          <a:rPr lang="en-US" sz="2800" i="1">
+                                            <a:latin typeface="Cambria Math" charset="0"/>
+                                          </a:rPr>
+                                        </m:ctrlPr>
+                                      </m:sSubPr>
+                                      <m:e>
+                                        <m:acc>
+                                          <m:accPr>
+                                            <m:chr m:val="̂"/>
+                                            <m:ctrlPr>
+                                              <a:rPr lang="en-US" sz="2800" i="1">
+                                                <a:latin typeface="Cambria Math" charset="0"/>
+                                              </a:rPr>
+                                            </m:ctrlPr>
+                                          </m:accPr>
+                                          <m:e>
+                                            <m:r>
+                                              <a:rPr lang="en-US" sz="2800" i="1">
+                                                <a:latin typeface="Cambria Math" charset="0"/>
+                                              </a:rPr>
+                                              <m:t>𝑥</m:t>
+                                            </m:r>
+                                          </m:e>
+                                        </m:acc>
+                                      </m:e>
+                                      <m:sub>
+                                        <m:r>
+                                          <a:rPr lang="en-US" sz="2800" i="1">
+                                            <a:latin typeface="Cambria Math" charset="0"/>
+                                          </a:rPr>
+                                          <m:t>𝑘</m:t>
+                                        </m:r>
+                                      </m:sub>
+                                    </m:sSub>
+                                    <m:r>
+                                      <a:rPr lang="en-US" sz="2800" i="1">
+                                        <a:latin typeface="Cambria Math" charset="0"/>
+                                      </a:rPr>
+                                      <m:t>+</m:t>
+                                    </m:r>
+                                    <m:d>
+                                      <m:dPr>
+                                        <m:ctrlPr>
+                                          <a:rPr lang="en-US" sz="2800" b="0" i="1" smtClean="0">
+                                            <a:latin typeface="Cambria Math" charset="0"/>
+                                          </a:rPr>
+                                        </m:ctrlPr>
+                                      </m:dPr>
+                                      <m:e>
+                                        <m:sSub>
+                                          <m:sSubPr>
+                                            <m:ctrlPr>
+                                              <a:rPr lang="en-US" sz="2800" i="1">
+                                                <a:latin typeface="Cambria Math" charset="0"/>
+                                              </a:rPr>
+                                            </m:ctrlPr>
+                                          </m:sSubPr>
+                                          <m:e>
+                                            <m:r>
+                                              <a:rPr lang="en-US" sz="2800" i="1">
+                                                <a:latin typeface="Cambria Math" charset="0"/>
+                                              </a:rPr>
+                                              <m:t>𝑣</m:t>
+                                            </m:r>
+                                          </m:e>
+                                          <m:sub>
+                                            <m:r>
+                                              <a:rPr lang="en-US" sz="2800" i="1">
+                                                <a:latin typeface="Cambria Math" charset="0"/>
+                                              </a:rPr>
+                                              <m:t>𝑘</m:t>
+                                            </m:r>
+                                          </m:sub>
+                                        </m:sSub>
+                                        <m:r>
+                                          <a:rPr lang="en-US" sz="2800" b="0" i="1" smtClean="0">
+                                            <a:latin typeface="Cambria Math" charset="0"/>
+                                          </a:rPr>
+                                          <m:t>+</m:t>
+                                        </m:r>
+                                        <m:sSub>
+                                          <m:sSubPr>
+                                            <m:ctrlPr>
+                                              <a:rPr lang="en-US" sz="2800" i="1">
+                                                <a:latin typeface="Cambria Math" charset="0"/>
+                                              </a:rPr>
+                                            </m:ctrlPr>
+                                          </m:sSubPr>
+                                          <m:e>
+                                            <m:r>
+                                              <a:rPr lang="en-US" sz="2800" b="0" i="1" smtClean="0">
+                                                <a:latin typeface="Cambria Math" charset="0"/>
+                                              </a:rPr>
+                                              <m:t>𝐵</m:t>
+                                            </m:r>
+                                          </m:e>
+                                          <m:sub>
+                                            <m:sSub>
+                                              <m:sSubPr>
+                                                <m:ctrlPr>
+                                                  <a:rPr lang="en-US" sz="2800" i="1">
+                                                    <a:latin typeface="Cambria Math" charset="0"/>
+                                                  </a:rPr>
+                                                </m:ctrlPr>
+                                              </m:sSubPr>
+                                              <m:e>
+                                                <m:r>
+                                                  <a:rPr lang="en-US" sz="2800" i="1">
+                                                    <a:latin typeface="Cambria Math" charset="0"/>
+                                                  </a:rPr>
+                                                  <m:t>𝑣</m:t>
+                                                </m:r>
+                                              </m:e>
+                                              <m:sub>
+                                                <m:r>
+                                                  <a:rPr lang="en-US" sz="2800" i="1">
+                                                    <a:latin typeface="Cambria Math" charset="0"/>
+                                                  </a:rPr>
+                                                  <m:t>𝑘</m:t>
+                                                </m:r>
+                                              </m:sub>
+                                            </m:sSub>
+                                          </m:sub>
+                                        </m:sSub>
+                                      </m:e>
+                                    </m:d>
+                                    <m:r>
+                                      <a:rPr lang="en-US" sz="2800" b="0" i="0" smtClean="0">
+                                        <a:latin typeface="Cambria Math" charset="0"/>
+                                      </a:rPr>
+                                      <m:t> </m:t>
+                                    </m:r>
+                                    <m:r>
+                                      <m:rPr>
+                                        <m:sty m:val="p"/>
+                                      </m:rPr>
+                                      <a:rPr lang="en-US" sz="2800">
+                                        <a:latin typeface="Cambria Math" charset="0"/>
+                                      </a:rPr>
+                                      <m:t>cos</m:t>
+                                    </m:r>
+                                    <m:r>
+                                      <a:rPr lang="en-US" sz="2800" i="1">
+                                        <a:latin typeface="Cambria Math" charset="0"/>
+                                      </a:rPr>
+                                      <m:t>⁡(</m:t>
+                                    </m:r>
+                                    <m:sSub>
+                                      <m:sSubPr>
+                                        <m:ctrlPr>
+                                          <a:rPr lang="en-US" sz="2800" i="1">
+                                            <a:latin typeface="Cambria Math" charset="0"/>
+                                          </a:rPr>
+                                        </m:ctrlPr>
+                                      </m:sSubPr>
+                                      <m:e>
+                                        <m:acc>
+                                          <m:accPr>
+                                            <m:chr m:val="̂"/>
+                                            <m:ctrlPr>
+                                              <a:rPr lang="en-US" sz="2800" i="1">
+                                                <a:latin typeface="Cambria Math" charset="0"/>
+                                              </a:rPr>
+                                            </m:ctrlPr>
+                                          </m:accPr>
+                                          <m:e>
+                                            <m:r>
+                                              <a:rPr lang="en-US" sz="2800" i="1" smtClean="0">
+                                                <a:latin typeface="Cambria Math" charset="0"/>
+                                                <a:ea typeface="Cambria Math" charset="0"/>
+                                                <a:cs typeface="Cambria Math" charset="0"/>
+                                              </a:rPr>
+                                              <m:t>𝜃</m:t>
+                                            </m:r>
+                                          </m:e>
+                                        </m:acc>
+                                      </m:e>
+                                      <m:sub>
+                                        <m:r>
+                                          <a:rPr lang="en-US" sz="2800" i="1">
+                                            <a:latin typeface="Cambria Math" charset="0"/>
+                                          </a:rPr>
+                                          <m:t>𝑘</m:t>
+                                        </m:r>
+                                      </m:sub>
+                                    </m:sSub>
+                                    <m:r>
+                                      <a:rPr lang="en-US" sz="2800" i="1">
+                                        <a:latin typeface="Cambria Math" charset="0"/>
+                                      </a:rPr>
+                                      <m:t>)</m:t>
+                                    </m:r>
+                                  </m:e>
+                                  <m:e>
+                                    <m:sSub>
+                                      <m:sSubPr>
+                                        <m:ctrlPr>
+                                          <a:rPr lang="en-US" sz="2800" i="1">
+                                            <a:latin typeface="Cambria Math" charset="0"/>
+                                          </a:rPr>
+                                        </m:ctrlPr>
+                                      </m:sSubPr>
+                                      <m:e>
+                                        <m:acc>
+                                          <m:accPr>
+                                            <m:chr m:val="̂"/>
+                                            <m:ctrlPr>
+                                              <a:rPr lang="en-US" sz="2800" i="1">
+                                                <a:latin typeface="Cambria Math" charset="0"/>
+                                              </a:rPr>
+                                            </m:ctrlPr>
+                                          </m:accPr>
+                                          <m:e>
+                                            <m:r>
+                                              <a:rPr lang="en-US" sz="2800" b="0" i="1" smtClean="0">
+                                                <a:latin typeface="Cambria Math" charset="0"/>
+                                              </a:rPr>
+                                              <m:t>𝑦</m:t>
+                                            </m:r>
+                                          </m:e>
+                                        </m:acc>
+                                      </m:e>
+                                      <m:sub>
+                                        <m:r>
+                                          <a:rPr lang="en-US" sz="2800" b="0" i="1" smtClean="0">
+                                            <a:latin typeface="Cambria Math" charset="0"/>
+                                          </a:rPr>
+                                          <m:t>𝑘</m:t>
+                                        </m:r>
+                                        <m:r>
+                                          <a:rPr lang="en-US" sz="2800" b="0" i="1" smtClean="0">
+                                            <a:latin typeface="Cambria Math" charset="0"/>
+                                          </a:rPr>
+                                          <m:t>+1</m:t>
+                                        </m:r>
+                                      </m:sub>
+                                    </m:sSub>
+                                    <m:r>
+                                      <a:rPr lang="en-US" sz="2800" i="1">
+                                        <a:latin typeface="Cambria Math" charset="0"/>
+                                      </a:rPr>
+                                      <m:t>=</m:t>
+                                    </m:r>
+                                    <m:sSub>
+                                      <m:sSubPr>
+                                        <m:ctrlPr>
+                                          <a:rPr lang="en-US" sz="2800" i="1">
+                                            <a:latin typeface="Cambria Math" charset="0"/>
+                                          </a:rPr>
+                                        </m:ctrlPr>
+                                      </m:sSubPr>
+                                      <m:e>
+                                        <m:acc>
+                                          <m:accPr>
+                                            <m:chr m:val="̂"/>
+                                            <m:ctrlPr>
+                                              <a:rPr lang="en-US" sz="2800" i="1">
+                                                <a:latin typeface="Cambria Math" charset="0"/>
+                                              </a:rPr>
+                                            </m:ctrlPr>
+                                          </m:accPr>
+                                          <m:e>
+                                            <m:r>
+                                              <a:rPr lang="en-US" sz="2800" b="0" i="1" smtClean="0">
+                                                <a:latin typeface="Cambria Math" charset="0"/>
+                                              </a:rPr>
+                                              <m:t>𝑦</m:t>
+                                            </m:r>
+                                          </m:e>
+                                        </m:acc>
+                                      </m:e>
+                                      <m:sub>
+                                        <m:r>
+                                          <a:rPr lang="en-US" sz="2800" i="1">
+                                            <a:latin typeface="Cambria Math" charset="0"/>
+                                          </a:rPr>
+                                          <m:t>𝑘</m:t>
+                                        </m:r>
+                                      </m:sub>
+                                    </m:sSub>
+                                    <m:r>
+                                      <a:rPr lang="en-US" sz="2800" i="1">
+                                        <a:latin typeface="Cambria Math" charset="0"/>
+                                      </a:rPr>
+                                      <m:t>+</m:t>
+                                    </m:r>
+                                    <m:d>
+                                      <m:dPr>
+                                        <m:ctrlPr>
+                                          <a:rPr lang="en-US" sz="2800" i="1">
+                                            <a:latin typeface="Cambria Math" charset="0"/>
+                                          </a:rPr>
+                                        </m:ctrlPr>
+                                      </m:dPr>
+                                      <m:e>
+                                        <m:sSub>
+                                          <m:sSubPr>
+                                            <m:ctrlPr>
+                                              <a:rPr lang="en-US" sz="2800" i="1">
+                                                <a:latin typeface="Cambria Math" charset="0"/>
+                                              </a:rPr>
+                                            </m:ctrlPr>
+                                          </m:sSubPr>
+                                          <m:e>
+                                            <m:r>
+                                              <a:rPr lang="en-US" sz="2800" i="1">
+                                                <a:latin typeface="Cambria Math" charset="0"/>
+                                              </a:rPr>
+                                              <m:t>𝑣</m:t>
+                                            </m:r>
+                                          </m:e>
+                                          <m:sub>
+                                            <m:r>
+                                              <a:rPr lang="en-US" sz="2800" i="1">
+                                                <a:latin typeface="Cambria Math" charset="0"/>
+                                              </a:rPr>
+                                              <m:t>𝑘</m:t>
+                                            </m:r>
+                                          </m:sub>
+                                        </m:sSub>
+                                        <m:r>
+                                          <a:rPr lang="en-US" sz="2800" i="1">
+                                            <a:latin typeface="Cambria Math" charset="0"/>
+                                          </a:rPr>
+                                          <m:t>+</m:t>
+                                        </m:r>
+                                        <m:sSub>
+                                          <m:sSubPr>
+                                            <m:ctrlPr>
+                                              <a:rPr lang="en-US" sz="2800" i="1">
+                                                <a:latin typeface="Cambria Math" charset="0"/>
+                                              </a:rPr>
+                                            </m:ctrlPr>
+                                          </m:sSubPr>
+                                          <m:e>
+                                            <m:r>
+                                              <a:rPr lang="en-US" sz="2800" i="1">
+                                                <a:latin typeface="Cambria Math" charset="0"/>
+                                              </a:rPr>
+                                              <m:t>𝐵</m:t>
+                                            </m:r>
+                                          </m:e>
+                                          <m:sub>
+                                            <m:sSub>
+                                              <m:sSubPr>
+                                                <m:ctrlPr>
+                                                  <a:rPr lang="en-US" sz="2800" i="1">
+                                                    <a:latin typeface="Cambria Math" charset="0"/>
+                                                  </a:rPr>
+                                                </m:ctrlPr>
+                                              </m:sSubPr>
+                                              <m:e>
+                                                <m:r>
+                                                  <a:rPr lang="en-US" sz="2800" i="1">
+                                                    <a:latin typeface="Cambria Math" charset="0"/>
+                                                  </a:rPr>
+                                                  <m:t>𝑣</m:t>
+                                                </m:r>
+                                              </m:e>
+                                              <m:sub>
+                                                <m:r>
+                                                  <a:rPr lang="en-US" sz="2800" i="1">
+                                                    <a:latin typeface="Cambria Math" charset="0"/>
+                                                  </a:rPr>
+                                                  <m:t>𝑘</m:t>
+                                                </m:r>
+                                              </m:sub>
+                                            </m:sSub>
+                                          </m:sub>
+                                        </m:sSub>
+                                      </m:e>
+                                    </m:d>
+                                    <m:r>
+                                      <a:rPr lang="en-US" sz="2800" b="0" i="1" smtClean="0">
+                                        <a:latin typeface="Cambria Math" charset="0"/>
+                                      </a:rPr>
+                                      <m:t> </m:t>
+                                    </m:r>
+                                    <m:r>
+                                      <m:rPr>
+                                        <m:sty m:val="p"/>
+                                      </m:rPr>
+                                      <a:rPr lang="en-US" sz="2800">
+                                        <a:latin typeface="Cambria Math" charset="0"/>
+                                      </a:rPr>
+                                      <m:t>si</m:t>
+                                    </m:r>
+                                    <m:r>
+                                      <a:rPr lang="en-US" sz="2800" i="1">
+                                        <a:latin typeface="Cambria Math" charset="0"/>
+                                      </a:rPr>
+                                      <m:t>𝑛</m:t>
+                                    </m:r>
+                                    <m:r>
+                                      <a:rPr lang="en-US" sz="2800" i="1">
+                                        <a:latin typeface="Cambria Math" charset="0"/>
+                                      </a:rPr>
+                                      <m:t>⁡(</m:t>
+                                    </m:r>
+                                    <m:sSub>
+                                      <m:sSubPr>
+                                        <m:ctrlPr>
+                                          <a:rPr lang="en-US" sz="2800" i="1">
+                                            <a:latin typeface="Cambria Math" charset="0"/>
+                                          </a:rPr>
+                                        </m:ctrlPr>
+                                      </m:sSubPr>
+                                      <m:e>
+                                        <m:acc>
+                                          <m:accPr>
+                                            <m:chr m:val="̂"/>
+                                            <m:ctrlPr>
+                                              <a:rPr lang="en-US" sz="2800" i="1">
+                                                <a:latin typeface="Cambria Math" charset="0"/>
+                                              </a:rPr>
+                                            </m:ctrlPr>
+                                          </m:accPr>
+                                          <m:e>
+                                            <m:r>
+                                              <a:rPr lang="en-US" sz="2800" i="1" smtClean="0">
+                                                <a:latin typeface="Cambria Math" charset="0"/>
+                                                <a:ea typeface="Cambria Math" charset="0"/>
+                                                <a:cs typeface="Cambria Math" charset="0"/>
+                                              </a:rPr>
+                                              <m:t>𝜃</m:t>
+                                            </m:r>
+                                          </m:e>
+                                        </m:acc>
+                                      </m:e>
+                                      <m:sub>
+                                        <m:r>
+                                          <a:rPr lang="en-US" sz="2800" i="1">
+                                            <a:latin typeface="Cambria Math" charset="0"/>
+                                          </a:rPr>
+                                          <m:t>𝑘</m:t>
+                                        </m:r>
+                                      </m:sub>
+                                    </m:sSub>
+                                    <m:r>
+                                      <a:rPr lang="en-US" sz="2800" i="1">
+                                        <a:latin typeface="Cambria Math" charset="0"/>
+                                      </a:rPr>
+                                      <m:t>)</m:t>
+                                    </m:r>
+                                  </m:e>
+                                  <m:e>
+                                    <m:sSub>
+                                      <m:sSubPr>
+                                        <m:ctrlPr>
+                                          <a:rPr lang="en-US" sz="2800" i="1">
+                                            <a:latin typeface="Cambria Math" charset="0"/>
+                                          </a:rPr>
+                                        </m:ctrlPr>
+                                      </m:sSubPr>
+                                      <m:e>
+                                        <m:acc>
+                                          <m:accPr>
+                                            <m:chr m:val="̂"/>
+                                            <m:ctrlPr>
+                                              <a:rPr lang="en-US" sz="2800" i="1">
+                                                <a:latin typeface="Cambria Math" charset="0"/>
+                                              </a:rPr>
+                                            </m:ctrlPr>
+                                          </m:accPr>
+                                          <m:e>
+                                            <m:r>
+                                              <a:rPr lang="en-US" sz="2800" i="1" smtClean="0">
+                                                <a:latin typeface="Cambria Math" charset="0"/>
+                                                <a:ea typeface="Cambria Math" charset="0"/>
+                                                <a:cs typeface="Cambria Math" charset="0"/>
+                                              </a:rPr>
+                                              <m:t>𝜃</m:t>
+                                            </m:r>
+                                          </m:e>
+                                        </m:acc>
+                                      </m:e>
+                                      <m:sub>
+                                        <m:r>
+                                          <a:rPr lang="en-US" sz="2800" b="0" i="1" smtClean="0">
+                                            <a:latin typeface="Cambria Math" charset="0"/>
+                                          </a:rPr>
+                                          <m:t>𝑘</m:t>
+                                        </m:r>
+                                        <m:r>
+                                          <a:rPr lang="en-US" sz="2800" b="0" i="1" smtClean="0">
+                                            <a:latin typeface="Cambria Math" charset="0"/>
+                                          </a:rPr>
+                                          <m:t>+1</m:t>
+                                        </m:r>
+                                      </m:sub>
+                                    </m:sSub>
+                                    <m:r>
+                                      <a:rPr lang="en-US" sz="2800" b="0" i="1" smtClean="0">
+                                        <a:latin typeface="Cambria Math" charset="0"/>
+                                      </a:rPr>
+                                      <m:t>=</m:t>
+                                    </m:r>
+                                    <m:sSub>
+                                      <m:sSubPr>
+                                        <m:ctrlPr>
+                                          <a:rPr lang="en-US" sz="2800" i="1">
+                                            <a:latin typeface="Cambria Math" charset="0"/>
+                                          </a:rPr>
+                                        </m:ctrlPr>
+                                      </m:sSubPr>
+                                      <m:e>
+                                        <m:acc>
+                                          <m:accPr>
+                                            <m:chr m:val="̂"/>
+                                            <m:ctrlPr>
+                                              <a:rPr lang="en-US" sz="2800" i="1">
+                                                <a:latin typeface="Cambria Math" charset="0"/>
+                                              </a:rPr>
+                                            </m:ctrlPr>
+                                          </m:accPr>
+                                          <m:e>
+                                            <m:r>
+                                              <a:rPr lang="en-US" sz="2800" i="1" smtClean="0">
+                                                <a:latin typeface="Cambria Math" charset="0"/>
+                                                <a:ea typeface="Cambria Math" charset="0"/>
+                                                <a:cs typeface="Cambria Math" charset="0"/>
+                                              </a:rPr>
+                                              <m:t>𝜃</m:t>
+                                            </m:r>
+                                          </m:e>
+                                        </m:acc>
+                                      </m:e>
+                                      <m:sub>
+                                        <m:r>
+                                          <a:rPr lang="en-US" sz="2800" i="1">
+                                            <a:latin typeface="Cambria Math" charset="0"/>
+                                          </a:rPr>
+                                          <m:t>𝑘</m:t>
+                                        </m:r>
+                                      </m:sub>
+                                    </m:sSub>
+                                    <m:r>
+                                      <a:rPr lang="en-US" sz="2800" b="0" i="1" smtClean="0">
+                                        <a:latin typeface="Cambria Math" charset="0"/>
+                                      </a:rPr>
+                                      <m:t>+</m:t>
+                                    </m:r>
+                                    <m:sSub>
+                                      <m:sSubPr>
+                                        <m:ctrlPr>
+                                          <a:rPr lang="en-US" sz="2800" i="1">
+                                            <a:latin typeface="Cambria Math" charset="0"/>
+                                          </a:rPr>
+                                        </m:ctrlPr>
+                                      </m:sSubPr>
+                                      <m:e>
+                                        <m:r>
+                                          <a:rPr lang="en-US" sz="2800" i="1" smtClean="0">
+                                            <a:latin typeface="Cambria Math" charset="0"/>
+                                            <a:ea typeface="Cambria Math" charset="0"/>
+                                            <a:cs typeface="Cambria Math" charset="0"/>
+                                          </a:rPr>
+                                          <m:t>𝜔</m:t>
+                                        </m:r>
+                                      </m:e>
+                                      <m:sub>
+                                        <m:r>
+                                          <a:rPr lang="en-US" sz="2800" i="1">
+                                            <a:latin typeface="Cambria Math" charset="0"/>
+                                          </a:rPr>
+                                          <m:t>𝑘</m:t>
+                                        </m:r>
+                                      </m:sub>
+                                    </m:sSub>
+                                    <m:r>
+                                      <a:rPr lang="en-US" sz="2800" b="0" i="1" smtClean="0">
+                                        <a:latin typeface="Cambria Math" charset="0"/>
+                                      </a:rPr>
+                                      <m:t>+</m:t>
+                                    </m:r>
+                                    <m:sSub>
+                                      <m:sSubPr>
+                                        <m:ctrlPr>
+                                          <a:rPr lang="en-US" sz="2800" i="1">
+                                            <a:latin typeface="Cambria Math" charset="0"/>
+                                          </a:rPr>
+                                        </m:ctrlPr>
+                                      </m:sSubPr>
+                                      <m:e>
+                                        <m:r>
+                                          <a:rPr lang="en-US" sz="2800" i="1">
+                                            <a:latin typeface="Cambria Math" charset="0"/>
+                                          </a:rPr>
+                                          <m:t>𝐵</m:t>
+                                        </m:r>
+                                      </m:e>
+                                      <m:sub>
+                                        <m:sSub>
+                                          <m:sSubPr>
+                                            <m:ctrlPr>
+                                              <a:rPr lang="en-US" sz="2800" i="1">
+                                                <a:latin typeface="Cambria Math" charset="0"/>
+                                              </a:rPr>
+                                            </m:ctrlPr>
+                                          </m:sSubPr>
+                                          <m:e>
+                                            <m:r>
+                                              <a:rPr lang="en-US" sz="2800" i="1">
+                                                <a:latin typeface="Cambria Math" charset="0"/>
+                                                <a:ea typeface="Cambria Math" charset="0"/>
+                                                <a:cs typeface="Cambria Math" charset="0"/>
+                                              </a:rPr>
+                                              <m:t>𝜔</m:t>
+                                            </m:r>
+                                          </m:e>
+                                          <m:sub>
+                                            <m:r>
+                                              <a:rPr lang="en-US" sz="2800" i="1">
+                                                <a:latin typeface="Cambria Math" charset="0"/>
+                                              </a:rPr>
+                                              <m:t>𝑘</m:t>
+                                            </m:r>
+                                          </m:sub>
+                                        </m:sSub>
+                                      </m:sub>
+                                    </m:sSub>
+                                  </m:e>
+                                </m:eqArr>
+                              </m:e>
+                              <m:e>
+                                <m:d>
+                                  <m:dPr>
+                                    <m:ctrlPr>
+                                      <a:rPr lang="en-US" sz="2800" i="1">
+                                        <a:latin typeface="Cambria Math" charset="0"/>
+                                      </a:rPr>
+                                    </m:ctrlPr>
+                                  </m:dPr>
+                                  <m:e>
+                                    <m:sSub>
+                                      <m:sSubPr>
+                                        <m:ctrlPr>
+                                          <a:rPr lang="en-US" sz="2800" i="1">
+                                            <a:latin typeface="Cambria Math" charset="0"/>
+                                          </a:rPr>
+                                        </m:ctrlPr>
+                                      </m:sSubPr>
+                                      <m:e>
+                                        <m:acc>
+                                          <m:accPr>
+                                            <m:chr m:val="̂"/>
+                                            <m:ctrlPr>
+                                              <a:rPr lang="en-US" sz="2800" i="1">
+                                                <a:latin typeface="Cambria Math" charset="0"/>
+                                              </a:rPr>
+                                            </m:ctrlPr>
+                                          </m:accPr>
+                                          <m:e>
+                                            <m:r>
+                                              <a:rPr lang="en-US" sz="2800" i="1">
+                                                <a:latin typeface="Cambria Math" charset="0"/>
+                                                <a:ea typeface="Cambria Math" charset="0"/>
+                                                <a:cs typeface="Cambria Math" charset="0"/>
+                                              </a:rPr>
+                                              <m:t>𝛼</m:t>
+                                            </m:r>
+                                          </m:e>
+                                        </m:acc>
+                                      </m:e>
+                                      <m:sub>
+                                        <m:sSub>
+                                          <m:sSubPr>
+                                            <m:ctrlPr>
+                                              <a:rPr lang="en-US" sz="2800" i="1">
+                                                <a:latin typeface="Cambria Math" charset="0"/>
+                                              </a:rPr>
+                                            </m:ctrlPr>
+                                          </m:sSubPr>
+                                          <m:e>
+                                            <m:r>
+                                              <a:rPr lang="en-US" sz="2800" i="1">
+                                                <a:latin typeface="Cambria Math" charset="0"/>
+                                              </a:rPr>
+                                              <m:t>𝐴</m:t>
+                                            </m:r>
+                                          </m:e>
+                                          <m:sub>
+                                            <m:r>
+                                              <a:rPr lang="en-US" sz="2800" i="1">
+                                                <a:latin typeface="Cambria Math" charset="0"/>
+                                              </a:rPr>
+                                              <m:t>𝑖</m:t>
+                                            </m:r>
+                                            <m:r>
+                                              <a:rPr lang="en-US" sz="2800" i="1">
+                                                <a:latin typeface="Cambria Math" charset="0"/>
+                                              </a:rPr>
+                                              <m:t>,</m:t>
+                                            </m:r>
+                                            <m:r>
+                                              <a:rPr lang="en-US" sz="2800" i="1">
+                                                <a:latin typeface="Cambria Math" charset="0"/>
+                                              </a:rPr>
+                                              <m:t>𝑘</m:t>
+                                            </m:r>
+                                          </m:sub>
+                                        </m:sSub>
+                                      </m:sub>
+                                    </m:sSub>
+                                    <m:r>
+                                      <a:rPr lang="en-US" sz="2800" i="1">
+                                        <a:latin typeface="Cambria Math" charset="0"/>
+                                      </a:rPr>
+                                      <m:t>,</m:t>
+                                    </m:r>
+                                    <m:r>
+                                      <a:rPr lang="en-US" sz="2800" i="1">
+                                        <a:latin typeface="Cambria Math" charset="0"/>
+                                        <a:ea typeface="Cambria Math" charset="0"/>
+                                        <a:cs typeface="Cambria Math" charset="0"/>
+                                      </a:rPr>
+                                      <m:t> </m:t>
+                                    </m:r>
+                                    <m:sSub>
+                                      <m:sSubPr>
+                                        <m:ctrlPr>
+                                          <a:rPr lang="en-US" sz="2800" i="1">
+                                            <a:latin typeface="Cambria Math" charset="0"/>
+                                            <a:ea typeface="Cambria Math" charset="0"/>
+                                            <a:cs typeface="Cambria Math" charset="0"/>
+                                          </a:rPr>
+                                        </m:ctrlPr>
+                                      </m:sSubPr>
+                                      <m:e>
+                                        <m:acc>
+                                          <m:accPr>
+                                            <m:chr m:val="̂"/>
+                                            <m:ctrlPr>
+                                              <a:rPr lang="en-US" sz="2800" i="1">
+                                                <a:latin typeface="Cambria Math" charset="0"/>
+                                              </a:rPr>
+                                            </m:ctrlPr>
+                                          </m:accPr>
+                                          <m:e>
+                                            <m:r>
+                                              <a:rPr lang="en-US" sz="2800" i="1" smtClean="0">
+                                                <a:latin typeface="Cambria Math" charset="0"/>
+                                                <a:ea typeface="Cambria Math" charset="0"/>
+                                                <a:cs typeface="Cambria Math" charset="0"/>
+                                              </a:rPr>
+                                              <m:t>𝜌</m:t>
+                                            </m:r>
+                                          </m:e>
+                                        </m:acc>
+                                      </m:e>
+                                      <m:sub>
+                                        <m:sSub>
+                                          <m:sSubPr>
+                                            <m:ctrlPr>
+                                              <a:rPr lang="en-US" sz="2800" i="1">
+                                                <a:latin typeface="Cambria Math" charset="0"/>
+                                                <a:ea typeface="Cambria Math" charset="0"/>
+                                                <a:cs typeface="Cambria Math" charset="0"/>
+                                              </a:rPr>
+                                            </m:ctrlPr>
+                                          </m:sSubPr>
+                                          <m:e>
+                                            <m:r>
+                                              <a:rPr lang="en-US" sz="2800" i="1">
+                                                <a:latin typeface="Cambria Math" charset="0"/>
+                                                <a:ea typeface="Cambria Math" charset="0"/>
+                                                <a:cs typeface="Cambria Math" charset="0"/>
+                                              </a:rPr>
+                                              <m:t>𝐴</m:t>
+                                            </m:r>
+                                          </m:e>
+                                          <m:sub>
+                                            <m:r>
+                                              <a:rPr lang="en-US" sz="2800" i="1">
+                                                <a:latin typeface="Cambria Math" charset="0"/>
+                                                <a:ea typeface="Cambria Math" charset="0"/>
+                                                <a:cs typeface="Cambria Math" charset="0"/>
+                                              </a:rPr>
+                                              <m:t>𝑖𝑘</m:t>
+                                            </m:r>
+                                          </m:sub>
+                                        </m:sSub>
+                                      </m:sub>
+                                    </m:sSub>
+                                  </m:e>
+                                </m:d>
+                                <m:r>
+                                  <a:rPr lang="en-US" sz="2800" i="1">
+                                    <a:latin typeface="Cambria Math" charset="0"/>
+                                    <a:ea typeface="Cambria Math" charset="0"/>
+                                    <a:cs typeface="Cambria Math" charset="0"/>
+                                  </a:rPr>
+                                  <m:t>=</m:t>
+                                </m:r>
+                                <m:r>
+                                  <a:rPr lang="en-US" sz="2800" i="1">
+                                    <a:latin typeface="Cambria Math" charset="0"/>
+                                    <a:ea typeface="Cambria Math" charset="0"/>
+                                    <a:cs typeface="Cambria Math" charset="0"/>
+                                  </a:rPr>
+                                  <m:t>h</m:t>
+                                </m:r>
+                                <m:r>
+                                  <a:rPr lang="en-US" sz="2800" i="1">
+                                    <a:latin typeface="Cambria Math" charset="0"/>
+                                    <a:ea typeface="Cambria Math" charset="0"/>
+                                    <a:cs typeface="Cambria Math" charset="0"/>
+                                  </a:rPr>
+                                  <m:t>(</m:t>
+                                </m:r>
+                                <m:sSub>
+                                  <m:sSubPr>
+                                    <m:ctrlPr>
+                                      <a:rPr lang="en-US" sz="2800" i="1">
+                                        <a:latin typeface="Cambria Math" charset="0"/>
+                                      </a:rPr>
+                                    </m:ctrlPr>
+                                  </m:sSubPr>
+                                  <m:e>
+                                    <m:r>
+                                      <a:rPr lang="en-US" sz="2800" i="1">
+                                        <a:latin typeface="Cambria Math" charset="0"/>
+                                        <a:ea typeface="Cambria Math" charset="0"/>
+                                        <a:cs typeface="Cambria Math" charset="0"/>
+                                      </a:rPr>
+                                      <m:t>𝛼</m:t>
+                                    </m:r>
+                                  </m:e>
+                                  <m:sub>
+                                    <m:sSub>
+                                      <m:sSubPr>
+                                        <m:ctrlPr>
+                                          <a:rPr lang="en-US" sz="2800" i="1">
+                                            <a:latin typeface="Cambria Math" charset="0"/>
+                                          </a:rPr>
+                                        </m:ctrlPr>
+                                      </m:sSubPr>
+                                      <m:e>
+                                        <m:r>
+                                          <a:rPr lang="en-US" sz="2800" i="1">
+                                            <a:latin typeface="Cambria Math" charset="0"/>
+                                          </a:rPr>
+                                          <m:t>𝐴</m:t>
+                                        </m:r>
+                                      </m:e>
+                                      <m:sub>
+                                        <m:r>
+                                          <a:rPr lang="en-US" sz="2800" i="1">
+                                            <a:latin typeface="Cambria Math" charset="0"/>
+                                          </a:rPr>
+                                          <m:t>𝑖</m:t>
+                                        </m:r>
+                                        <m:r>
+                                          <a:rPr lang="en-US" sz="2800" i="1">
+                                            <a:latin typeface="Cambria Math" charset="0"/>
+                                          </a:rPr>
+                                          <m:t>,</m:t>
+                                        </m:r>
+                                        <m:r>
+                                          <a:rPr lang="en-US" sz="2800" i="1">
+                                            <a:latin typeface="Cambria Math" charset="0"/>
+                                          </a:rPr>
+                                          <m:t>𝑘</m:t>
+                                        </m:r>
+                                      </m:sub>
+                                    </m:sSub>
+                                  </m:sub>
+                                </m:sSub>
+                                <m:r>
+                                  <a:rPr lang="en-US" sz="2800" i="1">
+                                    <a:latin typeface="Cambria Math" charset="0"/>
+                                  </a:rPr>
+                                  <m:t>,</m:t>
+                                </m:r>
+                                <m:r>
+                                  <a:rPr lang="en-US" sz="2800" i="1">
+                                    <a:latin typeface="Cambria Math" charset="0"/>
+                                    <a:ea typeface="Cambria Math" charset="0"/>
+                                    <a:cs typeface="Cambria Math" charset="0"/>
+                                  </a:rPr>
+                                  <m:t> </m:t>
+                                </m:r>
+                                <m:sSub>
+                                  <m:sSubPr>
+                                    <m:ctrlPr>
+                                      <a:rPr lang="en-US" sz="2800" i="1">
+                                        <a:latin typeface="Cambria Math" charset="0"/>
+                                        <a:ea typeface="Cambria Math" charset="0"/>
+                                        <a:cs typeface="Cambria Math" charset="0"/>
+                                      </a:rPr>
+                                    </m:ctrlPr>
+                                  </m:sSubPr>
+                                  <m:e>
+                                    <m:r>
+                                      <a:rPr lang="en-US" sz="2800" i="1" smtClean="0">
+                                        <a:latin typeface="Cambria Math" charset="0"/>
+                                        <a:ea typeface="Cambria Math" charset="0"/>
+                                        <a:cs typeface="Cambria Math" charset="0"/>
+                                      </a:rPr>
+                                      <m:t>𝜌</m:t>
+                                    </m:r>
+                                  </m:e>
+                                  <m:sub>
+                                    <m:sSub>
+                                      <m:sSubPr>
+                                        <m:ctrlPr>
+                                          <a:rPr lang="en-US" sz="2800" i="1">
+                                            <a:latin typeface="Cambria Math" charset="0"/>
+                                            <a:ea typeface="Cambria Math" charset="0"/>
+                                            <a:cs typeface="Cambria Math" charset="0"/>
+                                          </a:rPr>
+                                        </m:ctrlPr>
+                                      </m:sSubPr>
+                                      <m:e>
+                                        <m:r>
+                                          <a:rPr lang="en-US" sz="2800" i="1">
+                                            <a:latin typeface="Cambria Math" charset="0"/>
+                                            <a:ea typeface="Cambria Math" charset="0"/>
+                                            <a:cs typeface="Cambria Math" charset="0"/>
+                                          </a:rPr>
+                                          <m:t>𝐴</m:t>
+                                        </m:r>
+                                      </m:e>
+                                      <m:sub>
+                                        <m:r>
+                                          <a:rPr lang="en-US" sz="2800" i="1">
+                                            <a:latin typeface="Cambria Math" charset="0"/>
+                                            <a:ea typeface="Cambria Math" charset="0"/>
+                                            <a:cs typeface="Cambria Math" charset="0"/>
+                                          </a:rPr>
+                                          <m:t>𝑖𝑘</m:t>
+                                        </m:r>
+                                      </m:sub>
+                                    </m:sSub>
+                                  </m:sub>
+                                </m:sSub>
+                                <m:r>
+                                  <a:rPr lang="en-US" sz="2800" i="1">
+                                    <a:latin typeface="Cambria Math" charset="0"/>
+                                    <a:ea typeface="Cambria Math" charset="0"/>
+                                    <a:cs typeface="Cambria Math" charset="0"/>
+                                  </a:rPr>
+                                  <m:t>,</m:t>
+                                </m:r>
+                                <m:sSub>
+                                  <m:sSubPr>
+                                    <m:ctrlPr>
+                                      <a:rPr lang="en-US" sz="2800" i="1">
+                                        <a:latin typeface="Cambria Math" charset="0"/>
+                                      </a:rPr>
+                                    </m:ctrlPr>
+                                  </m:sSubPr>
+                                  <m:e>
+                                    <m:r>
+                                      <a:rPr lang="en-US" sz="2800" i="1">
+                                        <a:latin typeface="Cambria Math" charset="0"/>
+                                      </a:rPr>
+                                      <m:t>𝑥</m:t>
+                                    </m:r>
+                                  </m:e>
+                                  <m:sub>
+                                    <m:r>
+                                      <a:rPr lang="en-US" sz="2800" i="1">
+                                        <a:latin typeface="Cambria Math" charset="0"/>
+                                      </a:rPr>
+                                      <m:t>𝑘</m:t>
+                                    </m:r>
+                                  </m:sub>
+                                </m:sSub>
+                                <m:r>
+                                  <a:rPr lang="en-US" sz="2800" i="1">
+                                    <a:latin typeface="Cambria Math" charset="0"/>
+                                  </a:rPr>
+                                  <m:t>,</m:t>
+                                </m:r>
+                                <m:sSub>
+                                  <m:sSubPr>
+                                    <m:ctrlPr>
+                                      <a:rPr lang="en-US" sz="2800" i="1">
+                                        <a:latin typeface="Cambria Math" charset="0"/>
+                                      </a:rPr>
+                                    </m:ctrlPr>
+                                  </m:sSubPr>
+                                  <m:e>
+                                    <m:r>
+                                      <a:rPr lang="en-US" sz="2800" i="1">
+                                        <a:latin typeface="Cambria Math" charset="0"/>
+                                      </a:rPr>
+                                      <m:t>𝑦</m:t>
+                                    </m:r>
+                                  </m:e>
+                                  <m:sub>
+                                    <m:r>
+                                      <a:rPr lang="en-US" sz="2800" i="1">
+                                        <a:latin typeface="Cambria Math" charset="0"/>
+                                      </a:rPr>
+                                      <m:t>𝑘</m:t>
+                                    </m:r>
+                                  </m:sub>
+                                </m:sSub>
+                                <m:r>
+                                  <a:rPr lang="en-US" sz="2800" b="0" i="1" smtClean="0">
+                                    <a:latin typeface="Cambria Math" charset="0"/>
+                                  </a:rPr>
+                                  <m:t>,</m:t>
+                                </m:r>
+                                <m:sSub>
+                                  <m:sSubPr>
+                                    <m:ctrlPr>
+                                      <a:rPr lang="en-US" sz="2800" b="0" i="1" smtClean="0">
+                                        <a:latin typeface="Cambria Math" charset="0"/>
+                                      </a:rPr>
+                                    </m:ctrlPr>
+                                  </m:sSubPr>
+                                  <m:e>
+                                    <m:r>
+                                      <a:rPr lang="en-US" sz="2800" b="0" i="1" smtClean="0">
+                                        <a:latin typeface="Cambria Math" charset="0"/>
+                                      </a:rPr>
+                                      <m:t>𝐵</m:t>
+                                    </m:r>
+                                  </m:e>
+                                  <m:sub>
+                                    <m:sSub>
+                                      <m:sSubPr>
+                                        <m:ctrlPr>
+                                          <a:rPr lang="en-US" sz="2800" i="1">
+                                            <a:latin typeface="Cambria Math" charset="0"/>
+                                          </a:rPr>
+                                        </m:ctrlPr>
+                                      </m:sSubPr>
+                                      <m:e>
+                                        <m:r>
+                                          <a:rPr lang="en-US" sz="2800" i="1">
+                                            <a:latin typeface="Cambria Math" charset="0"/>
+                                            <a:ea typeface="Cambria Math" charset="0"/>
+                                            <a:cs typeface="Cambria Math" charset="0"/>
+                                          </a:rPr>
+                                          <m:t>𝛼</m:t>
+                                        </m:r>
+                                      </m:e>
+                                      <m:sub>
+                                        <m:sSub>
+                                          <m:sSubPr>
+                                            <m:ctrlPr>
+                                              <a:rPr lang="en-US" sz="2800" i="1">
+                                                <a:latin typeface="Cambria Math" charset="0"/>
+                                              </a:rPr>
+                                            </m:ctrlPr>
+                                          </m:sSubPr>
+                                          <m:e>
+                                            <m:r>
+                                              <a:rPr lang="en-US" sz="2800" i="1">
+                                                <a:latin typeface="Cambria Math" charset="0"/>
+                                              </a:rPr>
+                                              <m:t>𝐴</m:t>
+                                            </m:r>
+                                          </m:e>
+                                          <m:sub>
+                                            <m:r>
+                                              <a:rPr lang="en-US" sz="2800" i="1">
+                                                <a:latin typeface="Cambria Math" charset="0"/>
+                                              </a:rPr>
+                                              <m:t>𝑖</m:t>
+                                            </m:r>
+                                            <m:r>
+                                              <a:rPr lang="en-US" sz="2800" i="1">
+                                                <a:latin typeface="Cambria Math" charset="0"/>
+                                              </a:rPr>
+                                              <m:t>,</m:t>
+                                            </m:r>
+                                            <m:r>
+                                              <a:rPr lang="en-US" sz="2800" i="1">
+                                                <a:latin typeface="Cambria Math" charset="0"/>
+                                              </a:rPr>
+                                              <m:t>𝑘</m:t>
+                                            </m:r>
+                                          </m:sub>
+                                        </m:sSub>
+                                      </m:sub>
+                                    </m:sSub>
+                                  </m:sub>
+                                </m:sSub>
+                                <m:sSub>
+                                  <m:sSubPr>
+                                    <m:ctrlPr>
+                                      <a:rPr lang="en-US" sz="2800" i="1">
+                                        <a:latin typeface="Cambria Math" charset="0"/>
+                                      </a:rPr>
+                                    </m:ctrlPr>
+                                  </m:sSubPr>
+                                  <m:e>
+                                    <m:r>
+                                      <a:rPr lang="en-US" sz="2800" i="1">
+                                        <a:latin typeface="Cambria Math" charset="0"/>
+                                      </a:rPr>
+                                      <m:t>𝐵</m:t>
+                                    </m:r>
+                                  </m:e>
+                                  <m:sub>
+                                    <m:sSub>
+                                      <m:sSubPr>
+                                        <m:ctrlPr>
+                                          <a:rPr lang="en-US" sz="2800" i="1">
+                                            <a:latin typeface="Cambria Math" charset="0"/>
+                                          </a:rPr>
+                                        </m:ctrlPr>
+                                      </m:sSubPr>
+                                      <m:e>
+                                        <m:r>
+                                          <a:rPr lang="en-US" sz="2800" i="1" smtClean="0">
+                                            <a:latin typeface="Cambria Math" charset="0"/>
+                                            <a:ea typeface="Cambria Math" charset="0"/>
+                                            <a:cs typeface="Cambria Math" charset="0"/>
+                                          </a:rPr>
+                                          <m:t>𝜌</m:t>
+                                        </m:r>
+                                      </m:e>
+                                      <m:sub>
+                                        <m:sSub>
+                                          <m:sSubPr>
+                                            <m:ctrlPr>
+                                              <a:rPr lang="en-US" sz="2800" i="1">
+                                                <a:latin typeface="Cambria Math" charset="0"/>
+                                              </a:rPr>
+                                            </m:ctrlPr>
+                                          </m:sSubPr>
+                                          <m:e>
+                                            <m:r>
+                                              <a:rPr lang="en-US" sz="2800" i="1">
+                                                <a:latin typeface="Cambria Math" charset="0"/>
+                                              </a:rPr>
+                                              <m:t>𝐴</m:t>
+                                            </m:r>
+                                          </m:e>
+                                          <m:sub>
+                                            <m:r>
+                                              <a:rPr lang="en-US" sz="2800" i="1">
+                                                <a:latin typeface="Cambria Math" charset="0"/>
+                                              </a:rPr>
+                                              <m:t>𝑖</m:t>
+                                            </m:r>
+                                            <m:r>
+                                              <a:rPr lang="en-US" sz="2800" i="1">
+                                                <a:latin typeface="Cambria Math" charset="0"/>
+                                              </a:rPr>
+                                              <m:t>,</m:t>
+                                            </m:r>
+                                            <m:r>
+                                              <a:rPr lang="en-US" sz="2800" i="1">
+                                                <a:latin typeface="Cambria Math" charset="0"/>
+                                              </a:rPr>
+                                              <m:t>𝑘</m:t>
+                                            </m:r>
+                                          </m:sub>
+                                        </m:sSub>
+                                      </m:sub>
+                                    </m:sSub>
+                                  </m:sub>
+                                </m:sSub>
+                                <m:r>
+                                  <a:rPr lang="en-US" sz="2800" i="1">
+                                    <a:latin typeface="Cambria Math" charset="0"/>
+                                  </a:rPr>
+                                  <m:t>)</m:t>
+                                </m:r>
+                              </m:e>
+                            </m:eqArr>
+                          </m:e>
+                        </m:d>
+                      </m:oMath>
+                    </m:oMathPara>
+                  </a14:m>
+                  <a:endParaRPr lang="fr-FR" sz="2800" dirty="0"/>
+                </a:p>
+              </p:txBody>
+            </p:sp>
+          </mc:Choice>
+          <mc:Fallback xmlns="">
+            <p:sp>
+              <p:nvSpPr>
+                <p:cNvPr id="7" name="TextBox 6"/>
+                <p:cNvSpPr txBox="1">
+                  <a:spLocks noRot="1" noChangeAspect="1" noMove="1" noResize="1" noEditPoints="1" noAdjustHandles="1" noChangeArrowheads="1" noChangeShapeType="1" noTextEdit="1"/>
+                </p:cNvSpPr>
+                <p:nvPr/>
+              </p:nvSpPr>
+              <p:spPr>
+                <a:xfrm>
+                  <a:off x="5193530" y="3994081"/>
+                  <a:ext cx="6923539" cy="2439386"/>
+                </a:xfrm>
+                <a:prstGeom prst="rect">
+                  <a:avLst/>
+                </a:prstGeom>
+                <a:blipFill rotWithShape="0">
+                  <a:blip r:embed="rId4"/>
+                  <a:stretch>
+                    <a:fillRect r="-1498"/>
+                  </a:stretch>
+                </a:blipFill>
+              </p:spPr>
+              <p:txBody>
+                <a:bodyPr/>
+                <a:lstStyle/>
+                <a:p>
+                  <a:r>
+                    <a:rPr lang="fr-FR">
+                      <a:noFill/>
+                    </a:rPr>
+                    <a:t> </a:t>
+                  </a:r>
+                </a:p>
+              </p:txBody>
+            </p:sp>
+          </mc:Fallback>
+        </mc:AlternateContent>
+        <p:sp>
+          <p:nvSpPr>
+            <p:cNvPr id="10" name="Title 1"/>
+            <p:cNvSpPr txBox="1">
+              <a:spLocks/>
+            </p:cNvSpPr>
+            <p:nvPr/>
+          </p:nvSpPr>
+          <p:spPr>
+            <a:xfrm>
+              <a:off x="5879331" y="3745634"/>
+              <a:ext cx="8961148" cy="444500"/>
+            </a:xfrm>
+            <a:prstGeom prst="rect">
+              <a:avLst/>
+            </a:prstGeom>
+          </p:spPr>
+          <p:txBody>
+            <a:bodyPr vert="horz" lIns="91440" tIns="45720" rIns="91440" bIns="45720" rtlCol="0" anchor="t">
+              <a:normAutofit/>
+            </a:bodyPr>
+            <a:lstStyle>
+              <a:lvl1pPr algn="l" defTabSz="457200" rtl="0" eaLnBrk="1" latinLnBrk="0" hangingPunct="1">
+                <a:spcBef>
+                  <a:spcPct val="0"/>
+                </a:spcBef>
+                <a:buNone/>
+                <a:defRPr sz="3600" kern="1200">
+                  <a:solidFill>
+                    <a:schemeClr val="tx1">
+                      <a:lumMod val="85000"/>
+                      <a:lumOff val="15000"/>
+                    </a:schemeClr>
+                  </a:solidFill>
+                  <a:latin typeface="+mj-lt"/>
+                  <a:ea typeface="+mj-ea"/>
+                  <a:cs typeface="+mj-cs"/>
+                </a:defRPr>
+              </a:lvl1pPr>
+              <a:lvl2pPr eaLnBrk="1" hangingPunct="1">
+                <a:defRPr>
+                  <a:solidFill>
+                    <a:schemeClr val="tx2"/>
+                  </a:solidFill>
+                </a:defRPr>
+              </a:lvl2pPr>
+              <a:lvl3pPr eaLnBrk="1" hangingPunct="1">
+                <a:defRPr>
+                  <a:solidFill>
+                    <a:schemeClr val="tx2"/>
+                  </a:solidFill>
+                </a:defRPr>
+              </a:lvl3pPr>
+              <a:lvl4pPr eaLnBrk="1" hangingPunct="1">
+                <a:defRPr>
+                  <a:solidFill>
+                    <a:schemeClr val="tx2"/>
+                  </a:solidFill>
+                </a:defRPr>
+              </a:lvl4pPr>
+              <a:lvl5pPr eaLnBrk="1" hangingPunct="1">
+                <a:defRPr>
+                  <a:solidFill>
+                    <a:schemeClr val="tx2"/>
+                  </a:solidFill>
+                </a:defRPr>
+              </a:lvl5pPr>
+              <a:lvl6pPr eaLnBrk="1" hangingPunct="1">
+                <a:defRPr>
+                  <a:solidFill>
+                    <a:schemeClr val="tx2"/>
+                  </a:solidFill>
+                </a:defRPr>
+              </a:lvl6pPr>
+              <a:lvl7pPr eaLnBrk="1" hangingPunct="1">
+                <a:defRPr>
+                  <a:solidFill>
+                    <a:schemeClr val="tx2"/>
+                  </a:solidFill>
+                </a:defRPr>
+              </a:lvl7pPr>
+              <a:lvl8pPr eaLnBrk="1" hangingPunct="1">
+                <a:defRPr>
+                  <a:solidFill>
+                    <a:schemeClr val="tx2"/>
+                  </a:solidFill>
+                </a:defRPr>
+              </a:lvl8pPr>
+              <a:lvl9pPr eaLnBrk="1" hangingPunct="1">
+                <a:defRPr>
+                  <a:solidFill>
+                    <a:schemeClr val="tx2"/>
+                  </a:solidFill>
+                </a:defRPr>
+              </a:lvl9pPr>
+            </a:lstStyle>
+            <a:p>
+              <a:r>
+                <a:rPr lang="fr-FR" sz="1800" dirty="0" smtClean="0"/>
+                <a:t>Modèles un peu plus réaliste:</a:t>
+              </a:r>
+              <a:endParaRPr lang="fr-FR" sz="1800" dirty="0"/>
+            </a:p>
+          </p:txBody>
+        </p:sp>
+      </p:grpSp>
+      <p:grpSp>
+        <p:nvGrpSpPr>
+          <p:cNvPr id="13" name="Group 12"/>
+          <p:cNvGrpSpPr/>
+          <p:nvPr/>
+        </p:nvGrpSpPr>
+        <p:grpSpPr>
+          <a:xfrm>
+            <a:off x="4970772" y="1282315"/>
             <a:ext cx="9056904" cy="2667866"/>
             <a:chOff x="6020640" y="1620500"/>
             <a:chExt cx="9056904" cy="2667866"/>
           </a:xfrm>
         </p:grpSpPr>
-        <mc:AlternateContent xmlns:mc="http://schemas.openxmlformats.org/markup-compatibility/2006">
-          <mc:Choice xmlns:a14="http://schemas.microsoft.com/office/drawing/2010/main" Requires="a14">
+        <mc:AlternateContent xmlns:mc="http://schemas.openxmlformats.org/markup-compatibility/2006" xmlns:a14="http://schemas.microsoft.com/office/drawing/2010/main">
+          <mc:Choice Requires="a14">
             <p:sp>
               <p:nvSpPr>
-                <p:cNvPr id="5" name="TextBox 4"/>
+                <p:cNvPr id="14" name="TextBox 13"/>
                 <p:cNvSpPr txBox="1"/>
                 <p:nvPr/>
               </p:nvSpPr>
@@ -7899,6 +9416,7 @@
                 </a:bodyPr>
                 <a:lstStyle/>
                 <a:p>
+                  <a:pPr/>
                   <a14:m>
                     <m:oMathPara xmlns:m="http://schemas.openxmlformats.org/officeDocument/2006/math">
                       <m:oMathParaPr>
@@ -8687,7 +10205,7 @@
               </p:txBody>
             </p:sp>
           </mc:Choice>
-          <mc:Fallback>
+          <mc:Fallback xmlns="">
             <p:sp>
               <p:nvSpPr>
                 <p:cNvPr id="5" name="TextBox 4"/>
@@ -8705,7 +10223,7 @@
                   <a:avLst/>
                 </a:prstGeom>
                 <a:blipFill rotWithShape="0">
-                  <a:blip r:embed="rId3"/>
+                  <a:blip r:embed="rId5"/>
                   <a:stretch>
                     <a:fillRect/>
                   </a:stretch>
@@ -8728,7 +10246,7 @@
         </mc:AlternateContent>
         <p:sp>
           <p:nvSpPr>
-            <p:cNvPr id="8" name="Title 1"/>
+            <p:cNvPr id="15" name="Title 1"/>
             <p:cNvSpPr txBox="1">
               <a:spLocks/>
             </p:cNvSpPr>
@@ -8832,1460 +10350,6 @@
           </p:txBody>
         </p:sp>
       </p:grpSp>
-      <p:grpSp>
-        <p:nvGrpSpPr>
-          <p:cNvPr id="12" name="Group 11"/>
-          <p:cNvGrpSpPr/>
-          <p:nvPr/>
-        </p:nvGrpSpPr>
-        <p:grpSpPr>
-          <a:xfrm>
-            <a:off x="4949534" y="3822700"/>
-            <a:ext cx="9904415" cy="2589439"/>
-            <a:chOff x="4936064" y="3745634"/>
-            <a:chExt cx="9904415" cy="2589439"/>
-          </a:xfrm>
-        </p:grpSpPr>
-        <mc:AlternateContent xmlns:mc="http://schemas.openxmlformats.org/markup-compatibility/2006">
-          <mc:Choice xmlns:a14="http://schemas.microsoft.com/office/drawing/2010/main" Requires="a14">
-            <p:sp>
-              <p:nvSpPr>
-                <p:cNvPr id="7" name="TextBox 6"/>
-                <p:cNvSpPr txBox="1"/>
-                <p:nvPr/>
-              </p:nvSpPr>
-              <p:spPr>
-                <a:xfrm>
-                  <a:off x="4936064" y="3900945"/>
-                  <a:ext cx="7181005" cy="2434128"/>
-                </a:xfrm>
-                <a:prstGeom prst="rect">
-                  <a:avLst/>
-                </a:prstGeom>
-                <a:noFill/>
-              </p:spPr>
-              <p:txBody>
-                <a:bodyPr wrap="none" lIns="0" tIns="0" rIns="0" bIns="0" rtlCol="0">
-                  <a:spAutoFit/>
-                </a:bodyPr>
-                <a:lstStyle/>
-                <a:p>
-                  <a14:m>
-                    <m:oMathPara xmlns:m="http://schemas.openxmlformats.org/officeDocument/2006/math">
-                      <m:oMathParaPr>
-                        <m:jc m:val="centerGroup"/>
-                      </m:oMathParaPr>
-                      <m:oMath xmlns:m="http://schemas.openxmlformats.org/officeDocument/2006/math">
-                        <m:d>
-                          <m:dPr>
-                            <m:begChr m:val="{"/>
-                            <m:endChr m:val=""/>
-                            <m:ctrlPr>
-                              <a:rPr lang="cs-CZ" sz="2800" i="1" smtClean="0">
-                                <a:latin typeface="Cambria Math" charset="0"/>
-                              </a:rPr>
-                            </m:ctrlPr>
-                          </m:dPr>
-                          <m:e>
-                            <m:eqArr>
-                              <m:eqArrPr>
-                                <m:ctrlPr>
-                                  <a:rPr lang="cs-CZ" sz="2800" i="1" smtClean="0">
-                                    <a:latin typeface="Cambria Math" charset="0"/>
-                                  </a:rPr>
-                                </m:ctrlPr>
-                              </m:eqArrPr>
-                              <m:e>
-                                <m:eqArr>
-                                  <m:eqArrPr>
-                                    <m:ctrlPr>
-                                      <a:rPr lang="cs-CZ" sz="2800" i="1" smtClean="0">
-                                        <a:latin typeface="Cambria Math" charset="0"/>
-                                      </a:rPr>
-                                    </m:ctrlPr>
-                                  </m:eqArrPr>
-                                  <m:e>
-                                    <m:sSub>
-                                      <m:sSubPr>
-                                        <m:ctrlPr>
-                                          <a:rPr lang="en-US" sz="2800" b="0" i="1" smtClean="0">
-                                            <a:latin typeface="Cambria Math" charset="0"/>
-                                          </a:rPr>
-                                        </m:ctrlPr>
-                                      </m:sSubPr>
-                                      <m:e>
-                                        <m:acc>
-                                          <m:accPr>
-                                            <m:chr m:val="̂"/>
-                                            <m:ctrlPr>
-                                              <a:rPr lang="en-US" sz="2800" b="0" i="1" smtClean="0">
-                                                <a:latin typeface="Cambria Math" charset="0"/>
-                                              </a:rPr>
-                                            </m:ctrlPr>
-                                          </m:accPr>
-                                          <m:e>
-                                            <m:r>
-                                              <a:rPr lang="en-US" sz="2800" b="0" i="1" smtClean="0">
-                                                <a:latin typeface="Cambria Math" charset="0"/>
-                                              </a:rPr>
-                                              <m:t>𝑥</m:t>
-                                            </m:r>
-                                          </m:e>
-                                        </m:acc>
-                                      </m:e>
-                                      <m:sub>
-                                        <m:r>
-                                          <a:rPr lang="en-US" sz="2800" b="0" i="1" smtClean="0">
-                                            <a:latin typeface="Cambria Math" charset="0"/>
-                                          </a:rPr>
-                                          <m:t>𝑘</m:t>
-                                        </m:r>
-                                        <m:r>
-                                          <a:rPr lang="en-US" sz="2800" b="0" i="1" smtClean="0">
-                                            <a:latin typeface="Cambria Math" charset="0"/>
-                                          </a:rPr>
-                                          <m:t>+1</m:t>
-                                        </m:r>
-                                      </m:sub>
-                                    </m:sSub>
-                                    <m:r>
-                                      <a:rPr lang="en-US" sz="2800" i="1">
-                                        <a:latin typeface="Cambria Math" charset="0"/>
-                                      </a:rPr>
-                                      <m:t>=</m:t>
-                                    </m:r>
-                                    <m:sSub>
-                                      <m:sSubPr>
-                                        <m:ctrlPr>
-                                          <a:rPr lang="en-US" sz="2800" i="1">
-                                            <a:latin typeface="Cambria Math" charset="0"/>
-                                          </a:rPr>
-                                        </m:ctrlPr>
-                                      </m:sSubPr>
-                                      <m:e>
-                                        <m:acc>
-                                          <m:accPr>
-                                            <m:chr m:val="̂"/>
-                                            <m:ctrlPr>
-                                              <a:rPr lang="en-US" sz="2800" i="1">
-                                                <a:latin typeface="Cambria Math" charset="0"/>
-                                              </a:rPr>
-                                            </m:ctrlPr>
-                                          </m:accPr>
-                                          <m:e>
-                                            <m:r>
-                                              <a:rPr lang="en-US" sz="2800" i="1">
-                                                <a:latin typeface="Cambria Math" charset="0"/>
-                                              </a:rPr>
-                                              <m:t>𝑥</m:t>
-                                            </m:r>
-                                          </m:e>
-                                        </m:acc>
-                                      </m:e>
-                                      <m:sub>
-                                        <m:r>
-                                          <a:rPr lang="en-US" sz="2800" i="1">
-                                            <a:latin typeface="Cambria Math" charset="0"/>
-                                          </a:rPr>
-                                          <m:t>𝑘</m:t>
-                                        </m:r>
-                                      </m:sub>
-                                    </m:sSub>
-                                    <m:r>
-                                      <a:rPr lang="en-US" sz="2800" i="1">
-                                        <a:latin typeface="Cambria Math" charset="0"/>
-                                      </a:rPr>
-                                      <m:t>+</m:t>
-                                    </m:r>
-                                    <m:d>
-                                      <m:dPr>
-                                        <m:ctrlPr>
-                                          <a:rPr lang="en-US" sz="2800" b="0" i="1" smtClean="0">
-                                            <a:latin typeface="Cambria Math" charset="0"/>
-                                          </a:rPr>
-                                        </m:ctrlPr>
-                                      </m:dPr>
-                                      <m:e>
-                                        <m:sSub>
-                                          <m:sSubPr>
-                                            <m:ctrlPr>
-                                              <a:rPr lang="en-US" sz="2800" i="1">
-                                                <a:latin typeface="Cambria Math" charset="0"/>
-                                              </a:rPr>
-                                            </m:ctrlPr>
-                                          </m:sSubPr>
-                                          <m:e>
-                                            <m:r>
-                                              <a:rPr lang="en-US" sz="2800" i="1">
-                                                <a:latin typeface="Cambria Math" charset="0"/>
-                                              </a:rPr>
-                                              <m:t>𝑣</m:t>
-                                            </m:r>
-                                          </m:e>
-                                          <m:sub>
-                                            <m:r>
-                                              <a:rPr lang="en-US" sz="2800" i="1">
-                                                <a:latin typeface="Cambria Math" charset="0"/>
-                                              </a:rPr>
-                                              <m:t>𝑘</m:t>
-                                            </m:r>
-                                          </m:sub>
-                                        </m:sSub>
-                                        <m:r>
-                                          <a:rPr lang="en-US" sz="2800" b="0" i="1" smtClean="0">
-                                            <a:latin typeface="Cambria Math" charset="0"/>
-                                          </a:rPr>
-                                          <m:t>+</m:t>
-                                        </m:r>
-                                        <m:sSub>
-                                          <m:sSubPr>
-                                            <m:ctrlPr>
-                                              <a:rPr lang="en-US" sz="2800" i="1">
-                                                <a:latin typeface="Cambria Math" charset="0"/>
-                                              </a:rPr>
-                                            </m:ctrlPr>
-                                          </m:sSubPr>
-                                          <m:e>
-                                            <m:r>
-                                              <a:rPr lang="en-US" sz="2800" b="0" i="1" smtClean="0">
-                                                <a:latin typeface="Cambria Math" charset="0"/>
-                                              </a:rPr>
-                                              <m:t>𝐵</m:t>
-                                            </m:r>
-                                          </m:e>
-                                          <m:sub>
-                                            <m:sSub>
-                                              <m:sSubPr>
-                                                <m:ctrlPr>
-                                                  <a:rPr lang="en-US" sz="2800" i="1">
-                                                    <a:latin typeface="Cambria Math" charset="0"/>
-                                                  </a:rPr>
-                                                </m:ctrlPr>
-                                              </m:sSubPr>
-                                              <m:e>
-                                                <m:r>
-                                                  <a:rPr lang="en-US" sz="2800" i="1">
-                                                    <a:latin typeface="Cambria Math" charset="0"/>
-                                                  </a:rPr>
-                                                  <m:t>𝑣</m:t>
-                                                </m:r>
-                                              </m:e>
-                                              <m:sub>
-                                                <m:r>
-                                                  <a:rPr lang="en-US" sz="2800" i="1">
-                                                    <a:latin typeface="Cambria Math" charset="0"/>
-                                                  </a:rPr>
-                                                  <m:t>𝑘</m:t>
-                                                </m:r>
-                                              </m:sub>
-                                            </m:sSub>
-                                          </m:sub>
-                                        </m:sSub>
-                                      </m:e>
-                                    </m:d>
-                                    <m:r>
-                                      <a:rPr lang="en-US" sz="2800" b="0" i="0" smtClean="0">
-                                        <a:latin typeface="Cambria Math" charset="0"/>
-                                      </a:rPr>
-                                      <m:t> </m:t>
-                                    </m:r>
-                                    <m:r>
-                                      <m:rPr>
-                                        <m:sty m:val="p"/>
-                                      </m:rPr>
-                                      <a:rPr lang="en-US" sz="2800">
-                                        <a:latin typeface="Cambria Math" charset="0"/>
-                                      </a:rPr>
-                                      <m:t>cos</m:t>
-                                    </m:r>
-                                    <m:r>
-                                      <a:rPr lang="en-US" sz="2800" i="1">
-                                        <a:latin typeface="Cambria Math" charset="0"/>
-                                      </a:rPr>
-                                      <m:t>⁡(</m:t>
-                                    </m:r>
-                                    <m:sSub>
-                                      <m:sSubPr>
-                                        <m:ctrlPr>
-                                          <a:rPr lang="en-US" sz="2800" i="1">
-                                            <a:latin typeface="Cambria Math" charset="0"/>
-                                          </a:rPr>
-                                        </m:ctrlPr>
-                                      </m:sSubPr>
-                                      <m:e>
-                                        <m:acc>
-                                          <m:accPr>
-                                            <m:chr m:val="̂"/>
-                                            <m:ctrlPr>
-                                              <a:rPr lang="en-US" sz="2800" i="1">
-                                                <a:latin typeface="Cambria Math" charset="0"/>
-                                              </a:rPr>
-                                            </m:ctrlPr>
-                                          </m:accPr>
-                                          <m:e>
-                                            <m:r>
-                                              <a:rPr lang="en-US" sz="2800" i="1" smtClean="0">
-                                                <a:latin typeface="Cambria Math" charset="0"/>
-                                                <a:ea typeface="Cambria Math" charset="0"/>
-                                                <a:cs typeface="Cambria Math" charset="0"/>
-                                              </a:rPr>
-                                              <m:t>𝜃</m:t>
-                                            </m:r>
-                                          </m:e>
-                                        </m:acc>
-                                      </m:e>
-                                      <m:sub>
-                                        <m:r>
-                                          <a:rPr lang="en-US" sz="2800" i="1">
-                                            <a:latin typeface="Cambria Math" charset="0"/>
-                                          </a:rPr>
-                                          <m:t>𝑘</m:t>
-                                        </m:r>
-                                      </m:sub>
-                                    </m:sSub>
-                                    <m:r>
-                                      <a:rPr lang="en-US" sz="2800" i="1">
-                                        <a:latin typeface="Cambria Math" charset="0"/>
-                                      </a:rPr>
-                                      <m:t>)</m:t>
-                                    </m:r>
-                                  </m:e>
-                                  <m:e>
-                                    <m:sSub>
-                                      <m:sSubPr>
-                                        <m:ctrlPr>
-                                          <a:rPr lang="en-US" sz="2800" i="1">
-                                            <a:latin typeface="Cambria Math" charset="0"/>
-                                          </a:rPr>
-                                        </m:ctrlPr>
-                                      </m:sSubPr>
-                                      <m:e>
-                                        <m:acc>
-                                          <m:accPr>
-                                            <m:chr m:val="̂"/>
-                                            <m:ctrlPr>
-                                              <a:rPr lang="en-US" sz="2800" i="1">
-                                                <a:latin typeface="Cambria Math" charset="0"/>
-                                              </a:rPr>
-                                            </m:ctrlPr>
-                                          </m:accPr>
-                                          <m:e>
-                                            <m:r>
-                                              <a:rPr lang="en-US" sz="2800" b="0" i="1" smtClean="0">
-                                                <a:latin typeface="Cambria Math" charset="0"/>
-                                              </a:rPr>
-                                              <m:t>𝑦</m:t>
-                                            </m:r>
-                                          </m:e>
-                                        </m:acc>
-                                      </m:e>
-                                      <m:sub>
-                                        <m:r>
-                                          <a:rPr lang="en-US" sz="2800" b="0" i="1" smtClean="0">
-                                            <a:latin typeface="Cambria Math" charset="0"/>
-                                          </a:rPr>
-                                          <m:t>𝑘</m:t>
-                                        </m:r>
-                                        <m:r>
-                                          <a:rPr lang="en-US" sz="2800" b="0" i="1" smtClean="0">
-                                            <a:latin typeface="Cambria Math" charset="0"/>
-                                          </a:rPr>
-                                          <m:t>+1</m:t>
-                                        </m:r>
-                                      </m:sub>
-                                    </m:sSub>
-                                    <m:r>
-                                      <a:rPr lang="en-US" sz="2800" i="1">
-                                        <a:latin typeface="Cambria Math" charset="0"/>
-                                      </a:rPr>
-                                      <m:t>=</m:t>
-                                    </m:r>
-                                    <m:sSub>
-                                      <m:sSubPr>
-                                        <m:ctrlPr>
-                                          <a:rPr lang="en-US" sz="2800" i="1">
-                                            <a:latin typeface="Cambria Math" charset="0"/>
-                                          </a:rPr>
-                                        </m:ctrlPr>
-                                      </m:sSubPr>
-                                      <m:e>
-                                        <m:acc>
-                                          <m:accPr>
-                                            <m:chr m:val="̂"/>
-                                            <m:ctrlPr>
-                                              <a:rPr lang="en-US" sz="2800" i="1">
-                                                <a:latin typeface="Cambria Math" charset="0"/>
-                                              </a:rPr>
-                                            </m:ctrlPr>
-                                          </m:accPr>
-                                          <m:e>
-                                            <m:r>
-                                              <a:rPr lang="en-US" sz="2800" b="0" i="1" smtClean="0">
-                                                <a:latin typeface="Cambria Math" charset="0"/>
-                                              </a:rPr>
-                                              <m:t>𝑦</m:t>
-                                            </m:r>
-                                          </m:e>
-                                        </m:acc>
-                                      </m:e>
-                                      <m:sub>
-                                        <m:r>
-                                          <a:rPr lang="en-US" sz="2800" i="1">
-                                            <a:latin typeface="Cambria Math" charset="0"/>
-                                          </a:rPr>
-                                          <m:t>𝑘</m:t>
-                                        </m:r>
-                                      </m:sub>
-                                    </m:sSub>
-                                    <m:r>
-                                      <a:rPr lang="en-US" sz="2800" i="1">
-                                        <a:latin typeface="Cambria Math" charset="0"/>
-                                      </a:rPr>
-                                      <m:t>+</m:t>
-                                    </m:r>
-                                    <m:r>
-                                      <a:rPr lang="en-US" sz="2800" i="1">
-                                        <a:latin typeface="Cambria Math" charset="0"/>
-                                      </a:rPr>
-                                      <m:t>+</m:t>
-                                    </m:r>
-                                    <m:d>
-                                      <m:dPr>
-                                        <m:ctrlPr>
-                                          <a:rPr lang="en-US" sz="2800" i="1">
-                                            <a:latin typeface="Cambria Math" charset="0"/>
-                                          </a:rPr>
-                                        </m:ctrlPr>
-                                      </m:dPr>
-                                      <m:e>
-                                        <m:sSub>
-                                          <m:sSubPr>
-                                            <m:ctrlPr>
-                                              <a:rPr lang="en-US" sz="2800" i="1">
-                                                <a:latin typeface="Cambria Math" charset="0"/>
-                                              </a:rPr>
-                                            </m:ctrlPr>
-                                          </m:sSubPr>
-                                          <m:e>
-                                            <m:r>
-                                              <a:rPr lang="en-US" sz="2800" i="1">
-                                                <a:latin typeface="Cambria Math" charset="0"/>
-                                              </a:rPr>
-                                              <m:t>𝑣</m:t>
-                                            </m:r>
-                                          </m:e>
-                                          <m:sub>
-                                            <m:r>
-                                              <a:rPr lang="en-US" sz="2800" i="1">
-                                                <a:latin typeface="Cambria Math" charset="0"/>
-                                              </a:rPr>
-                                              <m:t>𝑘</m:t>
-                                            </m:r>
-                                          </m:sub>
-                                        </m:sSub>
-                                        <m:r>
-                                          <a:rPr lang="en-US" sz="2800" i="1">
-                                            <a:latin typeface="Cambria Math" charset="0"/>
-                                          </a:rPr>
-                                          <m:t>+</m:t>
-                                        </m:r>
-                                        <m:sSub>
-                                          <m:sSubPr>
-                                            <m:ctrlPr>
-                                              <a:rPr lang="en-US" sz="2800" i="1">
-                                                <a:latin typeface="Cambria Math" charset="0"/>
-                                              </a:rPr>
-                                            </m:ctrlPr>
-                                          </m:sSubPr>
-                                          <m:e>
-                                            <m:r>
-                                              <a:rPr lang="en-US" sz="2800" i="1">
-                                                <a:latin typeface="Cambria Math" charset="0"/>
-                                              </a:rPr>
-                                              <m:t>𝐵</m:t>
-                                            </m:r>
-                                          </m:e>
-                                          <m:sub>
-                                            <m:sSub>
-                                              <m:sSubPr>
-                                                <m:ctrlPr>
-                                                  <a:rPr lang="en-US" sz="2800" i="1">
-                                                    <a:latin typeface="Cambria Math" charset="0"/>
-                                                  </a:rPr>
-                                                </m:ctrlPr>
-                                              </m:sSubPr>
-                                              <m:e>
-                                                <m:r>
-                                                  <a:rPr lang="en-US" sz="2800" i="1">
-                                                    <a:latin typeface="Cambria Math" charset="0"/>
-                                                  </a:rPr>
-                                                  <m:t>𝑣</m:t>
-                                                </m:r>
-                                              </m:e>
-                                              <m:sub>
-                                                <m:r>
-                                                  <a:rPr lang="en-US" sz="2800" i="1">
-                                                    <a:latin typeface="Cambria Math" charset="0"/>
-                                                  </a:rPr>
-                                                  <m:t>𝑘</m:t>
-                                                </m:r>
-                                              </m:sub>
-                                            </m:sSub>
-                                          </m:sub>
-                                        </m:sSub>
-                                      </m:e>
-                                    </m:d>
-                                    <m:r>
-                                      <a:rPr lang="en-US" sz="2800" b="0" i="1" smtClean="0">
-                                        <a:latin typeface="Cambria Math" charset="0"/>
-                                      </a:rPr>
-                                      <m:t> </m:t>
-                                    </m:r>
-                                    <m:r>
-                                      <m:rPr>
-                                        <m:sty m:val="p"/>
-                                      </m:rPr>
-                                      <a:rPr lang="en-US" sz="2800">
-                                        <a:latin typeface="Cambria Math" charset="0"/>
-                                      </a:rPr>
-                                      <m:t>si</m:t>
-                                    </m:r>
-                                    <m:r>
-                                      <a:rPr lang="en-US" sz="2800" i="1">
-                                        <a:latin typeface="Cambria Math" charset="0"/>
-                                      </a:rPr>
-                                      <m:t>𝑛</m:t>
-                                    </m:r>
-                                    <m:r>
-                                      <a:rPr lang="en-US" sz="2800" i="1">
-                                        <a:latin typeface="Cambria Math" charset="0"/>
-                                      </a:rPr>
-                                      <m:t>⁡(</m:t>
-                                    </m:r>
-                                    <m:sSub>
-                                      <m:sSubPr>
-                                        <m:ctrlPr>
-                                          <a:rPr lang="en-US" sz="2800" i="1">
-                                            <a:latin typeface="Cambria Math" charset="0"/>
-                                          </a:rPr>
-                                        </m:ctrlPr>
-                                      </m:sSubPr>
-                                      <m:e>
-                                        <m:acc>
-                                          <m:accPr>
-                                            <m:chr m:val="̂"/>
-                                            <m:ctrlPr>
-                                              <a:rPr lang="en-US" sz="2800" i="1">
-                                                <a:latin typeface="Cambria Math" charset="0"/>
-                                              </a:rPr>
-                                            </m:ctrlPr>
-                                          </m:accPr>
-                                          <m:e>
-                                            <m:r>
-                                              <a:rPr lang="en-US" sz="2800" i="1" smtClean="0">
-                                                <a:latin typeface="Cambria Math" charset="0"/>
-                                                <a:ea typeface="Cambria Math" charset="0"/>
-                                                <a:cs typeface="Cambria Math" charset="0"/>
-                                              </a:rPr>
-                                              <m:t>𝜃</m:t>
-                                            </m:r>
-                                          </m:e>
-                                        </m:acc>
-                                      </m:e>
-                                      <m:sub>
-                                        <m:r>
-                                          <a:rPr lang="en-US" sz="2800" i="1">
-                                            <a:latin typeface="Cambria Math" charset="0"/>
-                                          </a:rPr>
-                                          <m:t>𝑘</m:t>
-                                        </m:r>
-                                      </m:sub>
-                                    </m:sSub>
-                                    <m:r>
-                                      <a:rPr lang="en-US" sz="2800" i="1">
-                                        <a:latin typeface="Cambria Math" charset="0"/>
-                                      </a:rPr>
-                                      <m:t>)</m:t>
-                                    </m:r>
-                                  </m:e>
-                                  <m:e>
-                                    <m:sSub>
-                                      <m:sSubPr>
-                                        <m:ctrlPr>
-                                          <a:rPr lang="en-US" sz="2800" i="1">
-                                            <a:latin typeface="Cambria Math" charset="0"/>
-                                          </a:rPr>
-                                        </m:ctrlPr>
-                                      </m:sSubPr>
-                                      <m:e>
-                                        <m:acc>
-                                          <m:accPr>
-                                            <m:chr m:val="̂"/>
-                                            <m:ctrlPr>
-                                              <a:rPr lang="en-US" sz="2800" i="1">
-                                                <a:latin typeface="Cambria Math" charset="0"/>
-                                              </a:rPr>
-                                            </m:ctrlPr>
-                                          </m:accPr>
-                                          <m:e>
-                                            <m:r>
-                                              <a:rPr lang="en-US" sz="2800" i="1" smtClean="0">
-                                                <a:latin typeface="Cambria Math" charset="0"/>
-                                                <a:ea typeface="Cambria Math" charset="0"/>
-                                                <a:cs typeface="Cambria Math" charset="0"/>
-                                              </a:rPr>
-                                              <m:t>𝜃</m:t>
-                                            </m:r>
-                                          </m:e>
-                                        </m:acc>
-                                      </m:e>
-                                      <m:sub>
-                                        <m:r>
-                                          <a:rPr lang="en-US" sz="2800" b="0" i="1" smtClean="0">
-                                            <a:latin typeface="Cambria Math" charset="0"/>
-                                          </a:rPr>
-                                          <m:t>𝑘</m:t>
-                                        </m:r>
-                                        <m:r>
-                                          <a:rPr lang="en-US" sz="2800" b="0" i="1" smtClean="0">
-                                            <a:latin typeface="Cambria Math" charset="0"/>
-                                          </a:rPr>
-                                          <m:t>+1</m:t>
-                                        </m:r>
-                                      </m:sub>
-                                    </m:sSub>
-                                    <m:r>
-                                      <a:rPr lang="en-US" sz="2800" b="0" i="1" smtClean="0">
-                                        <a:latin typeface="Cambria Math" charset="0"/>
-                                      </a:rPr>
-                                      <m:t>=</m:t>
-                                    </m:r>
-                                    <m:sSub>
-                                      <m:sSubPr>
-                                        <m:ctrlPr>
-                                          <a:rPr lang="en-US" sz="2800" i="1">
-                                            <a:latin typeface="Cambria Math" charset="0"/>
-                                          </a:rPr>
-                                        </m:ctrlPr>
-                                      </m:sSubPr>
-                                      <m:e>
-                                        <m:acc>
-                                          <m:accPr>
-                                            <m:chr m:val="̂"/>
-                                            <m:ctrlPr>
-                                              <a:rPr lang="en-US" sz="2800" i="1">
-                                                <a:latin typeface="Cambria Math" charset="0"/>
-                                              </a:rPr>
-                                            </m:ctrlPr>
-                                          </m:accPr>
-                                          <m:e>
-                                            <m:r>
-                                              <a:rPr lang="en-US" sz="2800" i="1" smtClean="0">
-                                                <a:latin typeface="Cambria Math" charset="0"/>
-                                                <a:ea typeface="Cambria Math" charset="0"/>
-                                                <a:cs typeface="Cambria Math" charset="0"/>
-                                              </a:rPr>
-                                              <m:t>𝜃</m:t>
-                                            </m:r>
-                                          </m:e>
-                                        </m:acc>
-                                      </m:e>
-                                      <m:sub>
-                                        <m:r>
-                                          <a:rPr lang="en-US" sz="2800" i="1">
-                                            <a:latin typeface="Cambria Math" charset="0"/>
-                                          </a:rPr>
-                                          <m:t>𝑘</m:t>
-                                        </m:r>
-                                      </m:sub>
-                                    </m:sSub>
-                                    <m:r>
-                                      <a:rPr lang="en-US" sz="2800" b="0" i="1" smtClean="0">
-                                        <a:latin typeface="Cambria Math" charset="0"/>
-                                      </a:rPr>
-                                      <m:t>+</m:t>
-                                    </m:r>
-                                    <m:sSub>
-                                      <m:sSubPr>
-                                        <m:ctrlPr>
-                                          <a:rPr lang="en-US" sz="2800" i="1">
-                                            <a:latin typeface="Cambria Math" charset="0"/>
-                                          </a:rPr>
-                                        </m:ctrlPr>
-                                      </m:sSubPr>
-                                      <m:e>
-                                        <m:r>
-                                          <a:rPr lang="en-US" sz="2800" i="1" smtClean="0">
-                                            <a:latin typeface="Cambria Math" charset="0"/>
-                                            <a:ea typeface="Cambria Math" charset="0"/>
-                                            <a:cs typeface="Cambria Math" charset="0"/>
-                                          </a:rPr>
-                                          <m:t>𝜔</m:t>
-                                        </m:r>
-                                      </m:e>
-                                      <m:sub>
-                                        <m:r>
-                                          <a:rPr lang="en-US" sz="2800" i="1">
-                                            <a:latin typeface="Cambria Math" charset="0"/>
-                                          </a:rPr>
-                                          <m:t>𝑘</m:t>
-                                        </m:r>
-                                      </m:sub>
-                                    </m:sSub>
-                                    <m:r>
-                                      <a:rPr lang="en-US" sz="2800" b="0" i="1" smtClean="0">
-                                        <a:latin typeface="Cambria Math" charset="0"/>
-                                      </a:rPr>
-                                      <m:t>+</m:t>
-                                    </m:r>
-                                    <m:sSub>
-                                      <m:sSubPr>
-                                        <m:ctrlPr>
-                                          <a:rPr lang="en-US" sz="2800" i="1">
-                                            <a:latin typeface="Cambria Math" charset="0"/>
-                                          </a:rPr>
-                                        </m:ctrlPr>
-                                      </m:sSubPr>
-                                      <m:e>
-                                        <m:r>
-                                          <a:rPr lang="en-US" sz="2800" i="1">
-                                            <a:latin typeface="Cambria Math" charset="0"/>
-                                          </a:rPr>
-                                          <m:t>𝐵</m:t>
-                                        </m:r>
-                                      </m:e>
-                                      <m:sub>
-                                        <m:sSub>
-                                          <m:sSubPr>
-                                            <m:ctrlPr>
-                                              <a:rPr lang="en-US" sz="2800" i="1">
-                                                <a:latin typeface="Cambria Math" charset="0"/>
-                                              </a:rPr>
-                                            </m:ctrlPr>
-                                          </m:sSubPr>
-                                          <m:e>
-                                            <m:r>
-                                              <a:rPr lang="en-US" sz="2800" i="1">
-                                                <a:latin typeface="Cambria Math" charset="0"/>
-                                                <a:ea typeface="Cambria Math" charset="0"/>
-                                                <a:cs typeface="Cambria Math" charset="0"/>
-                                              </a:rPr>
-                                              <m:t>𝜔</m:t>
-                                            </m:r>
-                                          </m:e>
-                                          <m:sub>
-                                            <m:r>
-                                              <a:rPr lang="en-US" sz="2800" i="1">
-                                                <a:latin typeface="Cambria Math" charset="0"/>
-                                              </a:rPr>
-                                              <m:t>𝑘</m:t>
-                                            </m:r>
-                                          </m:sub>
-                                        </m:sSub>
-                                      </m:sub>
-                                    </m:sSub>
-                                  </m:e>
-                                </m:eqArr>
-                              </m:e>
-                              <m:e>
-                                <m:d>
-                                  <m:dPr>
-                                    <m:ctrlPr>
-                                      <a:rPr lang="en-US" sz="2800" i="1">
-                                        <a:latin typeface="Cambria Math" charset="0"/>
-                                      </a:rPr>
-                                    </m:ctrlPr>
-                                  </m:dPr>
-                                  <m:e>
-                                    <m:sSub>
-                                      <m:sSubPr>
-                                        <m:ctrlPr>
-                                          <a:rPr lang="en-US" sz="2800" i="1">
-                                            <a:latin typeface="Cambria Math" charset="0"/>
-                                          </a:rPr>
-                                        </m:ctrlPr>
-                                      </m:sSubPr>
-                                      <m:e>
-                                        <m:acc>
-                                          <m:accPr>
-                                            <m:chr m:val="̂"/>
-                                            <m:ctrlPr>
-                                              <a:rPr lang="en-US" sz="2800" i="1">
-                                                <a:latin typeface="Cambria Math" charset="0"/>
-                                              </a:rPr>
-                                            </m:ctrlPr>
-                                          </m:accPr>
-                                          <m:e>
-                                            <m:r>
-                                              <a:rPr lang="en-US" sz="2800" i="1">
-                                                <a:latin typeface="Cambria Math" charset="0"/>
-                                                <a:ea typeface="Cambria Math" charset="0"/>
-                                                <a:cs typeface="Cambria Math" charset="0"/>
-                                              </a:rPr>
-                                              <m:t>𝜃</m:t>
-                                            </m:r>
-                                          </m:e>
-                                        </m:acc>
-                                      </m:e>
-                                      <m:sub>
-                                        <m:sSub>
-                                          <m:sSubPr>
-                                            <m:ctrlPr>
-                                              <a:rPr lang="en-US" sz="2800" i="1">
-                                                <a:latin typeface="Cambria Math" charset="0"/>
-                                              </a:rPr>
-                                            </m:ctrlPr>
-                                          </m:sSubPr>
-                                          <m:e>
-                                            <m:r>
-                                              <a:rPr lang="en-US" sz="2800" i="1">
-                                                <a:latin typeface="Cambria Math" charset="0"/>
-                                              </a:rPr>
-                                              <m:t>𝐴</m:t>
-                                            </m:r>
-                                          </m:e>
-                                          <m:sub>
-                                            <m:r>
-                                              <a:rPr lang="en-US" sz="2800" i="1">
-                                                <a:latin typeface="Cambria Math" charset="0"/>
-                                              </a:rPr>
-                                              <m:t>𝑖</m:t>
-                                            </m:r>
-                                            <m:r>
-                                              <a:rPr lang="en-US" sz="2800" i="1">
-                                                <a:latin typeface="Cambria Math" charset="0"/>
-                                              </a:rPr>
-                                              <m:t>,</m:t>
-                                            </m:r>
-                                            <m:r>
-                                              <a:rPr lang="en-US" sz="2800" i="1">
-                                                <a:latin typeface="Cambria Math" charset="0"/>
-                                              </a:rPr>
-                                              <m:t>𝑘</m:t>
-                                            </m:r>
-                                          </m:sub>
-                                        </m:sSub>
-                                      </m:sub>
-                                    </m:sSub>
-                                    <m:r>
-                                      <a:rPr lang="en-US" sz="2800" i="1">
-                                        <a:latin typeface="Cambria Math" charset="0"/>
-                                      </a:rPr>
-                                      <m:t>,</m:t>
-                                    </m:r>
-                                    <m:r>
-                                      <a:rPr lang="en-US" sz="2800" i="1">
-                                        <a:latin typeface="Cambria Math" charset="0"/>
-                                        <a:ea typeface="Cambria Math" charset="0"/>
-                                        <a:cs typeface="Cambria Math" charset="0"/>
-                                      </a:rPr>
-                                      <m:t> </m:t>
-                                    </m:r>
-                                    <m:sSub>
-                                      <m:sSubPr>
-                                        <m:ctrlPr>
-                                          <a:rPr lang="en-US" sz="2800" i="1">
-                                            <a:latin typeface="Cambria Math" charset="0"/>
-                                            <a:ea typeface="Cambria Math" charset="0"/>
-                                            <a:cs typeface="Cambria Math" charset="0"/>
-                                          </a:rPr>
-                                        </m:ctrlPr>
-                                      </m:sSubPr>
-                                      <m:e>
-                                        <m:acc>
-                                          <m:accPr>
-                                            <m:chr m:val="̂"/>
-                                            <m:ctrlPr>
-                                              <a:rPr lang="en-US" sz="2800" i="1">
-                                                <a:latin typeface="Cambria Math" charset="0"/>
-                                              </a:rPr>
-                                            </m:ctrlPr>
-                                          </m:accPr>
-                                          <m:e>
-                                            <m:r>
-                                              <a:rPr lang="en-US" sz="2800" i="1" smtClean="0">
-                                                <a:latin typeface="Cambria Math" charset="0"/>
-                                                <a:ea typeface="Cambria Math" charset="0"/>
-                                                <a:cs typeface="Cambria Math" charset="0"/>
-                                              </a:rPr>
-                                              <m:t>𝜌</m:t>
-                                            </m:r>
-                                          </m:e>
-                                        </m:acc>
-                                      </m:e>
-                                      <m:sub>
-                                        <m:sSub>
-                                          <m:sSubPr>
-                                            <m:ctrlPr>
-                                              <a:rPr lang="en-US" sz="2800" i="1">
-                                                <a:latin typeface="Cambria Math" charset="0"/>
-                                                <a:ea typeface="Cambria Math" charset="0"/>
-                                                <a:cs typeface="Cambria Math" charset="0"/>
-                                              </a:rPr>
-                                            </m:ctrlPr>
-                                          </m:sSubPr>
-                                          <m:e>
-                                            <m:r>
-                                              <a:rPr lang="en-US" sz="2800" i="1">
-                                                <a:latin typeface="Cambria Math" charset="0"/>
-                                                <a:ea typeface="Cambria Math" charset="0"/>
-                                                <a:cs typeface="Cambria Math" charset="0"/>
-                                              </a:rPr>
-                                              <m:t>𝐴</m:t>
-                                            </m:r>
-                                          </m:e>
-                                          <m:sub>
-                                            <m:r>
-                                              <a:rPr lang="en-US" sz="2800" i="1">
-                                                <a:latin typeface="Cambria Math" charset="0"/>
-                                                <a:ea typeface="Cambria Math" charset="0"/>
-                                                <a:cs typeface="Cambria Math" charset="0"/>
-                                              </a:rPr>
-                                              <m:t>𝑖𝑘</m:t>
-                                            </m:r>
-                                          </m:sub>
-                                        </m:sSub>
-                                      </m:sub>
-                                    </m:sSub>
-                                  </m:e>
-                                </m:d>
-                                <m:r>
-                                  <a:rPr lang="en-US" sz="2800" i="1">
-                                    <a:latin typeface="Cambria Math" charset="0"/>
-                                    <a:ea typeface="Cambria Math" charset="0"/>
-                                    <a:cs typeface="Cambria Math" charset="0"/>
-                                  </a:rPr>
-                                  <m:t>=</m:t>
-                                </m:r>
-                                <m:r>
-                                  <a:rPr lang="en-US" sz="2800" i="1">
-                                    <a:latin typeface="Cambria Math" charset="0"/>
-                                    <a:ea typeface="Cambria Math" charset="0"/>
-                                    <a:cs typeface="Cambria Math" charset="0"/>
-                                  </a:rPr>
-                                  <m:t>h</m:t>
-                                </m:r>
-                                <m:r>
-                                  <a:rPr lang="en-US" sz="2800" i="1">
-                                    <a:latin typeface="Cambria Math" charset="0"/>
-                                    <a:ea typeface="Cambria Math" charset="0"/>
-                                    <a:cs typeface="Cambria Math" charset="0"/>
-                                  </a:rPr>
-                                  <m:t>(</m:t>
-                                </m:r>
-                                <m:sSub>
-                                  <m:sSubPr>
-                                    <m:ctrlPr>
-                                      <a:rPr lang="en-US" sz="2800" i="1">
-                                        <a:latin typeface="Cambria Math" charset="0"/>
-                                      </a:rPr>
-                                    </m:ctrlPr>
-                                  </m:sSubPr>
-                                  <m:e>
-                                    <m:r>
-                                      <a:rPr lang="en-US" sz="2800" i="1" smtClean="0">
-                                        <a:latin typeface="Cambria Math" charset="0"/>
-                                        <a:ea typeface="Cambria Math" charset="0"/>
-                                        <a:cs typeface="Cambria Math" charset="0"/>
-                                      </a:rPr>
-                                      <m:t>𝜃</m:t>
-                                    </m:r>
-                                  </m:e>
-                                  <m:sub>
-                                    <m:sSub>
-                                      <m:sSubPr>
-                                        <m:ctrlPr>
-                                          <a:rPr lang="en-US" sz="2800" i="1">
-                                            <a:latin typeface="Cambria Math" charset="0"/>
-                                          </a:rPr>
-                                        </m:ctrlPr>
-                                      </m:sSubPr>
-                                      <m:e>
-                                        <m:r>
-                                          <a:rPr lang="en-US" sz="2800" i="1">
-                                            <a:latin typeface="Cambria Math" charset="0"/>
-                                          </a:rPr>
-                                          <m:t>𝐴</m:t>
-                                        </m:r>
-                                      </m:e>
-                                      <m:sub>
-                                        <m:r>
-                                          <a:rPr lang="en-US" sz="2800" i="1">
-                                            <a:latin typeface="Cambria Math" charset="0"/>
-                                          </a:rPr>
-                                          <m:t>𝑖</m:t>
-                                        </m:r>
-                                        <m:r>
-                                          <a:rPr lang="en-US" sz="2800" i="1">
-                                            <a:latin typeface="Cambria Math" charset="0"/>
-                                          </a:rPr>
-                                          <m:t>,</m:t>
-                                        </m:r>
-                                        <m:r>
-                                          <a:rPr lang="en-US" sz="2800" i="1">
-                                            <a:latin typeface="Cambria Math" charset="0"/>
-                                          </a:rPr>
-                                          <m:t>𝑘</m:t>
-                                        </m:r>
-                                      </m:sub>
-                                    </m:sSub>
-                                  </m:sub>
-                                </m:sSub>
-                                <m:r>
-                                  <a:rPr lang="en-US" sz="2800" i="1">
-                                    <a:latin typeface="Cambria Math" charset="0"/>
-                                  </a:rPr>
-                                  <m:t>,</m:t>
-                                </m:r>
-                                <m:r>
-                                  <a:rPr lang="en-US" sz="2800" i="1">
-                                    <a:latin typeface="Cambria Math" charset="0"/>
-                                    <a:ea typeface="Cambria Math" charset="0"/>
-                                    <a:cs typeface="Cambria Math" charset="0"/>
-                                  </a:rPr>
-                                  <m:t> </m:t>
-                                </m:r>
-                                <m:sSub>
-                                  <m:sSubPr>
-                                    <m:ctrlPr>
-                                      <a:rPr lang="en-US" sz="2800" i="1">
-                                        <a:latin typeface="Cambria Math" charset="0"/>
-                                        <a:ea typeface="Cambria Math" charset="0"/>
-                                        <a:cs typeface="Cambria Math" charset="0"/>
-                                      </a:rPr>
-                                    </m:ctrlPr>
-                                  </m:sSubPr>
-                                  <m:e>
-                                    <m:r>
-                                      <a:rPr lang="en-US" sz="2800" i="1" smtClean="0">
-                                        <a:latin typeface="Cambria Math" charset="0"/>
-                                        <a:ea typeface="Cambria Math" charset="0"/>
-                                        <a:cs typeface="Cambria Math" charset="0"/>
-                                      </a:rPr>
-                                      <m:t>𝜌</m:t>
-                                    </m:r>
-                                  </m:e>
-                                  <m:sub>
-                                    <m:sSub>
-                                      <m:sSubPr>
-                                        <m:ctrlPr>
-                                          <a:rPr lang="en-US" sz="2800" i="1">
-                                            <a:latin typeface="Cambria Math" charset="0"/>
-                                            <a:ea typeface="Cambria Math" charset="0"/>
-                                            <a:cs typeface="Cambria Math" charset="0"/>
-                                          </a:rPr>
-                                        </m:ctrlPr>
-                                      </m:sSubPr>
-                                      <m:e>
-                                        <m:r>
-                                          <a:rPr lang="en-US" sz="2800" i="1">
-                                            <a:latin typeface="Cambria Math" charset="0"/>
-                                            <a:ea typeface="Cambria Math" charset="0"/>
-                                            <a:cs typeface="Cambria Math" charset="0"/>
-                                          </a:rPr>
-                                          <m:t>𝐴</m:t>
-                                        </m:r>
-                                      </m:e>
-                                      <m:sub>
-                                        <m:r>
-                                          <a:rPr lang="en-US" sz="2800" i="1">
-                                            <a:latin typeface="Cambria Math" charset="0"/>
-                                            <a:ea typeface="Cambria Math" charset="0"/>
-                                            <a:cs typeface="Cambria Math" charset="0"/>
-                                          </a:rPr>
-                                          <m:t>𝑖𝑘</m:t>
-                                        </m:r>
-                                      </m:sub>
-                                    </m:sSub>
-                                  </m:sub>
-                                </m:sSub>
-                                <m:r>
-                                  <a:rPr lang="en-US" sz="2800" i="1">
-                                    <a:latin typeface="Cambria Math" charset="0"/>
-                                    <a:ea typeface="Cambria Math" charset="0"/>
-                                    <a:cs typeface="Cambria Math" charset="0"/>
-                                  </a:rPr>
-                                  <m:t>,</m:t>
-                                </m:r>
-                                <m:sSub>
-                                  <m:sSubPr>
-                                    <m:ctrlPr>
-                                      <a:rPr lang="en-US" sz="2800" i="1">
-                                        <a:latin typeface="Cambria Math" charset="0"/>
-                                      </a:rPr>
-                                    </m:ctrlPr>
-                                  </m:sSubPr>
-                                  <m:e>
-                                    <m:r>
-                                      <a:rPr lang="en-US" sz="2800" i="1">
-                                        <a:latin typeface="Cambria Math" charset="0"/>
-                                      </a:rPr>
-                                      <m:t>𝑥</m:t>
-                                    </m:r>
-                                  </m:e>
-                                  <m:sub>
-                                    <m:r>
-                                      <a:rPr lang="en-US" sz="2800" i="1">
-                                        <a:latin typeface="Cambria Math" charset="0"/>
-                                      </a:rPr>
-                                      <m:t>𝑘</m:t>
-                                    </m:r>
-                                  </m:sub>
-                                </m:sSub>
-                                <m:r>
-                                  <a:rPr lang="en-US" sz="2800" i="1">
-                                    <a:latin typeface="Cambria Math" charset="0"/>
-                                  </a:rPr>
-                                  <m:t>,</m:t>
-                                </m:r>
-                                <m:sSub>
-                                  <m:sSubPr>
-                                    <m:ctrlPr>
-                                      <a:rPr lang="en-US" sz="2800" i="1">
-                                        <a:latin typeface="Cambria Math" charset="0"/>
-                                      </a:rPr>
-                                    </m:ctrlPr>
-                                  </m:sSubPr>
-                                  <m:e>
-                                    <m:r>
-                                      <a:rPr lang="en-US" sz="2800" i="1">
-                                        <a:latin typeface="Cambria Math" charset="0"/>
-                                      </a:rPr>
-                                      <m:t>𝑦</m:t>
-                                    </m:r>
-                                  </m:e>
-                                  <m:sub>
-                                    <m:r>
-                                      <a:rPr lang="en-US" sz="2800" i="1">
-                                        <a:latin typeface="Cambria Math" charset="0"/>
-                                      </a:rPr>
-                                      <m:t>𝑘</m:t>
-                                    </m:r>
-                                  </m:sub>
-                                </m:sSub>
-                                <m:r>
-                                  <a:rPr lang="en-US" sz="2800" b="0" i="1" smtClean="0">
-                                    <a:latin typeface="Cambria Math" charset="0"/>
-                                  </a:rPr>
-                                  <m:t>,</m:t>
-                                </m:r>
-                                <m:sSub>
-                                  <m:sSubPr>
-                                    <m:ctrlPr>
-                                      <a:rPr lang="en-US" sz="2800" b="0" i="1" smtClean="0">
-                                        <a:latin typeface="Cambria Math" charset="0"/>
-                                      </a:rPr>
-                                    </m:ctrlPr>
-                                  </m:sSubPr>
-                                  <m:e>
-                                    <m:r>
-                                      <a:rPr lang="en-US" sz="2800" b="0" i="1" smtClean="0">
-                                        <a:latin typeface="Cambria Math" charset="0"/>
-                                      </a:rPr>
-                                      <m:t>𝐵</m:t>
-                                    </m:r>
-                                  </m:e>
-                                  <m:sub>
-                                    <m:sSub>
-                                      <m:sSubPr>
-                                        <m:ctrlPr>
-                                          <a:rPr lang="en-US" sz="2800" i="1">
-                                            <a:latin typeface="Cambria Math" charset="0"/>
-                                          </a:rPr>
-                                        </m:ctrlPr>
-                                      </m:sSubPr>
-                                      <m:e>
-                                        <m:r>
-                                          <a:rPr lang="en-US" sz="2800" i="1">
-                                            <a:latin typeface="Cambria Math" charset="0"/>
-                                            <a:ea typeface="Cambria Math" charset="0"/>
-                                            <a:cs typeface="Cambria Math" charset="0"/>
-                                          </a:rPr>
-                                          <m:t>𝜃</m:t>
-                                        </m:r>
-                                      </m:e>
-                                      <m:sub>
-                                        <m:sSub>
-                                          <m:sSubPr>
-                                            <m:ctrlPr>
-                                              <a:rPr lang="en-US" sz="2800" i="1">
-                                                <a:latin typeface="Cambria Math" charset="0"/>
-                                              </a:rPr>
-                                            </m:ctrlPr>
-                                          </m:sSubPr>
-                                          <m:e>
-                                            <m:r>
-                                              <a:rPr lang="en-US" sz="2800" i="1">
-                                                <a:latin typeface="Cambria Math" charset="0"/>
-                                              </a:rPr>
-                                              <m:t>𝐴</m:t>
-                                            </m:r>
-                                          </m:e>
-                                          <m:sub>
-                                            <m:r>
-                                              <a:rPr lang="en-US" sz="2800" i="1">
-                                                <a:latin typeface="Cambria Math" charset="0"/>
-                                              </a:rPr>
-                                              <m:t>𝑖</m:t>
-                                            </m:r>
-                                            <m:r>
-                                              <a:rPr lang="en-US" sz="2800" i="1">
-                                                <a:latin typeface="Cambria Math" charset="0"/>
-                                              </a:rPr>
-                                              <m:t>,</m:t>
-                                            </m:r>
-                                            <m:r>
-                                              <a:rPr lang="en-US" sz="2800" i="1">
-                                                <a:latin typeface="Cambria Math" charset="0"/>
-                                              </a:rPr>
-                                              <m:t>𝑘</m:t>
-                                            </m:r>
-                                          </m:sub>
-                                        </m:sSub>
-                                      </m:sub>
-                                    </m:sSub>
-                                  </m:sub>
-                                </m:sSub>
-                                <m:sSub>
-                                  <m:sSubPr>
-                                    <m:ctrlPr>
-                                      <a:rPr lang="en-US" sz="2800" i="1">
-                                        <a:latin typeface="Cambria Math" charset="0"/>
-                                      </a:rPr>
-                                    </m:ctrlPr>
-                                  </m:sSubPr>
-                                  <m:e>
-                                    <m:r>
-                                      <a:rPr lang="en-US" sz="2800" i="1">
-                                        <a:latin typeface="Cambria Math" charset="0"/>
-                                      </a:rPr>
-                                      <m:t>𝐵</m:t>
-                                    </m:r>
-                                  </m:e>
-                                  <m:sub>
-                                    <m:sSub>
-                                      <m:sSubPr>
-                                        <m:ctrlPr>
-                                          <a:rPr lang="en-US" sz="2800" i="1">
-                                            <a:latin typeface="Cambria Math" charset="0"/>
-                                          </a:rPr>
-                                        </m:ctrlPr>
-                                      </m:sSubPr>
-                                      <m:e>
-                                        <m:r>
-                                          <a:rPr lang="en-US" sz="2800" i="1" smtClean="0">
-                                            <a:latin typeface="Cambria Math" charset="0"/>
-                                            <a:ea typeface="Cambria Math" charset="0"/>
-                                            <a:cs typeface="Cambria Math" charset="0"/>
-                                          </a:rPr>
-                                          <m:t>𝜌</m:t>
-                                        </m:r>
-                                      </m:e>
-                                      <m:sub>
-                                        <m:sSub>
-                                          <m:sSubPr>
-                                            <m:ctrlPr>
-                                              <a:rPr lang="en-US" sz="2800" i="1">
-                                                <a:latin typeface="Cambria Math" charset="0"/>
-                                              </a:rPr>
-                                            </m:ctrlPr>
-                                          </m:sSubPr>
-                                          <m:e>
-                                            <m:r>
-                                              <a:rPr lang="en-US" sz="2800" i="1">
-                                                <a:latin typeface="Cambria Math" charset="0"/>
-                                              </a:rPr>
-                                              <m:t>𝐴</m:t>
-                                            </m:r>
-                                          </m:e>
-                                          <m:sub>
-                                            <m:r>
-                                              <a:rPr lang="en-US" sz="2800" i="1">
-                                                <a:latin typeface="Cambria Math" charset="0"/>
-                                              </a:rPr>
-                                              <m:t>𝑖</m:t>
-                                            </m:r>
-                                            <m:r>
-                                              <a:rPr lang="en-US" sz="2800" i="1">
-                                                <a:latin typeface="Cambria Math" charset="0"/>
-                                              </a:rPr>
-                                              <m:t>,</m:t>
-                                            </m:r>
-                                            <m:r>
-                                              <a:rPr lang="en-US" sz="2800" i="1">
-                                                <a:latin typeface="Cambria Math" charset="0"/>
-                                              </a:rPr>
-                                              <m:t>𝑘</m:t>
-                                            </m:r>
-                                          </m:sub>
-                                        </m:sSub>
-                                      </m:sub>
-                                    </m:sSub>
-                                  </m:sub>
-                                </m:sSub>
-                                <m:r>
-                                  <a:rPr lang="en-US" sz="2800" i="1">
-                                    <a:latin typeface="Cambria Math" charset="0"/>
-                                  </a:rPr>
-                                  <m:t>)</m:t>
-                                </m:r>
-                              </m:e>
-                            </m:eqArr>
-                          </m:e>
-                        </m:d>
-                      </m:oMath>
-                    </m:oMathPara>
-                  </a14:m>
-                  <a:endParaRPr lang="fr-FR" sz="2800" dirty="0"/>
-                </a:p>
-              </p:txBody>
-            </p:sp>
-          </mc:Choice>
-          <mc:Fallback>
-            <p:sp>
-              <p:nvSpPr>
-                <p:cNvPr id="7" name="TextBox 6"/>
-                <p:cNvSpPr txBox="1">
-                  <a:spLocks noRot="1" noChangeAspect="1" noMove="1" noResize="1" noEditPoints="1" noAdjustHandles="1" noChangeArrowheads="1" noChangeShapeType="1" noTextEdit="1"/>
-                </p:cNvSpPr>
-                <p:nvPr/>
-              </p:nvSpPr>
-              <p:spPr>
-                <a:xfrm>
-                  <a:off x="4936064" y="3900945"/>
-                  <a:ext cx="7181005" cy="2434128"/>
-                </a:xfrm>
-                <a:prstGeom prst="rect">
-                  <a:avLst/>
-                </a:prstGeom>
-                <a:blipFill rotWithShape="0">
-                  <a:blip r:embed="rId4"/>
-                  <a:stretch>
-                    <a:fillRect/>
-                  </a:stretch>
-                </a:blipFill>
-              </p:spPr>
-              <p:txBody>
-                <a:bodyPr/>
-                <a:lstStyle/>
-                <a:p>
-                  <a:r>
-                    <a:rPr lang="fr-FR">
-                      <a:noFill/>
-                    </a:rPr>
-                    <a:t> </a:t>
-                  </a:r>
-                </a:p>
-              </p:txBody>
-            </p:sp>
-          </mc:Fallback>
-        </mc:AlternateContent>
-        <p:sp>
-          <p:nvSpPr>
-            <p:cNvPr id="10" name="Title 1"/>
-            <p:cNvSpPr txBox="1">
-              <a:spLocks/>
-            </p:cNvSpPr>
-            <p:nvPr/>
-          </p:nvSpPr>
-          <p:spPr>
-            <a:xfrm>
-              <a:off x="5879331" y="3745634"/>
-              <a:ext cx="8961148" cy="444500"/>
-            </a:xfrm>
-            <a:prstGeom prst="rect">
-              <a:avLst/>
-            </a:prstGeom>
-          </p:spPr>
-          <p:txBody>
-            <a:bodyPr vert="horz" lIns="91440" tIns="45720" rIns="91440" bIns="45720" rtlCol="0" anchor="t">
-              <a:normAutofit/>
-            </a:bodyPr>
-            <a:lstStyle>
-              <a:lvl1pPr algn="l" defTabSz="457200" rtl="0" eaLnBrk="1" latinLnBrk="0" hangingPunct="1">
-                <a:spcBef>
-                  <a:spcPct val="0"/>
-                </a:spcBef>
-                <a:buNone/>
-                <a:defRPr sz="3600" kern="1200">
-                  <a:solidFill>
-                    <a:schemeClr val="tx1">
-                      <a:lumMod val="85000"/>
-                      <a:lumOff val="15000"/>
-                    </a:schemeClr>
-                  </a:solidFill>
-                  <a:latin typeface="+mj-lt"/>
-                  <a:ea typeface="+mj-ea"/>
-                  <a:cs typeface="+mj-cs"/>
-                </a:defRPr>
-              </a:lvl1pPr>
-              <a:lvl2pPr eaLnBrk="1" hangingPunct="1">
-                <a:defRPr>
-                  <a:solidFill>
-                    <a:schemeClr val="tx2"/>
-                  </a:solidFill>
-                </a:defRPr>
-              </a:lvl2pPr>
-              <a:lvl3pPr eaLnBrk="1" hangingPunct="1">
-                <a:defRPr>
-                  <a:solidFill>
-                    <a:schemeClr val="tx2"/>
-                  </a:solidFill>
-                </a:defRPr>
-              </a:lvl3pPr>
-              <a:lvl4pPr eaLnBrk="1" hangingPunct="1">
-                <a:defRPr>
-                  <a:solidFill>
-                    <a:schemeClr val="tx2"/>
-                  </a:solidFill>
-                </a:defRPr>
-              </a:lvl4pPr>
-              <a:lvl5pPr eaLnBrk="1" hangingPunct="1">
-                <a:defRPr>
-                  <a:solidFill>
-                    <a:schemeClr val="tx2"/>
-                  </a:solidFill>
-                </a:defRPr>
-              </a:lvl5pPr>
-              <a:lvl6pPr eaLnBrk="1" hangingPunct="1">
-                <a:defRPr>
-                  <a:solidFill>
-                    <a:schemeClr val="tx2"/>
-                  </a:solidFill>
-                </a:defRPr>
-              </a:lvl6pPr>
-              <a:lvl7pPr eaLnBrk="1" hangingPunct="1">
-                <a:defRPr>
-                  <a:solidFill>
-                    <a:schemeClr val="tx2"/>
-                  </a:solidFill>
-                </a:defRPr>
-              </a:lvl7pPr>
-              <a:lvl8pPr eaLnBrk="1" hangingPunct="1">
-                <a:defRPr>
-                  <a:solidFill>
-                    <a:schemeClr val="tx2"/>
-                  </a:solidFill>
-                </a:defRPr>
-              </a:lvl8pPr>
-              <a:lvl9pPr eaLnBrk="1" hangingPunct="1">
-                <a:defRPr>
-                  <a:solidFill>
-                    <a:schemeClr val="tx2"/>
-                  </a:solidFill>
-                </a:defRPr>
-              </a:lvl9pPr>
-            </a:lstStyle>
-            <a:p>
-              <a:r>
-                <a:rPr lang="fr-FR" sz="1800" dirty="0" smtClean="0"/>
-                <a:t>Modèles un peu plus réaliste:</a:t>
-              </a:r>
-              <a:endParaRPr lang="fr-FR" sz="1800" dirty="0"/>
-            </a:p>
-          </p:txBody>
-        </p:sp>
-      </p:grpSp>
     </p:spTree>
     <p:extLst>
       <p:ext uri="{BB962C8B-B14F-4D97-AF65-F5344CB8AC3E}">
@@ -10330,7 +10394,7 @@
                                           </p:stCondLst>
                                         </p:cTn>
                                         <p:tgtEl>
-                                          <p:spTgt spid="6"/>
+                                          <p:spTgt spid="13"/>
                                         </p:tgtEl>
                                         <p:attrNameLst>
                                           <p:attrName>style.visibility</p:attrName>
@@ -10420,6 +10484,1295 @@
 </file>
 
 <file path=ppt/slides/slide3.xml><?xml version="1.0" encoding="utf-8"?>
+<p:sld xmlns:a="http://schemas.openxmlformats.org/drawingml/2006/main" xmlns:r="http://schemas.openxmlformats.org/officeDocument/2006/relationships" xmlns:p="http://schemas.openxmlformats.org/presentationml/2006/main">
+  <p:cSld>
+    <p:spTree>
+      <p:nvGrpSpPr>
+        <p:cNvPr id="1" name=""/>
+        <p:cNvGrpSpPr/>
+        <p:nvPr/>
+      </p:nvGrpSpPr>
+      <p:grpSpPr>
+        <a:xfrm>
+          <a:off x="0" y="0"/>
+          <a:ext cx="0" cy="0"/>
+          <a:chOff x="0" y="0"/>
+          <a:chExt cx="0" cy="0"/>
+        </a:xfrm>
+      </p:grpSpPr>
+      <p:sp>
+        <p:nvSpPr>
+          <p:cNvPr id="2" name="Title 1"/>
+          <p:cNvSpPr>
+            <a:spLocks noGrp="1"/>
+          </p:cNvSpPr>
+          <p:nvPr>
+            <p:ph type="title"/>
+          </p:nvPr>
+        </p:nvSpPr>
+        <p:spPr/>
+        <p:txBody>
+          <a:bodyPr/>
+          <a:lstStyle/>
+          <a:p>
+            <a:r>
+              <a:rPr lang="fr-FR" dirty="0" smtClean="0"/>
+              <a:t>Une mesure des amers</a:t>
+            </a:r>
+            <a:endParaRPr lang="fr-FR" dirty="0"/>
+          </a:p>
+        </p:txBody>
+      </p:sp>
+      <p:sp>
+        <p:nvSpPr>
+          <p:cNvPr id="3" name="Content Placeholder 2"/>
+          <p:cNvSpPr>
+            <a:spLocks noGrp="1"/>
+          </p:cNvSpPr>
+          <p:nvPr>
+            <p:ph idx="1"/>
+          </p:nvPr>
+        </p:nvSpPr>
+        <p:spPr/>
+        <p:txBody>
+          <a:bodyPr/>
+          <a:lstStyle/>
+          <a:p>
+            <a:endParaRPr lang="fr-FR" dirty="0"/>
+          </a:p>
+        </p:txBody>
+      </p:sp>
+      <p:pic>
+        <p:nvPicPr>
+          <p:cNvPr id="3074" name="Picture 2" descr="ee original image"/>
+          <p:cNvPicPr>
+            <a:picLocks noChangeAspect="1" noChangeArrowheads="1"/>
+          </p:cNvPicPr>
+          <p:nvPr/>
+        </p:nvPicPr>
+        <p:blipFill>
+          <a:blip r:embed="rId2">
+            <a:extLst>
+              <a:ext uri="{28A0092B-C50C-407E-A947-70E740481C1C}">
+                <a14:useLocalDpi xmlns:a14="http://schemas.microsoft.com/office/drawing/2010/main" val="0"/>
+              </a:ext>
+            </a:extLst>
+          </a:blip>
+          <a:srcRect/>
+          <a:stretch>
+            <a:fillRect/>
+          </a:stretch>
+        </p:blipFill>
+        <p:spPr bwMode="auto">
+          <a:xfrm>
+            <a:off x="1117600" y="2133601"/>
+            <a:ext cx="4923874" cy="3293748"/>
+          </a:xfrm>
+          <a:prstGeom prst="rect">
+            <a:avLst/>
+          </a:prstGeom>
+          <a:noFill/>
+          <a:extLst>
+            <a:ext uri="{909E8E84-426E-40DD-AFC4-6F175D3DCCD1}">
+              <a14:hiddenFill xmlns:a14="http://schemas.microsoft.com/office/drawing/2010/main">
+                <a:solidFill>
+                  <a:srgbClr val="FFFFFF"/>
+                </a:solidFill>
+              </a14:hiddenFill>
+            </a:ext>
+          </a:extLst>
+        </p:spPr>
+      </p:pic>
+      <mc:AlternateContent xmlns:mc="http://schemas.openxmlformats.org/markup-compatibility/2006" xmlns:a14="http://schemas.microsoft.com/office/drawing/2010/main">
+        <mc:Choice Requires="a14">
+          <p:sp>
+            <p:nvSpPr>
+              <p:cNvPr id="4" name="Rectangle 3"/>
+              <p:cNvSpPr/>
+              <p:nvPr/>
+            </p:nvSpPr>
+            <p:spPr>
+              <a:xfrm>
+                <a:off x="6380182" y="2617473"/>
+                <a:ext cx="3495636" cy="433517"/>
+              </a:xfrm>
+              <a:prstGeom prst="rect">
+                <a:avLst/>
+              </a:prstGeom>
+            </p:spPr>
+            <p:txBody>
+              <a:bodyPr wrap="none">
+                <a:spAutoFit/>
+              </a:bodyPr>
+              <a:lstStyle/>
+              <a:p>
+                <a:pPr/>
+                <a14:m>
+                  <m:oMathPara xmlns:m="http://schemas.openxmlformats.org/officeDocument/2006/math">
+                    <m:oMathParaPr>
+                      <m:jc m:val="centerGroup"/>
+                    </m:oMathParaPr>
+                    <m:oMath xmlns:m="http://schemas.openxmlformats.org/officeDocument/2006/math">
+                      <m:d>
+                        <m:dPr>
+                          <m:ctrlPr>
+                            <a:rPr lang="en-US" i="1">
+                              <a:latin typeface="Cambria Math" charset="0"/>
+                            </a:rPr>
+                          </m:ctrlPr>
+                        </m:dPr>
+                        <m:e>
+                          <m:sSub>
+                            <m:sSubPr>
+                              <m:ctrlPr>
+                                <a:rPr lang="en-US" i="1">
+                                  <a:latin typeface="Cambria Math" charset="0"/>
+                                </a:rPr>
+                              </m:ctrlPr>
+                            </m:sSubPr>
+                            <m:e>
+                              <m:r>
+                                <a:rPr lang="en-US" i="1" smtClean="0">
+                                  <a:latin typeface="Cambria Math" charset="0"/>
+                                  <a:ea typeface="Cambria Math" charset="0"/>
+                                  <a:cs typeface="Cambria Math" charset="0"/>
+                                </a:rPr>
+                                <m:t>𝛼</m:t>
+                              </m:r>
+                            </m:e>
+                            <m:sub>
+                              <m:sSub>
+                                <m:sSubPr>
+                                  <m:ctrlPr>
+                                    <a:rPr lang="en-US" i="1">
+                                      <a:latin typeface="Cambria Math" charset="0"/>
+                                    </a:rPr>
+                                  </m:ctrlPr>
+                                </m:sSubPr>
+                                <m:e>
+                                  <m:r>
+                                    <a:rPr lang="en-US" i="1">
+                                      <a:latin typeface="Cambria Math" charset="0"/>
+                                    </a:rPr>
+                                    <m:t>𝐴</m:t>
+                                  </m:r>
+                                </m:e>
+                                <m:sub>
+                                  <m:r>
+                                    <a:rPr lang="en-US" i="1">
+                                      <a:latin typeface="Cambria Math" charset="0"/>
+                                    </a:rPr>
+                                    <m:t>𝑖</m:t>
+                                  </m:r>
+                                  <m:r>
+                                    <a:rPr lang="en-US" i="1">
+                                      <a:latin typeface="Cambria Math" charset="0"/>
+                                    </a:rPr>
+                                    <m:t>,</m:t>
+                                  </m:r>
+                                  <m:r>
+                                    <a:rPr lang="en-US" i="1">
+                                      <a:latin typeface="Cambria Math" charset="0"/>
+                                    </a:rPr>
+                                    <m:t>𝑘</m:t>
+                                  </m:r>
+                                </m:sub>
+                              </m:sSub>
+                            </m:sub>
+                          </m:sSub>
+                          <m:r>
+                            <a:rPr lang="en-US" i="1">
+                              <a:latin typeface="Cambria Math" charset="0"/>
+                            </a:rPr>
+                            <m:t>,</m:t>
+                          </m:r>
+                          <m:r>
+                            <a:rPr lang="en-US" i="1">
+                              <a:latin typeface="Cambria Math" charset="0"/>
+                              <a:ea typeface="Cambria Math" charset="0"/>
+                              <a:cs typeface="Cambria Math" charset="0"/>
+                            </a:rPr>
+                            <m:t> </m:t>
+                          </m:r>
+                          <m:sSub>
+                            <m:sSubPr>
+                              <m:ctrlPr>
+                                <a:rPr lang="en-US" i="1">
+                                  <a:latin typeface="Cambria Math" charset="0"/>
+                                  <a:ea typeface="Cambria Math" charset="0"/>
+                                  <a:cs typeface="Cambria Math" charset="0"/>
+                                </a:rPr>
+                              </m:ctrlPr>
+                            </m:sSubPr>
+                            <m:e>
+                              <m:r>
+                                <a:rPr lang="en-US" i="1">
+                                  <a:latin typeface="Cambria Math" charset="0"/>
+                                  <a:ea typeface="Cambria Math" charset="0"/>
+                                  <a:cs typeface="Cambria Math" charset="0"/>
+                                </a:rPr>
+                                <m:t>𝜌</m:t>
+                              </m:r>
+                            </m:e>
+                            <m:sub>
+                              <m:sSub>
+                                <m:sSubPr>
+                                  <m:ctrlPr>
+                                    <a:rPr lang="en-US" i="1">
+                                      <a:latin typeface="Cambria Math" charset="0"/>
+                                      <a:ea typeface="Cambria Math" charset="0"/>
+                                      <a:cs typeface="Cambria Math" charset="0"/>
+                                    </a:rPr>
+                                  </m:ctrlPr>
+                                </m:sSubPr>
+                                <m:e>
+                                  <m:r>
+                                    <a:rPr lang="en-US" i="1">
+                                      <a:latin typeface="Cambria Math" charset="0"/>
+                                      <a:ea typeface="Cambria Math" charset="0"/>
+                                      <a:cs typeface="Cambria Math" charset="0"/>
+                                    </a:rPr>
+                                    <m:t>𝐴</m:t>
+                                  </m:r>
+                                </m:e>
+                                <m:sub>
+                                  <m:r>
+                                    <a:rPr lang="en-US" i="1">
+                                      <a:latin typeface="Cambria Math" charset="0"/>
+                                      <a:ea typeface="Cambria Math" charset="0"/>
+                                      <a:cs typeface="Cambria Math" charset="0"/>
+                                    </a:rPr>
+                                    <m:t>𝑖𝑘</m:t>
+                                  </m:r>
+                                </m:sub>
+                              </m:sSub>
+                            </m:sub>
+                          </m:sSub>
+                        </m:e>
+                      </m:d>
+                      <m:r>
+                        <a:rPr lang="en-US" i="1">
+                          <a:latin typeface="Cambria Math" charset="0"/>
+                          <a:ea typeface="Cambria Math" charset="0"/>
+                          <a:cs typeface="Cambria Math" charset="0"/>
+                        </a:rPr>
+                        <m:t>=</m:t>
+                      </m:r>
+                      <m:r>
+                        <a:rPr lang="en-US" i="1">
+                          <a:latin typeface="Cambria Math" charset="0"/>
+                          <a:ea typeface="Cambria Math" charset="0"/>
+                          <a:cs typeface="Cambria Math" charset="0"/>
+                        </a:rPr>
+                        <m:t>h</m:t>
+                      </m:r>
+                      <m:r>
+                        <a:rPr lang="en-US" i="1">
+                          <a:latin typeface="Cambria Math" charset="0"/>
+                          <a:ea typeface="Cambria Math" charset="0"/>
+                          <a:cs typeface="Cambria Math" charset="0"/>
+                        </a:rPr>
+                        <m:t>(</m:t>
+                      </m:r>
+                      <m:sSub>
+                        <m:sSubPr>
+                          <m:ctrlPr>
+                            <a:rPr lang="en-US" i="1">
+                              <a:latin typeface="Cambria Math" charset="0"/>
+                            </a:rPr>
+                          </m:ctrlPr>
+                        </m:sSubPr>
+                        <m:e>
+                          <m:r>
+                            <a:rPr lang="en-US" i="1">
+                              <a:latin typeface="Cambria Math" charset="0"/>
+                              <a:ea typeface="Cambria Math" charset="0"/>
+                              <a:cs typeface="Cambria Math" charset="0"/>
+                            </a:rPr>
+                            <m:t>𝑥</m:t>
+                          </m:r>
+                        </m:e>
+                        <m:sub>
+                          <m:sSub>
+                            <m:sSubPr>
+                              <m:ctrlPr>
+                                <a:rPr lang="en-US" i="1">
+                                  <a:latin typeface="Cambria Math" charset="0"/>
+                                </a:rPr>
+                              </m:ctrlPr>
+                            </m:sSubPr>
+                            <m:e>
+                              <m:r>
+                                <a:rPr lang="en-US" i="1">
+                                  <a:latin typeface="Cambria Math" charset="0"/>
+                                </a:rPr>
+                                <m:t>𝐴</m:t>
+                              </m:r>
+                            </m:e>
+                            <m:sub>
+                              <m:r>
+                                <a:rPr lang="en-US" i="1">
+                                  <a:latin typeface="Cambria Math" charset="0"/>
+                                </a:rPr>
+                                <m:t>𝑖</m:t>
+                              </m:r>
+                              <m:r>
+                                <a:rPr lang="en-US" i="1">
+                                  <a:latin typeface="Cambria Math" charset="0"/>
+                                </a:rPr>
+                                <m:t>,</m:t>
+                              </m:r>
+                              <m:r>
+                                <a:rPr lang="en-US" i="1">
+                                  <a:latin typeface="Cambria Math" charset="0"/>
+                                </a:rPr>
+                                <m:t>𝑘</m:t>
+                              </m:r>
+                            </m:sub>
+                          </m:sSub>
+                        </m:sub>
+                      </m:sSub>
+                      <m:r>
+                        <a:rPr lang="en-US" i="1">
+                          <a:latin typeface="Cambria Math" charset="0"/>
+                        </a:rPr>
+                        <m:t>,</m:t>
+                      </m:r>
+                      <m:r>
+                        <a:rPr lang="en-US" i="1">
+                          <a:latin typeface="Cambria Math" charset="0"/>
+                          <a:ea typeface="Cambria Math" charset="0"/>
+                          <a:cs typeface="Cambria Math" charset="0"/>
+                        </a:rPr>
+                        <m:t> </m:t>
+                      </m:r>
+                      <m:sSub>
+                        <m:sSubPr>
+                          <m:ctrlPr>
+                            <a:rPr lang="en-US" i="1">
+                              <a:latin typeface="Cambria Math" charset="0"/>
+                              <a:ea typeface="Cambria Math" charset="0"/>
+                              <a:cs typeface="Cambria Math" charset="0"/>
+                            </a:rPr>
+                          </m:ctrlPr>
+                        </m:sSubPr>
+                        <m:e>
+                          <m:r>
+                            <a:rPr lang="en-US" i="1">
+                              <a:latin typeface="Cambria Math" charset="0"/>
+                              <a:ea typeface="Cambria Math" charset="0"/>
+                              <a:cs typeface="Cambria Math" charset="0"/>
+                            </a:rPr>
+                            <m:t>𝑦</m:t>
+                          </m:r>
+                        </m:e>
+                        <m:sub>
+                          <m:sSub>
+                            <m:sSubPr>
+                              <m:ctrlPr>
+                                <a:rPr lang="en-US" i="1">
+                                  <a:latin typeface="Cambria Math" charset="0"/>
+                                  <a:ea typeface="Cambria Math" charset="0"/>
+                                  <a:cs typeface="Cambria Math" charset="0"/>
+                                </a:rPr>
+                              </m:ctrlPr>
+                            </m:sSubPr>
+                            <m:e>
+                              <m:r>
+                                <a:rPr lang="en-US" i="1">
+                                  <a:latin typeface="Cambria Math" charset="0"/>
+                                  <a:ea typeface="Cambria Math" charset="0"/>
+                                  <a:cs typeface="Cambria Math" charset="0"/>
+                                </a:rPr>
+                                <m:t>𝐴</m:t>
+                              </m:r>
+                            </m:e>
+                            <m:sub>
+                              <m:r>
+                                <a:rPr lang="en-US" i="1">
+                                  <a:latin typeface="Cambria Math" charset="0"/>
+                                  <a:ea typeface="Cambria Math" charset="0"/>
+                                  <a:cs typeface="Cambria Math" charset="0"/>
+                                </a:rPr>
+                                <m:t>𝑖𝑘</m:t>
+                              </m:r>
+                            </m:sub>
+                          </m:sSub>
+                        </m:sub>
+                      </m:sSub>
+                      <m:r>
+                        <a:rPr lang="en-US" i="1">
+                          <a:latin typeface="Cambria Math" charset="0"/>
+                          <a:ea typeface="Cambria Math" charset="0"/>
+                          <a:cs typeface="Cambria Math" charset="0"/>
+                        </a:rPr>
+                        <m:t>,</m:t>
+                      </m:r>
+                      <m:sSub>
+                        <m:sSubPr>
+                          <m:ctrlPr>
+                            <a:rPr lang="en-US" i="1">
+                              <a:latin typeface="Cambria Math" charset="0"/>
+                            </a:rPr>
+                          </m:ctrlPr>
+                        </m:sSubPr>
+                        <m:e>
+                          <m:r>
+                            <a:rPr lang="en-US" i="1">
+                              <a:latin typeface="Cambria Math" charset="0"/>
+                            </a:rPr>
+                            <m:t>𝑥</m:t>
+                          </m:r>
+                        </m:e>
+                        <m:sub>
+                          <m:r>
+                            <a:rPr lang="en-US" i="1">
+                              <a:latin typeface="Cambria Math" charset="0"/>
+                            </a:rPr>
+                            <m:t>𝑘</m:t>
+                          </m:r>
+                        </m:sub>
+                      </m:sSub>
+                      <m:r>
+                        <a:rPr lang="en-US" i="1">
+                          <a:latin typeface="Cambria Math" charset="0"/>
+                        </a:rPr>
+                        <m:t>,</m:t>
+                      </m:r>
+                      <m:sSub>
+                        <m:sSubPr>
+                          <m:ctrlPr>
+                            <a:rPr lang="en-US" i="1">
+                              <a:latin typeface="Cambria Math" charset="0"/>
+                            </a:rPr>
+                          </m:ctrlPr>
+                        </m:sSubPr>
+                        <m:e>
+                          <m:r>
+                            <a:rPr lang="en-US" i="1">
+                              <a:latin typeface="Cambria Math" charset="0"/>
+                            </a:rPr>
+                            <m:t>𝑦</m:t>
+                          </m:r>
+                        </m:e>
+                        <m:sub>
+                          <m:r>
+                            <a:rPr lang="en-US" i="1">
+                              <a:latin typeface="Cambria Math" charset="0"/>
+                            </a:rPr>
+                            <m:t>𝑘</m:t>
+                          </m:r>
+                        </m:sub>
+                      </m:sSub>
+                      <m:r>
+                        <a:rPr lang="en-US" i="1">
+                          <a:latin typeface="Cambria Math" charset="0"/>
+                        </a:rPr>
+                        <m:t>)</m:t>
+                      </m:r>
+                    </m:oMath>
+                  </m:oMathPara>
+                </a14:m>
+                <a:endParaRPr lang="fr-FR" dirty="0"/>
+              </a:p>
+            </p:txBody>
+          </p:sp>
+        </mc:Choice>
+        <mc:Fallback xmlns="">
+          <p:sp>
+            <p:nvSpPr>
+              <p:cNvPr id="4" name="Rectangle 3"/>
+              <p:cNvSpPr>
+                <a:spLocks noRot="1" noChangeAspect="1" noMove="1" noResize="1" noEditPoints="1" noAdjustHandles="1" noChangeArrowheads="1" noChangeShapeType="1" noTextEdit="1"/>
+              </p:cNvSpPr>
+              <p:nvPr/>
+            </p:nvSpPr>
+            <p:spPr>
+              <a:xfrm>
+                <a:off x="6380182" y="2617473"/>
+                <a:ext cx="3495636" cy="433517"/>
+              </a:xfrm>
+              <a:prstGeom prst="rect">
+                <a:avLst/>
+              </a:prstGeom>
+              <a:blipFill rotWithShape="0">
+                <a:blip r:embed="rId3"/>
+                <a:stretch>
+                  <a:fillRect b="-2817"/>
+                </a:stretch>
+              </a:blipFill>
+            </p:spPr>
+            <p:txBody>
+              <a:bodyPr/>
+              <a:lstStyle/>
+              <a:p>
+                <a:r>
+                  <a:rPr lang="fr-FR">
+                    <a:noFill/>
+                  </a:rPr>
+                  <a:t> </a:t>
+                </a:r>
+              </a:p>
+            </p:txBody>
+          </p:sp>
+        </mc:Fallback>
+      </mc:AlternateContent>
+      <mc:AlternateContent xmlns:mc="http://schemas.openxmlformats.org/markup-compatibility/2006" xmlns:a14="http://schemas.microsoft.com/office/drawing/2010/main">
+        <mc:Choice Requires="a14">
+          <p:sp>
+            <p:nvSpPr>
+              <p:cNvPr id="5" name="Rectangle 4"/>
+              <p:cNvSpPr/>
+              <p:nvPr/>
+            </p:nvSpPr>
+            <p:spPr>
+              <a:xfrm>
+                <a:off x="6441635" y="4241745"/>
+                <a:ext cx="4662815" cy="478721"/>
+              </a:xfrm>
+              <a:prstGeom prst="rect">
+                <a:avLst/>
+              </a:prstGeom>
+            </p:spPr>
+            <p:txBody>
+              <a:bodyPr wrap="none">
+                <a:spAutoFit/>
+              </a:bodyPr>
+              <a:lstStyle/>
+              <a:p>
+                <a:pPr/>
+                <a14:m>
+                  <m:oMathPara xmlns:m="http://schemas.openxmlformats.org/officeDocument/2006/math">
+                    <m:oMathParaPr>
+                      <m:jc m:val="centerGroup"/>
+                    </m:oMathParaPr>
+                    <m:oMath xmlns:m="http://schemas.openxmlformats.org/officeDocument/2006/math">
+                      <m:d>
+                        <m:dPr>
+                          <m:ctrlPr>
+                            <a:rPr lang="en-US" i="1">
+                              <a:latin typeface="Cambria Math" charset="0"/>
+                            </a:rPr>
+                          </m:ctrlPr>
+                        </m:dPr>
+                        <m:e>
+                          <m:sSub>
+                            <m:sSubPr>
+                              <m:ctrlPr>
+                                <a:rPr lang="en-US" i="1">
+                                  <a:latin typeface="Cambria Math" charset="0"/>
+                                </a:rPr>
+                              </m:ctrlPr>
+                            </m:sSubPr>
+                            <m:e>
+                              <m:acc>
+                                <m:accPr>
+                                  <m:chr m:val="̂"/>
+                                  <m:ctrlPr>
+                                    <a:rPr lang="en-US" i="1">
+                                      <a:latin typeface="Cambria Math" charset="0"/>
+                                    </a:rPr>
+                                  </m:ctrlPr>
+                                </m:accPr>
+                                <m:e>
+                                  <m:r>
+                                    <a:rPr lang="en-US" i="1" smtClean="0">
+                                      <a:latin typeface="Cambria Math" charset="0"/>
+                                      <a:ea typeface="Cambria Math" charset="0"/>
+                                      <a:cs typeface="Cambria Math" charset="0"/>
+                                    </a:rPr>
+                                    <m:t>𝛼</m:t>
+                                  </m:r>
+                                </m:e>
+                              </m:acc>
+                            </m:e>
+                            <m:sub>
+                              <m:sSub>
+                                <m:sSubPr>
+                                  <m:ctrlPr>
+                                    <a:rPr lang="en-US" i="1">
+                                      <a:latin typeface="Cambria Math" charset="0"/>
+                                    </a:rPr>
+                                  </m:ctrlPr>
+                                </m:sSubPr>
+                                <m:e>
+                                  <m:r>
+                                    <a:rPr lang="en-US" i="1">
+                                      <a:latin typeface="Cambria Math" charset="0"/>
+                                    </a:rPr>
+                                    <m:t>𝐴</m:t>
+                                  </m:r>
+                                </m:e>
+                                <m:sub>
+                                  <m:r>
+                                    <a:rPr lang="en-US" i="1">
+                                      <a:latin typeface="Cambria Math" charset="0"/>
+                                    </a:rPr>
+                                    <m:t>𝑖</m:t>
+                                  </m:r>
+                                  <m:r>
+                                    <a:rPr lang="en-US" i="1">
+                                      <a:latin typeface="Cambria Math" charset="0"/>
+                                    </a:rPr>
+                                    <m:t>,</m:t>
+                                  </m:r>
+                                  <m:r>
+                                    <a:rPr lang="en-US" i="1">
+                                      <a:latin typeface="Cambria Math" charset="0"/>
+                                    </a:rPr>
+                                    <m:t>𝑘</m:t>
+                                  </m:r>
+                                </m:sub>
+                              </m:sSub>
+                            </m:sub>
+                          </m:sSub>
+                          <m:r>
+                            <a:rPr lang="en-US" i="1">
+                              <a:latin typeface="Cambria Math" charset="0"/>
+                            </a:rPr>
+                            <m:t>,</m:t>
+                          </m:r>
+                          <m:r>
+                            <a:rPr lang="en-US" i="1">
+                              <a:latin typeface="Cambria Math" charset="0"/>
+                              <a:ea typeface="Cambria Math" charset="0"/>
+                              <a:cs typeface="Cambria Math" charset="0"/>
+                            </a:rPr>
+                            <m:t> </m:t>
+                          </m:r>
+                          <m:sSub>
+                            <m:sSubPr>
+                              <m:ctrlPr>
+                                <a:rPr lang="en-US" i="1">
+                                  <a:latin typeface="Cambria Math" charset="0"/>
+                                  <a:ea typeface="Cambria Math" charset="0"/>
+                                  <a:cs typeface="Cambria Math" charset="0"/>
+                                </a:rPr>
+                              </m:ctrlPr>
+                            </m:sSubPr>
+                            <m:e>
+                              <m:acc>
+                                <m:accPr>
+                                  <m:chr m:val="̂"/>
+                                  <m:ctrlPr>
+                                    <a:rPr lang="en-US" i="1">
+                                      <a:latin typeface="Cambria Math" charset="0"/>
+                                    </a:rPr>
+                                  </m:ctrlPr>
+                                </m:accPr>
+                                <m:e>
+                                  <m:r>
+                                    <a:rPr lang="en-US" i="1">
+                                      <a:latin typeface="Cambria Math" charset="0"/>
+                                      <a:ea typeface="Cambria Math" charset="0"/>
+                                      <a:cs typeface="Cambria Math" charset="0"/>
+                                    </a:rPr>
+                                    <m:t>𝜌</m:t>
+                                  </m:r>
+                                </m:e>
+                              </m:acc>
+                            </m:e>
+                            <m:sub>
+                              <m:sSub>
+                                <m:sSubPr>
+                                  <m:ctrlPr>
+                                    <a:rPr lang="en-US" i="1">
+                                      <a:latin typeface="Cambria Math" charset="0"/>
+                                      <a:ea typeface="Cambria Math" charset="0"/>
+                                      <a:cs typeface="Cambria Math" charset="0"/>
+                                    </a:rPr>
+                                  </m:ctrlPr>
+                                </m:sSubPr>
+                                <m:e>
+                                  <m:r>
+                                    <a:rPr lang="en-US" i="1">
+                                      <a:latin typeface="Cambria Math" charset="0"/>
+                                      <a:ea typeface="Cambria Math" charset="0"/>
+                                      <a:cs typeface="Cambria Math" charset="0"/>
+                                    </a:rPr>
+                                    <m:t>𝐴</m:t>
+                                  </m:r>
+                                </m:e>
+                                <m:sub>
+                                  <m:r>
+                                    <a:rPr lang="en-US" i="1">
+                                      <a:latin typeface="Cambria Math" charset="0"/>
+                                      <a:ea typeface="Cambria Math" charset="0"/>
+                                      <a:cs typeface="Cambria Math" charset="0"/>
+                                    </a:rPr>
+                                    <m:t>𝑖𝑘</m:t>
+                                  </m:r>
+                                </m:sub>
+                              </m:sSub>
+                            </m:sub>
+                          </m:sSub>
+                        </m:e>
+                      </m:d>
+                      <m:r>
+                        <a:rPr lang="en-US" i="1">
+                          <a:latin typeface="Cambria Math" charset="0"/>
+                          <a:ea typeface="Cambria Math" charset="0"/>
+                          <a:cs typeface="Cambria Math" charset="0"/>
+                        </a:rPr>
+                        <m:t>=</m:t>
+                      </m:r>
+                      <m:r>
+                        <a:rPr lang="en-US" i="1">
+                          <a:latin typeface="Cambria Math" charset="0"/>
+                          <a:ea typeface="Cambria Math" charset="0"/>
+                          <a:cs typeface="Cambria Math" charset="0"/>
+                        </a:rPr>
+                        <m:t>h</m:t>
+                      </m:r>
+                      <m:r>
+                        <a:rPr lang="en-US" i="1">
+                          <a:latin typeface="Cambria Math" charset="0"/>
+                          <a:ea typeface="Cambria Math" charset="0"/>
+                          <a:cs typeface="Cambria Math" charset="0"/>
+                        </a:rPr>
+                        <m:t>(</m:t>
+                      </m:r>
+                      <m:sSub>
+                        <m:sSubPr>
+                          <m:ctrlPr>
+                            <a:rPr lang="en-US" i="1">
+                              <a:latin typeface="Cambria Math" charset="0"/>
+                            </a:rPr>
+                          </m:ctrlPr>
+                        </m:sSubPr>
+                        <m:e>
+                          <m:r>
+                            <a:rPr lang="en-US" i="1" smtClean="0">
+                              <a:latin typeface="Cambria Math" charset="0"/>
+                              <a:ea typeface="Cambria Math" charset="0"/>
+                              <a:cs typeface="Cambria Math" charset="0"/>
+                            </a:rPr>
+                            <m:t>𝛼</m:t>
+                          </m:r>
+                        </m:e>
+                        <m:sub>
+                          <m:sSub>
+                            <m:sSubPr>
+                              <m:ctrlPr>
+                                <a:rPr lang="en-US" i="1">
+                                  <a:latin typeface="Cambria Math" charset="0"/>
+                                </a:rPr>
+                              </m:ctrlPr>
+                            </m:sSubPr>
+                            <m:e>
+                              <m:r>
+                                <a:rPr lang="en-US" i="1">
+                                  <a:latin typeface="Cambria Math" charset="0"/>
+                                </a:rPr>
+                                <m:t>𝐴</m:t>
+                              </m:r>
+                            </m:e>
+                            <m:sub>
+                              <m:r>
+                                <a:rPr lang="en-US" i="1">
+                                  <a:latin typeface="Cambria Math" charset="0"/>
+                                </a:rPr>
+                                <m:t>𝑖</m:t>
+                              </m:r>
+                              <m:r>
+                                <a:rPr lang="en-US" i="1">
+                                  <a:latin typeface="Cambria Math" charset="0"/>
+                                </a:rPr>
+                                <m:t>,</m:t>
+                              </m:r>
+                              <m:r>
+                                <a:rPr lang="en-US" i="1">
+                                  <a:latin typeface="Cambria Math" charset="0"/>
+                                </a:rPr>
+                                <m:t>𝑘</m:t>
+                              </m:r>
+                            </m:sub>
+                          </m:sSub>
+                        </m:sub>
+                      </m:sSub>
+                      <m:r>
+                        <a:rPr lang="en-US" i="1">
+                          <a:latin typeface="Cambria Math" charset="0"/>
+                        </a:rPr>
+                        <m:t>,</m:t>
+                      </m:r>
+                      <m:r>
+                        <a:rPr lang="en-US" i="1">
+                          <a:latin typeface="Cambria Math" charset="0"/>
+                          <a:ea typeface="Cambria Math" charset="0"/>
+                          <a:cs typeface="Cambria Math" charset="0"/>
+                        </a:rPr>
+                        <m:t> </m:t>
+                      </m:r>
+                      <m:sSub>
+                        <m:sSubPr>
+                          <m:ctrlPr>
+                            <a:rPr lang="en-US" i="1">
+                              <a:latin typeface="Cambria Math" charset="0"/>
+                              <a:ea typeface="Cambria Math" charset="0"/>
+                              <a:cs typeface="Cambria Math" charset="0"/>
+                            </a:rPr>
+                          </m:ctrlPr>
+                        </m:sSubPr>
+                        <m:e>
+                          <m:r>
+                            <a:rPr lang="en-US" i="1">
+                              <a:latin typeface="Cambria Math" charset="0"/>
+                              <a:ea typeface="Cambria Math" charset="0"/>
+                              <a:cs typeface="Cambria Math" charset="0"/>
+                            </a:rPr>
+                            <m:t>𝜌</m:t>
+                          </m:r>
+                        </m:e>
+                        <m:sub>
+                          <m:sSub>
+                            <m:sSubPr>
+                              <m:ctrlPr>
+                                <a:rPr lang="en-US" i="1">
+                                  <a:latin typeface="Cambria Math" charset="0"/>
+                                  <a:ea typeface="Cambria Math" charset="0"/>
+                                  <a:cs typeface="Cambria Math" charset="0"/>
+                                </a:rPr>
+                              </m:ctrlPr>
+                            </m:sSubPr>
+                            <m:e>
+                              <m:r>
+                                <a:rPr lang="en-US" i="1">
+                                  <a:latin typeface="Cambria Math" charset="0"/>
+                                  <a:ea typeface="Cambria Math" charset="0"/>
+                                  <a:cs typeface="Cambria Math" charset="0"/>
+                                </a:rPr>
+                                <m:t>𝐴</m:t>
+                              </m:r>
+                            </m:e>
+                            <m:sub>
+                              <m:r>
+                                <a:rPr lang="en-US" i="1">
+                                  <a:latin typeface="Cambria Math" charset="0"/>
+                                  <a:ea typeface="Cambria Math" charset="0"/>
+                                  <a:cs typeface="Cambria Math" charset="0"/>
+                                </a:rPr>
+                                <m:t>𝑖𝑘</m:t>
+                              </m:r>
+                            </m:sub>
+                          </m:sSub>
+                        </m:sub>
+                      </m:sSub>
+                      <m:r>
+                        <a:rPr lang="en-US" i="1">
+                          <a:latin typeface="Cambria Math" charset="0"/>
+                          <a:ea typeface="Cambria Math" charset="0"/>
+                          <a:cs typeface="Cambria Math" charset="0"/>
+                        </a:rPr>
+                        <m:t>,</m:t>
+                      </m:r>
+                      <m:sSub>
+                        <m:sSubPr>
+                          <m:ctrlPr>
+                            <a:rPr lang="en-US" i="1">
+                              <a:latin typeface="Cambria Math" charset="0"/>
+                            </a:rPr>
+                          </m:ctrlPr>
+                        </m:sSubPr>
+                        <m:e>
+                          <m:r>
+                            <a:rPr lang="en-US" i="1">
+                              <a:latin typeface="Cambria Math" charset="0"/>
+                            </a:rPr>
+                            <m:t>𝑥</m:t>
+                          </m:r>
+                        </m:e>
+                        <m:sub>
+                          <m:r>
+                            <a:rPr lang="en-US" i="1">
+                              <a:latin typeface="Cambria Math" charset="0"/>
+                            </a:rPr>
+                            <m:t>𝑘</m:t>
+                          </m:r>
+                        </m:sub>
+                      </m:sSub>
+                      <m:r>
+                        <a:rPr lang="en-US" i="1">
+                          <a:latin typeface="Cambria Math" charset="0"/>
+                        </a:rPr>
+                        <m:t>,</m:t>
+                      </m:r>
+                      <m:sSub>
+                        <m:sSubPr>
+                          <m:ctrlPr>
+                            <a:rPr lang="en-US" i="1">
+                              <a:latin typeface="Cambria Math" charset="0"/>
+                            </a:rPr>
+                          </m:ctrlPr>
+                        </m:sSubPr>
+                        <m:e>
+                          <m:r>
+                            <a:rPr lang="en-US" i="1">
+                              <a:latin typeface="Cambria Math" charset="0"/>
+                            </a:rPr>
+                            <m:t>𝑦</m:t>
+                          </m:r>
+                        </m:e>
+                        <m:sub>
+                          <m:r>
+                            <a:rPr lang="en-US" i="1">
+                              <a:latin typeface="Cambria Math" charset="0"/>
+                            </a:rPr>
+                            <m:t>𝑘</m:t>
+                          </m:r>
+                        </m:sub>
+                      </m:sSub>
+                      <m:r>
+                        <a:rPr lang="en-US" i="1">
+                          <a:latin typeface="Cambria Math" charset="0"/>
+                        </a:rPr>
+                        <m:t>,</m:t>
+                      </m:r>
+                      <m:sSub>
+                        <m:sSubPr>
+                          <m:ctrlPr>
+                            <a:rPr lang="en-US" i="1">
+                              <a:latin typeface="Cambria Math" charset="0"/>
+                            </a:rPr>
+                          </m:ctrlPr>
+                        </m:sSubPr>
+                        <m:e>
+                          <m:r>
+                            <a:rPr lang="en-US" i="1">
+                              <a:latin typeface="Cambria Math" charset="0"/>
+                            </a:rPr>
+                            <m:t>𝐵</m:t>
+                          </m:r>
+                        </m:e>
+                        <m:sub>
+                          <m:sSub>
+                            <m:sSubPr>
+                              <m:ctrlPr>
+                                <a:rPr lang="en-US" i="1">
+                                  <a:latin typeface="Cambria Math" charset="0"/>
+                                </a:rPr>
+                              </m:ctrlPr>
+                            </m:sSubPr>
+                            <m:e>
+                              <m:r>
+                                <a:rPr lang="en-US" i="1" smtClean="0">
+                                  <a:latin typeface="Cambria Math" charset="0"/>
+                                  <a:ea typeface="Cambria Math" charset="0"/>
+                                  <a:cs typeface="Cambria Math" charset="0"/>
+                                </a:rPr>
+                                <m:t>𝛼</m:t>
+                              </m:r>
+                            </m:e>
+                            <m:sub>
+                              <m:sSub>
+                                <m:sSubPr>
+                                  <m:ctrlPr>
+                                    <a:rPr lang="en-US" i="1">
+                                      <a:latin typeface="Cambria Math" charset="0"/>
+                                    </a:rPr>
+                                  </m:ctrlPr>
+                                </m:sSubPr>
+                                <m:e>
+                                  <m:r>
+                                    <a:rPr lang="en-US" i="1">
+                                      <a:latin typeface="Cambria Math" charset="0"/>
+                                    </a:rPr>
+                                    <m:t>𝐴</m:t>
+                                  </m:r>
+                                </m:e>
+                                <m:sub>
+                                  <m:r>
+                                    <a:rPr lang="en-US" i="1">
+                                      <a:latin typeface="Cambria Math" charset="0"/>
+                                    </a:rPr>
+                                    <m:t>𝑖</m:t>
+                                  </m:r>
+                                  <m:r>
+                                    <a:rPr lang="en-US" i="1">
+                                      <a:latin typeface="Cambria Math" charset="0"/>
+                                    </a:rPr>
+                                    <m:t>,</m:t>
+                                  </m:r>
+                                  <m:r>
+                                    <a:rPr lang="en-US" i="1">
+                                      <a:latin typeface="Cambria Math" charset="0"/>
+                                    </a:rPr>
+                                    <m:t>𝑘</m:t>
+                                  </m:r>
+                                </m:sub>
+                              </m:sSub>
+                            </m:sub>
+                          </m:sSub>
+                        </m:sub>
+                      </m:sSub>
+                      <m:sSub>
+                        <m:sSubPr>
+                          <m:ctrlPr>
+                            <a:rPr lang="en-US" i="1">
+                              <a:latin typeface="Cambria Math" charset="0"/>
+                            </a:rPr>
+                          </m:ctrlPr>
+                        </m:sSubPr>
+                        <m:e>
+                          <m:r>
+                            <a:rPr lang="en-US" i="1">
+                              <a:latin typeface="Cambria Math" charset="0"/>
+                            </a:rPr>
+                            <m:t>𝐵</m:t>
+                          </m:r>
+                        </m:e>
+                        <m:sub>
+                          <m:sSub>
+                            <m:sSubPr>
+                              <m:ctrlPr>
+                                <a:rPr lang="en-US" i="1">
+                                  <a:latin typeface="Cambria Math" charset="0"/>
+                                </a:rPr>
+                              </m:ctrlPr>
+                            </m:sSubPr>
+                            <m:e>
+                              <m:r>
+                                <a:rPr lang="en-US" i="1">
+                                  <a:latin typeface="Cambria Math" charset="0"/>
+                                  <a:ea typeface="Cambria Math" charset="0"/>
+                                  <a:cs typeface="Cambria Math" charset="0"/>
+                                </a:rPr>
+                                <m:t>𝜌</m:t>
+                              </m:r>
+                            </m:e>
+                            <m:sub>
+                              <m:sSub>
+                                <m:sSubPr>
+                                  <m:ctrlPr>
+                                    <a:rPr lang="en-US" i="1">
+                                      <a:latin typeface="Cambria Math" charset="0"/>
+                                    </a:rPr>
+                                  </m:ctrlPr>
+                                </m:sSubPr>
+                                <m:e>
+                                  <m:r>
+                                    <a:rPr lang="en-US" i="1">
+                                      <a:latin typeface="Cambria Math" charset="0"/>
+                                    </a:rPr>
+                                    <m:t>𝐴</m:t>
+                                  </m:r>
+                                </m:e>
+                                <m:sub>
+                                  <m:r>
+                                    <a:rPr lang="en-US" i="1">
+                                      <a:latin typeface="Cambria Math" charset="0"/>
+                                    </a:rPr>
+                                    <m:t>𝑖</m:t>
+                                  </m:r>
+                                  <m:r>
+                                    <a:rPr lang="en-US" i="1">
+                                      <a:latin typeface="Cambria Math" charset="0"/>
+                                    </a:rPr>
+                                    <m:t>,</m:t>
+                                  </m:r>
+                                  <m:r>
+                                    <a:rPr lang="en-US" i="1">
+                                      <a:latin typeface="Cambria Math" charset="0"/>
+                                    </a:rPr>
+                                    <m:t>𝑘</m:t>
+                                  </m:r>
+                                </m:sub>
+                              </m:sSub>
+                            </m:sub>
+                          </m:sSub>
+                        </m:sub>
+                      </m:sSub>
+                      <m:r>
+                        <a:rPr lang="en-US" i="1">
+                          <a:latin typeface="Cambria Math" charset="0"/>
+                        </a:rPr>
+                        <m:t>)</m:t>
+                      </m:r>
+                    </m:oMath>
+                  </m:oMathPara>
+                </a14:m>
+                <a:endParaRPr lang="fr-FR" dirty="0"/>
+              </a:p>
+            </p:txBody>
+          </p:sp>
+        </mc:Choice>
+        <mc:Fallback xmlns="">
+          <p:sp>
+            <p:nvSpPr>
+              <p:cNvPr id="5" name="Rectangle 4"/>
+              <p:cNvSpPr>
+                <a:spLocks noRot="1" noChangeAspect="1" noMove="1" noResize="1" noEditPoints="1" noAdjustHandles="1" noChangeArrowheads="1" noChangeShapeType="1" noTextEdit="1"/>
+              </p:cNvSpPr>
+              <p:nvPr/>
+            </p:nvSpPr>
+            <p:spPr>
+              <a:xfrm>
+                <a:off x="6441635" y="4241745"/>
+                <a:ext cx="4662815" cy="478721"/>
+              </a:xfrm>
+              <a:prstGeom prst="rect">
+                <a:avLst/>
+              </a:prstGeom>
+              <a:blipFill rotWithShape="0">
+                <a:blip r:embed="rId4"/>
+                <a:stretch>
+                  <a:fillRect/>
+                </a:stretch>
+              </a:blipFill>
+            </p:spPr>
+            <p:txBody>
+              <a:bodyPr/>
+              <a:lstStyle/>
+              <a:p>
+                <a:r>
+                  <a:rPr lang="fr-FR">
+                    <a:noFill/>
+                  </a:rPr>
+                  <a:t> </a:t>
+                </a:r>
+              </a:p>
+            </p:txBody>
+          </p:sp>
+        </mc:Fallback>
+      </mc:AlternateContent>
+    </p:spTree>
+    <p:extLst>
+      <p:ext uri="{BB962C8B-B14F-4D97-AF65-F5344CB8AC3E}">
+        <p14:creationId xmlns:p14="http://schemas.microsoft.com/office/powerpoint/2010/main" val="857934858"/>
+      </p:ext>
+    </p:extLst>
+  </p:cSld>
+  <p:clrMapOvr>
+    <a:masterClrMapping/>
+  </p:clrMapOvr>
+  <p:timing>
+    <p:tnLst>
+      <p:par>
+        <p:cTn id="1" dur="indefinite" restart="never" nodeType="tmRoot">
+          <p:childTnLst>
+            <p:seq concurrent="1" nextAc="seek">
+              <p:cTn id="2" dur="indefinite" nodeType="mainSeq">
+                <p:childTnLst>
+                  <p:par>
+                    <p:cTn id="3" fill="hold">
+                      <p:stCondLst>
+                        <p:cond delay="indefinite"/>
+                      </p:stCondLst>
+                      <p:childTnLst>
+                        <p:par>
+                          <p:cTn id="4" fill="hold">
+                            <p:stCondLst>
+                              <p:cond delay="0"/>
+                            </p:stCondLst>
+                            <p:childTnLst>
+                              <p:par>
+                                <p:cTn id="5" presetID="1" presetClass="entr" presetSubtype="0" fill="hold" grpId="0" nodeType="clickEffect">
+                                  <p:stCondLst>
+                                    <p:cond delay="0"/>
+                                  </p:stCondLst>
+                                  <p:childTnLst>
+                                    <p:set>
+                                      <p:cBhvr>
+                                        <p:cTn id="6" dur="1" fill="hold">
+                                          <p:stCondLst>
+                                            <p:cond delay="0"/>
+                                          </p:stCondLst>
+                                        </p:cTn>
+                                        <p:tgtEl>
+                                          <p:spTgt spid="4"/>
+                                        </p:tgtEl>
+                                        <p:attrNameLst>
+                                          <p:attrName>style.visibility</p:attrName>
+                                        </p:attrNameLst>
+                                      </p:cBhvr>
+                                      <p:to>
+                                        <p:strVal val="visible"/>
+                                      </p:to>
+                                    </p:set>
+                                  </p:childTnLst>
+                                </p:cTn>
+                              </p:par>
+                            </p:childTnLst>
+                          </p:cTn>
+                        </p:par>
+                      </p:childTnLst>
+                    </p:cTn>
+                  </p:par>
+                  <p:par>
+                    <p:cTn id="7" fill="hold">
+                      <p:stCondLst>
+                        <p:cond delay="indefinite"/>
+                      </p:stCondLst>
+                      <p:childTnLst>
+                        <p:par>
+                          <p:cTn id="8" fill="hold">
+                            <p:stCondLst>
+                              <p:cond delay="0"/>
+                            </p:stCondLst>
+                            <p:childTnLst>
+                              <p:par>
+                                <p:cTn id="9" presetID="1" presetClass="entr" presetSubtype="0" fill="hold" grpId="0" nodeType="clickEffect">
+                                  <p:stCondLst>
+                                    <p:cond delay="0"/>
+                                  </p:stCondLst>
+                                  <p:childTnLst>
+                                    <p:set>
+                                      <p:cBhvr>
+                                        <p:cTn id="10" dur="1" fill="hold">
+                                          <p:stCondLst>
+                                            <p:cond delay="0"/>
+                                          </p:stCondLst>
+                                        </p:cTn>
+                                        <p:tgtEl>
+                                          <p:spTgt spid="5"/>
+                                        </p:tgtEl>
+                                        <p:attrNameLst>
+                                          <p:attrName>style.visibility</p:attrName>
+                                        </p:attrNameLst>
+                                      </p:cBhvr>
+                                      <p:to>
+                                        <p:strVal val="visible"/>
+                                      </p:to>
+                                    </p:set>
+                                  </p:childTnLst>
+                                </p:cTn>
+                              </p:par>
+                            </p:childTnLst>
+                          </p:cTn>
+                        </p:par>
+                      </p:childTnLst>
+                    </p:cTn>
+                  </p:par>
+                </p:childTnLst>
+              </p:cTn>
+              <p:prevCondLst>
+                <p:cond evt="onPrev" delay="0">
+                  <p:tgtEl>
+                    <p:sldTgt/>
+                  </p:tgtEl>
+                </p:cond>
+              </p:prevCondLst>
+              <p:nextCondLst>
+                <p:cond evt="onNext" delay="0">
+                  <p:tgtEl>
+                    <p:sldTgt/>
+                  </p:tgtEl>
+                </p:cond>
+              </p:nextCondLst>
+            </p:seq>
+          </p:childTnLst>
+        </p:cTn>
+      </p:par>
+    </p:tnLst>
+    <p:bldLst>
+      <p:bldP spid="4" grpId="0"/>
+      <p:bldP spid="5" grpId="0"/>
+    </p:bldLst>
+  </p:timing>
+</p:sld>
+</file>
+
+<file path=ppt/slides/slide4.xml><?xml version="1.0" encoding="utf-8"?>
 <p:sld xmlns:a="http://schemas.openxmlformats.org/drawingml/2006/main" xmlns:r="http://schemas.openxmlformats.org/officeDocument/2006/relationships" xmlns:p="http://schemas.openxmlformats.org/presentationml/2006/main">
   <p:cSld>
     <p:spTree>
@@ -11175,7 +12528,7 @@
 </p:sld>
 </file>
 
-<file path=ppt/slides/slide4.xml><?xml version="1.0" encoding="utf-8"?>
+<file path=ppt/slides/slide5.xml><?xml version="1.0" encoding="utf-8"?>
 <p:sld xmlns:a="http://schemas.openxmlformats.org/drawingml/2006/main" xmlns:r="http://schemas.openxmlformats.org/officeDocument/2006/relationships" xmlns:p="http://schemas.openxmlformats.org/presentationml/2006/main">
   <p:cSld>
     <p:spTree>
@@ -11216,186 +12569,21 @@
               <a:t>Kalman</a:t>
             </a:r>
             <a:r>
-              <a:rPr lang="fr-FR" dirty="0"/>
-              <a:t>:</a:t>
+              <a:rPr lang="fr-FR" dirty="0" smtClean="0"/>
+              <a:t> </a:t>
             </a:r>
+            <a:r>
+              <a:rPr lang="en-US" dirty="0" err="1" smtClean="0"/>
+              <a:t>é</a:t>
+            </a:r>
+            <a:r>
+              <a:rPr lang="fr-FR" dirty="0" smtClean="0"/>
+              <a:t>tendu:</a:t>
+            </a:r>
+            <a:endParaRPr lang="fr-FR" dirty="0"/>
           </a:p>
         </p:txBody>
       </p:sp>
-      <p:grpSp>
-        <p:nvGrpSpPr>
-          <p:cNvPr id="6" name="Group 5"/>
-          <p:cNvGrpSpPr/>
-          <p:nvPr/>
-        </p:nvGrpSpPr>
-        <p:grpSpPr>
-          <a:xfrm>
-            <a:off x="1888067" y="1659467"/>
-            <a:ext cx="3530600" cy="1134533"/>
-            <a:chOff x="1888067" y="1659467"/>
-            <a:chExt cx="3530600" cy="1134533"/>
-          </a:xfrm>
-        </p:grpSpPr>
-        <p:sp>
-          <p:nvSpPr>
-            <p:cNvPr id="4" name="Rectangle 3"/>
-            <p:cNvSpPr/>
-            <p:nvPr/>
-          </p:nvSpPr>
-          <p:spPr>
-            <a:xfrm>
-              <a:off x="1888067" y="1659467"/>
-              <a:ext cx="3530600" cy="1134533"/>
-            </a:xfrm>
-            <a:prstGeom prst="rect">
-              <a:avLst/>
-            </a:prstGeom>
-            <a:solidFill>
-              <a:schemeClr val="bg1"/>
-            </a:solidFill>
-          </p:spPr>
-          <p:style>
-            <a:lnRef idx="2">
-              <a:schemeClr val="accent1">
-                <a:shade val="50000"/>
-              </a:schemeClr>
-            </a:lnRef>
-            <a:fillRef idx="1">
-              <a:schemeClr val="accent1"/>
-            </a:fillRef>
-            <a:effectRef idx="0">
-              <a:schemeClr val="accent1"/>
-            </a:effectRef>
-            <a:fontRef idx="minor">
-              <a:schemeClr val="lt1"/>
-            </a:fontRef>
-          </p:style>
-          <p:txBody>
-            <a:bodyPr rtlCol="0" anchor="ctr"/>
-            <a:lstStyle/>
-            <a:p>
-              <a:pPr algn="ctr"/>
-              <a:endParaRPr lang="fr-FR" dirty="0"/>
-            </a:p>
-          </p:txBody>
-        </p:sp>
-        <p:pic>
-          <p:nvPicPr>
-            <p:cNvPr id="2050" name="Picture 2" descr="hat{\textbf{x}}_{k|k-1} = f(\hat{\textbf{x}}_{k-1|k-1}, \textbf{u}_{k}, 0)"/>
-            <p:cNvPicPr>
-              <a:picLocks noChangeAspect="1" noChangeArrowheads="1"/>
-            </p:cNvPicPr>
-            <p:nvPr/>
-          </p:nvPicPr>
-          <p:blipFill>
-            <a:blip r:embed="rId2">
-              <a:extLst>
-                <a:ext uri="{28A0092B-C50C-407E-A947-70E740481C1C}">
-                  <a14:useLocalDpi xmlns:a14="http://schemas.microsoft.com/office/drawing/2010/main" val="0"/>
-                </a:ext>
-              </a:extLst>
-            </a:blip>
-            <a:srcRect/>
-            <a:stretch>
-              <a:fillRect/>
-            </a:stretch>
-          </p:blipFill>
-          <p:spPr bwMode="auto">
-            <a:xfrm>
-              <a:off x="2076450" y="2041525"/>
-              <a:ext cx="2076450" cy="209550"/>
-            </a:xfrm>
-            <a:prstGeom prst="rect">
-              <a:avLst/>
-            </a:prstGeom>
-            <a:noFill/>
-            <a:extLst>
-              <a:ext uri="{909E8E84-426E-40DD-AFC4-6F175D3DCCD1}">
-                <a14:hiddenFill xmlns:a14="http://schemas.microsoft.com/office/drawing/2010/main">
-                  <a:solidFill>
-                    <a:srgbClr val="FFFFFF"/>
-                  </a:solidFill>
-                </a14:hiddenFill>
-              </a:ext>
-            </a:extLst>
-          </p:spPr>
-        </p:pic>
-        <p:pic>
-          <p:nvPicPr>
-            <p:cNvPr id="2052" name="Picture 4" descr="\textbf{P}_{k|k-1} =  \textbf{F}"/>
-            <p:cNvPicPr>
-              <a:picLocks noChangeAspect="1" noChangeArrowheads="1"/>
-            </p:cNvPicPr>
-            <p:nvPr/>
-          </p:nvPicPr>
-          <p:blipFill>
-            <a:blip r:embed="rId3">
-              <a:extLst>
-                <a:ext uri="{28A0092B-C50C-407E-A947-70E740481C1C}">
-                  <a14:useLocalDpi xmlns:a14="http://schemas.microsoft.com/office/drawing/2010/main" val="0"/>
-                </a:ext>
-              </a:extLst>
-            </a:blip>
-            <a:srcRect/>
-            <a:stretch>
-              <a:fillRect/>
-            </a:stretch>
-          </p:blipFill>
-          <p:spPr bwMode="auto">
-            <a:xfrm>
-              <a:off x="2076450" y="2387600"/>
-              <a:ext cx="2362200" cy="228600"/>
-            </a:xfrm>
-            <a:prstGeom prst="rect">
-              <a:avLst/>
-            </a:prstGeom>
-            <a:noFill/>
-            <a:extLst>
-              <a:ext uri="{909E8E84-426E-40DD-AFC4-6F175D3DCCD1}">
-                <a14:hiddenFill xmlns:a14="http://schemas.microsoft.com/office/drawing/2010/main">
-                  <a:solidFill>
-                    <a:srgbClr val="FFFFFF"/>
-                  </a:solidFill>
-                </a14:hiddenFill>
-              </a:ext>
-            </a:extLst>
-          </p:spPr>
-        </p:pic>
-        <p:sp>
-          <p:nvSpPr>
-            <p:cNvPr id="5" name="TextBox 4"/>
-            <p:cNvSpPr txBox="1"/>
-            <p:nvPr/>
-          </p:nvSpPr>
-          <p:spPr>
-            <a:xfrm>
-              <a:off x="1888067" y="1659467"/>
-              <a:ext cx="2760133" cy="369332"/>
-            </a:xfrm>
-            <a:prstGeom prst="rect">
-              <a:avLst/>
-            </a:prstGeom>
-            <a:noFill/>
-          </p:spPr>
-          <p:txBody>
-            <a:bodyPr wrap="square" rtlCol="0">
-              <a:spAutoFit/>
-            </a:bodyPr>
-            <a:lstStyle/>
-            <a:p>
-              <a:r>
-                <a:rPr lang="fr-FR" dirty="0" smtClean="0"/>
-                <a:t>Pr</a:t>
-              </a:r>
-              <a:r>
-                <a:rPr lang="fr-FR" dirty="0" smtClean="0"/>
-                <a:t>édiction:</a:t>
-              </a:r>
-              <a:endParaRPr lang="fr-FR" dirty="0"/>
-            </a:p>
-          </p:txBody>
-        </p:sp>
-      </p:grpSp>
       <p:grpSp>
         <p:nvGrpSpPr>
           <p:cNvPr id="19" name="Group 18"/>
@@ -11491,11 +12679,7 @@
               <a:p>
                 <a:r>
                   <a:rPr lang="fr-FR" dirty="0" smtClean="0"/>
-                  <a:t>Mise à jour</a:t>
-                </a:r>
-                <a:r>
-                  <a:rPr lang="fr-FR" dirty="0" smtClean="0"/>
-                  <a:t>:</a:t>
+                  <a:t>Mise à jour:</a:t>
                 </a:r>
                 <a:endParaRPr lang="fr-FR" dirty="0"/>
               </a:p>
@@ -11511,7 +12695,7 @@
             <p:nvPr/>
           </p:nvPicPr>
           <p:blipFill>
-            <a:blip r:embed="rId4">
+            <a:blip r:embed="rId2">
               <a:extLst>
                 <a:ext uri="{28A0092B-C50C-407E-A947-70E740481C1C}">
                   <a14:useLocalDpi xmlns:a14="http://schemas.microsoft.com/office/drawing/2010/main" val="0"/>
@@ -11552,7 +12736,7 @@
             <p:nvPr/>
           </p:nvPicPr>
           <p:blipFill>
-            <a:blip r:embed="rId5">
+            <a:blip r:embed="rId3">
               <a:extLst>
                 <a:ext uri="{28A0092B-C50C-407E-A947-70E740481C1C}">
                   <a14:useLocalDpi xmlns:a14="http://schemas.microsoft.com/office/drawing/2010/main" val="0"/>
@@ -11593,7 +12777,7 @@
             <p:nvPr/>
           </p:nvPicPr>
           <p:blipFill>
-            <a:blip r:embed="rId6">
+            <a:blip r:embed="rId4">
               <a:extLst>
                 <a:ext uri="{28A0092B-C50C-407E-A947-70E740481C1C}">
                   <a14:useLocalDpi xmlns:a14="http://schemas.microsoft.com/office/drawing/2010/main" val="0"/>
@@ -11634,7 +12818,7 @@
             <p:nvPr/>
           </p:nvPicPr>
           <p:blipFill>
-            <a:blip r:embed="rId7">
+            <a:blip r:embed="rId5">
               <a:extLst>
                 <a:ext uri="{28A0092B-C50C-407E-A947-70E740481C1C}">
                   <a14:useLocalDpi xmlns:a14="http://schemas.microsoft.com/office/drawing/2010/main" val="0"/>
@@ -11675,7 +12859,7 @@
             <p:nvPr/>
           </p:nvPicPr>
           <p:blipFill>
-            <a:blip r:embed="rId8">
+            <a:blip r:embed="rId6">
               <a:extLst>
                 <a:ext uri="{28A0092B-C50C-407E-A947-70E740481C1C}">
                   <a14:useLocalDpi xmlns:a14="http://schemas.microsoft.com/office/drawing/2010/main" val="0"/>
@@ -11691,207 +12875,6 @@
             <a:xfrm>
               <a:off x="2244195" y="5083548"/>
               <a:ext cx="2047875" cy="209550"/>
-            </a:xfrm>
-            <a:prstGeom prst="rect">
-              <a:avLst/>
-            </a:prstGeom>
-            <a:noFill/>
-            <a:extLst>
-              <a:ext uri="{909E8E84-426E-40DD-AFC4-6F175D3DCCD1}">
-                <a14:hiddenFill xmlns:a14="http://schemas.microsoft.com/office/drawing/2010/main">
-                  <a:solidFill>
-                    <a:srgbClr val="FFFFFF"/>
-                  </a:solidFill>
-                </a14:hiddenFill>
-              </a:ext>
-            </a:extLst>
-          </p:spPr>
-        </p:pic>
-      </p:grpSp>
-      <p:grpSp>
-        <p:nvGrpSpPr>
-          <p:cNvPr id="7" name="Group 6"/>
-          <p:cNvGrpSpPr/>
-          <p:nvPr/>
-        </p:nvGrpSpPr>
-        <p:grpSpPr>
-          <a:xfrm>
-            <a:off x="7048768" y="3989293"/>
-            <a:ext cx="3530600" cy="2447644"/>
-            <a:chOff x="6375399" y="3437242"/>
-            <a:chExt cx="3530600" cy="2447644"/>
-          </a:xfrm>
-        </p:grpSpPr>
-        <p:grpSp>
-          <p:nvGrpSpPr>
-            <p:cNvPr id="22" name="Group 21"/>
-            <p:cNvGrpSpPr/>
-            <p:nvPr/>
-          </p:nvGrpSpPr>
-          <p:grpSpPr>
-            <a:xfrm>
-              <a:off x="6375399" y="3437242"/>
-              <a:ext cx="3530600" cy="2447644"/>
-              <a:chOff x="1676400" y="2116187"/>
-              <a:chExt cx="3530600" cy="1008897"/>
-            </a:xfrm>
-          </p:grpSpPr>
-          <p:sp>
-            <p:nvSpPr>
-              <p:cNvPr id="23" name="Rectangle 22"/>
-              <p:cNvSpPr/>
-              <p:nvPr/>
-            </p:nvSpPr>
-            <p:spPr>
-              <a:xfrm>
-                <a:off x="1676400" y="2116187"/>
-                <a:ext cx="3090334" cy="1008897"/>
-              </a:xfrm>
-              <a:prstGeom prst="rect">
-                <a:avLst/>
-              </a:prstGeom>
-              <a:solidFill>
-                <a:schemeClr val="bg1"/>
-              </a:solidFill>
-            </p:spPr>
-            <p:style>
-              <a:lnRef idx="2">
-                <a:schemeClr val="accent1">
-                  <a:shade val="50000"/>
-                </a:schemeClr>
-              </a:lnRef>
-              <a:fillRef idx="1">
-                <a:schemeClr val="accent1"/>
-              </a:fillRef>
-              <a:effectRef idx="0">
-                <a:schemeClr val="accent1"/>
-              </a:effectRef>
-              <a:fontRef idx="minor">
-                <a:schemeClr val="lt1"/>
-              </a:fontRef>
-            </p:style>
-            <p:txBody>
-              <a:bodyPr rtlCol="0" anchor="ctr"/>
-              <a:lstStyle/>
-              <a:p>
-                <a:pPr algn="ctr"/>
-                <a:endParaRPr lang="fr-FR" dirty="0"/>
-              </a:p>
-            </p:txBody>
-          </p:sp>
-          <p:sp>
-            <p:nvSpPr>
-              <p:cNvPr id="24" name="TextBox 23"/>
-              <p:cNvSpPr txBox="1"/>
-              <p:nvPr/>
-            </p:nvSpPr>
-            <p:spPr>
-              <a:xfrm>
-                <a:off x="1735668" y="2143872"/>
-                <a:ext cx="3471332" cy="152235"/>
-              </a:xfrm>
-              <a:prstGeom prst="rect">
-                <a:avLst/>
-              </a:prstGeom>
-              <a:noFill/>
-            </p:spPr>
-            <p:txBody>
-              <a:bodyPr wrap="square" rtlCol="0">
-                <a:spAutoFit/>
-              </a:bodyPr>
-              <a:lstStyle/>
-              <a:p>
-                <a:r>
-                  <a:rPr lang="fr-FR" dirty="0"/>
-                  <a:t>L</a:t>
-                </a:r>
-                <a:r>
-                  <a:rPr lang="fr-FR" dirty="0" smtClean="0"/>
-                  <a:t>es </a:t>
-                </a:r>
-                <a:r>
-                  <a:rPr lang="fr-FR" dirty="0" err="1" smtClean="0"/>
-                  <a:t>jacobiens</a:t>
-                </a:r>
-                <a:r>
-                  <a:rPr lang="fr-FR" dirty="0" smtClean="0"/>
-                  <a:t> suivantes</a:t>
-                </a:r>
-                <a:r>
-                  <a:rPr lang="fr-FR" dirty="0" smtClean="0"/>
-                  <a:t>:</a:t>
-                </a:r>
-                <a:endParaRPr lang="fr-FR" dirty="0"/>
-              </a:p>
-            </p:txBody>
-          </p:sp>
-        </p:grpSp>
-        <p:pic>
-          <p:nvPicPr>
-            <p:cNvPr id="2066" name="Picture 18" descr="\textbf{F}_{k} = \left . \frac{\"/>
-            <p:cNvPicPr>
-              <a:picLocks noChangeAspect="1" noChangeArrowheads="1"/>
-            </p:cNvPicPr>
-            <p:nvPr/>
-          </p:nvPicPr>
-          <p:blipFill>
-            <a:blip r:embed="rId9">
-              <a:extLst>
-                <a:ext uri="{28A0092B-C50C-407E-A947-70E740481C1C}">
-                  <a14:useLocalDpi xmlns:a14="http://schemas.microsoft.com/office/drawing/2010/main" val="0"/>
-                </a:ext>
-              </a:extLst>
-            </a:blip>
-            <a:srcRect/>
-            <a:stretch>
-              <a:fillRect/>
-            </a:stretch>
-          </p:blipFill>
-          <p:spPr bwMode="auto">
-            <a:xfrm>
-              <a:off x="7345361" y="4102572"/>
-              <a:ext cx="1590675" cy="542925"/>
-            </a:xfrm>
-            <a:prstGeom prst="rect">
-              <a:avLst/>
-            </a:prstGeom>
-            <a:noFill/>
-            <a:extLst>
-              <a:ext uri="{909E8E84-426E-40DD-AFC4-6F175D3DCCD1}">
-                <a14:hiddenFill xmlns:a14="http://schemas.microsoft.com/office/drawing/2010/main">
-                  <a:solidFill>
-                    <a:srgbClr val="FFFFFF"/>
-                  </a:solidFill>
-                </a14:hiddenFill>
-              </a:ext>
-            </a:extLst>
-          </p:spPr>
-        </p:pic>
-        <p:pic>
-          <p:nvPicPr>
-            <p:cNvPr id="2068" name="Picture 20" descr="\textbf{H}_{k} = \left . \frac{\"/>
-            <p:cNvPicPr>
-              <a:picLocks noChangeAspect="1" noChangeArrowheads="1"/>
-            </p:cNvPicPr>
-            <p:nvPr/>
-          </p:nvPicPr>
-          <p:blipFill>
-            <a:blip r:embed="rId10">
-              <a:extLst>
-                <a:ext uri="{28A0092B-C50C-407E-A947-70E740481C1C}">
-                  <a14:useLocalDpi xmlns:a14="http://schemas.microsoft.com/office/drawing/2010/main" val="0"/>
-                </a:ext>
-              </a:extLst>
-            </a:blip>
-            <a:srcRect/>
-            <a:stretch>
-              <a:fillRect/>
-            </a:stretch>
-          </p:blipFill>
-          <p:spPr bwMode="auto">
-            <a:xfrm>
-              <a:off x="7345361" y="4993086"/>
-              <a:ext cx="1257300" cy="542925"/>
             </a:xfrm>
             <a:prstGeom prst="rect">
               <a:avLst/>
@@ -12018,11 +13001,7 @@
                 <a:p>
                   <a:r>
                     <a:rPr lang="fr-FR" dirty="0" smtClean="0"/>
-                    <a:t>Avec</a:t>
-                  </a:r>
-                  <a:r>
-                    <a:rPr lang="fr-FR" dirty="0" smtClean="0"/>
-                    <a:t>:</a:t>
+                    <a:t>Avec:</a:t>
                   </a:r>
                   <a:endParaRPr lang="fr-FR" dirty="0"/>
                 </a:p>
@@ -12038,7 +13017,7 @@
               <p:nvPr/>
             </p:nvPicPr>
             <p:blipFill rotWithShape="1">
-              <a:blip r:embed="rId2">
+              <a:blip r:embed="rId7">
                 <a:extLst>
                   <a:ext uri="{28A0092B-C50C-407E-A947-70E740481C1C}">
                     <a14:useLocalDpi xmlns:a14="http://schemas.microsoft.com/office/drawing/2010/main" val="0"/>
@@ -12077,7 +13056,7 @@
               <p:nvPr/>
             </p:nvPicPr>
             <p:blipFill rotWithShape="1">
-              <a:blip r:embed="rId3">
+              <a:blip r:embed="rId8">
                 <a:extLst>
                   <a:ext uri="{28A0092B-C50C-407E-A947-70E740481C1C}">
                     <a14:useLocalDpi xmlns:a14="http://schemas.microsoft.com/office/drawing/2010/main" val="0"/>
@@ -12116,7 +13095,7 @@
               <p:nvPr/>
             </p:nvPicPr>
             <p:blipFill rotWithShape="1">
-              <a:blip r:embed="rId4">
+              <a:blip r:embed="rId2">
                 <a:extLst>
                   <a:ext uri="{28A0092B-C50C-407E-A947-70E740481C1C}">
                     <a14:useLocalDpi xmlns:a14="http://schemas.microsoft.com/office/drawing/2010/main" val="0"/>
@@ -12155,7 +13134,7 @@
               <p:nvPr/>
             </p:nvPicPr>
             <p:blipFill rotWithShape="1">
-              <a:blip r:embed="rId5">
+              <a:blip r:embed="rId3">
                 <a:extLst>
                   <a:ext uri="{28A0092B-C50C-407E-A947-70E740481C1C}">
                     <a14:useLocalDpi xmlns:a14="http://schemas.microsoft.com/office/drawing/2010/main" val="0"/>
@@ -12194,7 +13173,7 @@
               <p:nvPr/>
             </p:nvPicPr>
             <p:blipFill rotWithShape="1">
-              <a:blip r:embed="rId6">
+              <a:blip r:embed="rId4">
                 <a:extLst>
                   <a:ext uri="{28A0092B-C50C-407E-A947-70E740481C1C}">
                     <a14:useLocalDpi xmlns:a14="http://schemas.microsoft.com/office/drawing/2010/main" val="0"/>
@@ -12233,7 +13212,7 @@
               <p:nvPr/>
             </p:nvPicPr>
             <p:blipFill rotWithShape="1">
-              <a:blip r:embed="rId7">
+              <a:blip r:embed="rId5">
                 <a:extLst>
                   <a:ext uri="{28A0092B-C50C-407E-A947-70E740481C1C}">
                     <a14:useLocalDpi xmlns:a14="http://schemas.microsoft.com/office/drawing/2010/main" val="0"/>
@@ -12272,7 +13251,7 @@
               <p:nvPr/>
             </p:nvPicPr>
             <p:blipFill rotWithShape="1">
-              <a:blip r:embed="rId8">
+              <a:blip r:embed="rId6">
                 <a:extLst>
                   <a:ext uri="{28A0092B-C50C-407E-A947-70E740481C1C}">
                     <a14:useLocalDpi xmlns:a14="http://schemas.microsoft.com/office/drawing/2010/main" val="0"/>
@@ -12358,11 +13337,7 @@
             <a:p>
               <a:r>
                 <a:rPr lang="fr-FR" sz="1200" dirty="0" smtClean="0"/>
-                <a:t>Etat mis </a:t>
-              </a:r>
-              <a:r>
-                <a:rPr lang="fr-FR" sz="1200" dirty="0" smtClean="0"/>
-                <a:t>à jour</a:t>
+                <a:t>Etat mis à jour</a:t>
               </a:r>
               <a:endParaRPr lang="fr-FR" sz="1200" dirty="0"/>
             </a:p>
@@ -12422,11 +13397,7 @@
             <a:p>
               <a:r>
                 <a:rPr lang="fr-FR" sz="1200" dirty="0" smtClean="0"/>
-                <a:t>innovation (D</a:t>
-              </a:r>
-              <a:r>
-                <a:rPr lang="fr-FR" sz="1200" dirty="0" smtClean="0"/>
-                <a:t>écalage)</a:t>
+                <a:t>innovation (Décalage)</a:t>
               </a:r>
               <a:endParaRPr lang="fr-FR" sz="1200" dirty="0"/>
             </a:p>
@@ -12577,6 +13548,517 @@
           </p:txBody>
         </p:sp>
       </p:grpSp>
+      <p:grpSp>
+        <p:nvGrpSpPr>
+          <p:cNvPr id="2051" name="Group 2050"/>
+          <p:cNvGrpSpPr/>
+          <p:nvPr/>
+        </p:nvGrpSpPr>
+        <p:grpSpPr>
+          <a:xfrm>
+            <a:off x="1888067" y="1365360"/>
+            <a:ext cx="3530600" cy="1426633"/>
+            <a:chOff x="1888067" y="1365360"/>
+            <a:chExt cx="3530600" cy="1426633"/>
+          </a:xfrm>
+        </p:grpSpPr>
+        <p:grpSp>
+          <p:nvGrpSpPr>
+            <p:cNvPr id="6" name="Group 5"/>
+            <p:cNvGrpSpPr/>
+            <p:nvPr/>
+          </p:nvGrpSpPr>
+          <p:grpSpPr>
+            <a:xfrm>
+              <a:off x="1888067" y="1365360"/>
+              <a:ext cx="3530600" cy="1426633"/>
+              <a:chOff x="1888067" y="1659467"/>
+              <a:chExt cx="3530600" cy="1426633"/>
+            </a:xfrm>
+          </p:grpSpPr>
+          <p:sp>
+            <p:nvSpPr>
+              <p:cNvPr id="4" name="Rectangle 3"/>
+              <p:cNvSpPr/>
+              <p:nvPr/>
+            </p:nvSpPr>
+            <p:spPr>
+              <a:xfrm>
+                <a:off x="1888067" y="1659467"/>
+                <a:ext cx="3530600" cy="1426633"/>
+              </a:xfrm>
+              <a:prstGeom prst="rect">
+                <a:avLst/>
+              </a:prstGeom>
+              <a:solidFill>
+                <a:schemeClr val="bg1"/>
+              </a:solidFill>
+            </p:spPr>
+            <p:style>
+              <a:lnRef idx="2">
+                <a:schemeClr val="accent1">
+                  <a:shade val="50000"/>
+                </a:schemeClr>
+              </a:lnRef>
+              <a:fillRef idx="1">
+                <a:schemeClr val="accent1"/>
+              </a:fillRef>
+              <a:effectRef idx="0">
+                <a:schemeClr val="accent1"/>
+              </a:effectRef>
+              <a:fontRef idx="minor">
+                <a:schemeClr val="lt1"/>
+              </a:fontRef>
+            </p:style>
+            <p:txBody>
+              <a:bodyPr rtlCol="0" anchor="ctr"/>
+              <a:lstStyle/>
+              <a:p>
+                <a:pPr algn="ctr"/>
+                <a:endParaRPr lang="fr-FR" dirty="0"/>
+              </a:p>
+            </p:txBody>
+          </p:sp>
+          <p:pic>
+            <p:nvPicPr>
+              <p:cNvPr id="2050" name="Picture 2" descr="hat{\textbf{x}}_{k|k-1} = f(\hat{\textbf{x}}_{k-1|k-1}, \textbf{u}_{k}, 0)"/>
+              <p:cNvPicPr>
+                <a:picLocks noChangeAspect="1" noChangeArrowheads="1"/>
+              </p:cNvPicPr>
+              <p:nvPr/>
+            </p:nvPicPr>
+            <p:blipFill>
+              <a:blip r:embed="rId7">
+                <a:extLst>
+                  <a:ext uri="{28A0092B-C50C-407E-A947-70E740481C1C}">
+                    <a14:useLocalDpi xmlns:a14="http://schemas.microsoft.com/office/drawing/2010/main" val="0"/>
+                  </a:ext>
+                </a:extLst>
+              </a:blip>
+              <a:srcRect/>
+              <a:stretch>
+                <a:fillRect/>
+              </a:stretch>
+            </p:blipFill>
+            <p:spPr bwMode="auto">
+              <a:xfrm>
+                <a:off x="2076450" y="2041525"/>
+                <a:ext cx="2076450" cy="209550"/>
+              </a:xfrm>
+              <a:prstGeom prst="rect">
+                <a:avLst/>
+              </a:prstGeom>
+              <a:noFill/>
+              <a:extLst>
+                <a:ext uri="{909E8E84-426E-40DD-AFC4-6F175D3DCCD1}">
+                  <a14:hiddenFill xmlns:a14="http://schemas.microsoft.com/office/drawing/2010/main">
+                    <a:solidFill>
+                      <a:srgbClr val="FFFFFF"/>
+                    </a:solidFill>
+                  </a14:hiddenFill>
+                </a:ext>
+              </a:extLst>
+            </p:spPr>
+          </p:pic>
+          <p:pic>
+            <p:nvPicPr>
+              <p:cNvPr id="2052" name="Picture 4" descr="\textbf{P}_{k|k-1} =  \textbf{F}"/>
+              <p:cNvPicPr>
+                <a:picLocks noChangeAspect="1" noChangeArrowheads="1"/>
+              </p:cNvPicPr>
+              <p:nvPr/>
+            </p:nvPicPr>
+            <p:blipFill>
+              <a:blip r:embed="rId8">
+                <a:extLst>
+                  <a:ext uri="{28A0092B-C50C-407E-A947-70E740481C1C}">
+                    <a14:useLocalDpi xmlns:a14="http://schemas.microsoft.com/office/drawing/2010/main" val="0"/>
+                  </a:ext>
+                </a:extLst>
+              </a:blip>
+              <a:srcRect/>
+              <a:stretch>
+                <a:fillRect/>
+              </a:stretch>
+            </p:blipFill>
+            <p:spPr bwMode="auto">
+              <a:xfrm>
+                <a:off x="2076450" y="2387600"/>
+                <a:ext cx="2362200" cy="228600"/>
+              </a:xfrm>
+              <a:prstGeom prst="rect">
+                <a:avLst/>
+              </a:prstGeom>
+              <a:noFill/>
+              <a:extLst>
+                <a:ext uri="{909E8E84-426E-40DD-AFC4-6F175D3DCCD1}">
+                  <a14:hiddenFill xmlns:a14="http://schemas.microsoft.com/office/drawing/2010/main">
+                    <a:solidFill>
+                      <a:srgbClr val="FFFFFF"/>
+                    </a:solidFill>
+                  </a14:hiddenFill>
+                </a:ext>
+              </a:extLst>
+            </p:spPr>
+          </p:pic>
+          <p:sp>
+            <p:nvSpPr>
+              <p:cNvPr id="5" name="TextBox 4"/>
+              <p:cNvSpPr txBox="1"/>
+              <p:nvPr/>
+            </p:nvSpPr>
+            <p:spPr>
+              <a:xfrm>
+                <a:off x="1888067" y="1659467"/>
+                <a:ext cx="2760133" cy="369332"/>
+              </a:xfrm>
+              <a:prstGeom prst="rect">
+                <a:avLst/>
+              </a:prstGeom>
+              <a:noFill/>
+            </p:spPr>
+            <p:txBody>
+              <a:bodyPr wrap="square" rtlCol="0">
+                <a:spAutoFit/>
+              </a:bodyPr>
+              <a:lstStyle/>
+              <a:p>
+                <a:r>
+                  <a:rPr lang="fr-FR" dirty="0" smtClean="0"/>
+                  <a:t>Prédiction:</a:t>
+                </a:r>
+                <a:endParaRPr lang="fr-FR" dirty="0"/>
+              </a:p>
+            </p:txBody>
+          </p:sp>
+        </p:grpSp>
+        <p:pic>
+          <p:nvPicPr>
+            <p:cNvPr id="26" name="Picture 25"/>
+            <p:cNvPicPr>
+              <a:picLocks noChangeAspect="1"/>
+            </p:cNvPicPr>
+            <p:nvPr/>
+          </p:nvPicPr>
+          <p:blipFill rotWithShape="1">
+            <a:blip r:embed="rId9">
+              <a:extLst>
+                <a:ext uri="{28A0092B-C50C-407E-A947-70E740481C1C}">
+                  <a14:useLocalDpi xmlns:a14="http://schemas.microsoft.com/office/drawing/2010/main" val="0"/>
+                </a:ext>
+              </a:extLst>
+            </a:blip>
+            <a:srcRect t="19667" b="19179"/>
+            <a:stretch/>
+          </p:blipFill>
+          <p:spPr>
+            <a:xfrm>
+              <a:off x="1944955" y="2404643"/>
+              <a:ext cx="1993632" cy="304800"/>
+            </a:xfrm>
+            <a:prstGeom prst="rect">
+              <a:avLst/>
+            </a:prstGeom>
+          </p:spPr>
+        </p:pic>
+      </p:grpSp>
+      <p:grpSp>
+        <p:nvGrpSpPr>
+          <p:cNvPr id="2049" name="Group 2048"/>
+          <p:cNvGrpSpPr/>
+          <p:nvPr/>
+        </p:nvGrpSpPr>
+        <p:grpSpPr>
+          <a:xfrm>
+            <a:off x="7048768" y="3989293"/>
+            <a:ext cx="3530600" cy="2447644"/>
+            <a:chOff x="7048768" y="3989293"/>
+            <a:chExt cx="3530600" cy="2447644"/>
+          </a:xfrm>
+        </p:grpSpPr>
+        <p:grpSp>
+          <p:nvGrpSpPr>
+            <p:cNvPr id="7" name="Group 6"/>
+            <p:cNvGrpSpPr/>
+            <p:nvPr/>
+          </p:nvGrpSpPr>
+          <p:grpSpPr>
+            <a:xfrm>
+              <a:off x="7048768" y="3989293"/>
+              <a:ext cx="3530600" cy="2447644"/>
+              <a:chOff x="6375399" y="3437242"/>
+              <a:chExt cx="3530600" cy="2447644"/>
+            </a:xfrm>
+          </p:grpSpPr>
+          <p:grpSp>
+            <p:nvGrpSpPr>
+              <p:cNvPr id="22" name="Group 21"/>
+              <p:cNvGrpSpPr/>
+              <p:nvPr/>
+            </p:nvGrpSpPr>
+            <p:grpSpPr>
+              <a:xfrm>
+                <a:off x="6375399" y="3437242"/>
+                <a:ext cx="3530600" cy="2447644"/>
+                <a:chOff x="1676400" y="2116187"/>
+                <a:chExt cx="3530600" cy="1008897"/>
+              </a:xfrm>
+            </p:grpSpPr>
+            <mc:AlternateContent xmlns:mc="http://schemas.openxmlformats.org/markup-compatibility/2006" xmlns:a14="http://schemas.microsoft.com/office/drawing/2010/main">
+              <mc:Choice Requires="a14">
+                <p:sp>
+                  <p:nvSpPr>
+                    <p:cNvPr id="23" name="Rectangle 22"/>
+                    <p:cNvSpPr/>
+                    <p:nvPr/>
+                  </p:nvSpPr>
+                  <p:spPr>
+                    <a:xfrm>
+                      <a:off x="1676400" y="2116187"/>
+                      <a:ext cx="3090334" cy="1008897"/>
+                    </a:xfrm>
+                    <a:prstGeom prst="rect">
+                      <a:avLst/>
+                    </a:prstGeom>
+                    <a:solidFill>
+                      <a:schemeClr val="bg1"/>
+                    </a:solidFill>
+                  </p:spPr>
+                  <p:style>
+                    <a:lnRef idx="2">
+                      <a:schemeClr val="accent1">
+                        <a:shade val="50000"/>
+                      </a:schemeClr>
+                    </a:lnRef>
+                    <a:fillRef idx="1">
+                      <a:schemeClr val="accent1"/>
+                    </a:fillRef>
+                    <a:effectRef idx="0">
+                      <a:schemeClr val="accent1"/>
+                    </a:effectRef>
+                    <a:fontRef idx="minor">
+                      <a:schemeClr val="lt1"/>
+                    </a:fontRef>
+                  </p:style>
+                  <p:txBody>
+                    <a:bodyPr rtlCol="0" anchor="ctr"/>
+                    <a:lstStyle/>
+                    <a:p>
+                      <a:pPr algn="ctr"/>
+                      <a:r>
+                        <a:rPr lang="fr-FR" dirty="0" smtClean="0"/>
+                        <a:t>FF</a:t>
+                      </a:r>
+                      <a14:m>
+                        <m:oMath xmlns:m="http://schemas.openxmlformats.org/officeDocument/2006/math">
+                          <a:fld id="{1B63F37C-CEC1-B449-9EBB-6D34615E68D2}" type="mathplaceholder">
+                            <a:rPr lang="fr-FR" i="1" smtClean="0">
+                              <a:latin typeface="Cambria Math" charset="0"/>
+                            </a:rPr>
+                            <a:t>Type equation here.</a:t>
+                          </a:fld>
+                        </m:oMath>
+                      </a14:m>
+                      <a:endParaRPr lang="fr-FR" dirty="0"/>
+                    </a:p>
+                  </p:txBody>
+                </p:sp>
+              </mc:Choice>
+              <mc:Fallback xmlns="">
+                <p:sp>
+                  <p:nvSpPr>
+                    <p:cNvPr id="23" name="Rectangle 22"/>
+                    <p:cNvSpPr>
+                      <a:spLocks noRot="1" noChangeAspect="1" noMove="1" noResize="1" noEditPoints="1" noAdjustHandles="1" noChangeArrowheads="1" noChangeShapeType="1" noTextEdit="1"/>
+                    </p:cNvSpPr>
+                    <p:nvPr/>
+                  </p:nvSpPr>
+                  <p:spPr>
+                    <a:xfrm>
+                      <a:off x="1676400" y="2116187"/>
+                      <a:ext cx="3090334" cy="1008897"/>
+                    </a:xfrm>
+                    <a:prstGeom prst="rect">
+                      <a:avLst/>
+                    </a:prstGeom>
+                    <a:blipFill rotWithShape="0">
+                      <a:blip r:embed="rId10"/>
+                      <a:stretch>
+                        <a:fillRect/>
+                      </a:stretch>
+                    </a:blipFill>
+                  </p:spPr>
+                  <p:txBody>
+                    <a:bodyPr/>
+                    <a:lstStyle/>
+                    <a:p>
+                      <a:r>
+                        <a:rPr lang="fr-FR">
+                          <a:noFill/>
+                        </a:rPr>
+                        <a:t> </a:t>
+                      </a:r>
+                    </a:p>
+                  </p:txBody>
+                </p:sp>
+              </mc:Fallback>
+            </mc:AlternateContent>
+            <p:sp>
+              <p:nvSpPr>
+                <p:cNvPr id="24" name="TextBox 23"/>
+                <p:cNvSpPr txBox="1"/>
+                <p:nvPr/>
+              </p:nvSpPr>
+              <p:spPr>
+                <a:xfrm>
+                  <a:off x="1735668" y="2143872"/>
+                  <a:ext cx="3471332" cy="152235"/>
+                </a:xfrm>
+                <a:prstGeom prst="rect">
+                  <a:avLst/>
+                </a:prstGeom>
+                <a:noFill/>
+              </p:spPr>
+              <p:txBody>
+                <a:bodyPr wrap="square" rtlCol="0">
+                  <a:spAutoFit/>
+                </a:bodyPr>
+                <a:lstStyle/>
+                <a:p>
+                  <a:r>
+                    <a:rPr lang="fr-FR" dirty="0"/>
+                    <a:t>L</a:t>
+                  </a:r>
+                  <a:r>
+                    <a:rPr lang="fr-FR" dirty="0" smtClean="0"/>
+                    <a:t>es </a:t>
+                  </a:r>
+                  <a:r>
+                    <a:rPr lang="fr-FR" dirty="0" err="1" smtClean="0"/>
+                    <a:t>jacobiens</a:t>
+                  </a:r>
+                  <a:r>
+                    <a:rPr lang="fr-FR" dirty="0" smtClean="0"/>
+                    <a:t> suivantes:</a:t>
+                  </a:r>
+                  <a:endParaRPr lang="fr-FR" dirty="0"/>
+                </a:p>
+              </p:txBody>
+            </p:sp>
+          </p:grpSp>
+          <p:pic>
+            <p:nvPicPr>
+              <p:cNvPr id="2066" name="Picture 18" descr="\textbf{F}_{k} = \left . \frac{\"/>
+              <p:cNvPicPr>
+                <a:picLocks noChangeAspect="1" noChangeArrowheads="1"/>
+              </p:cNvPicPr>
+              <p:nvPr/>
+            </p:nvPicPr>
+            <p:blipFill>
+              <a:blip r:embed="rId11">
+                <a:extLst>
+                  <a:ext uri="{28A0092B-C50C-407E-A947-70E740481C1C}">
+                    <a14:useLocalDpi xmlns:a14="http://schemas.microsoft.com/office/drawing/2010/main" val="0"/>
+                  </a:ext>
+                </a:extLst>
+              </a:blip>
+              <a:srcRect/>
+              <a:stretch>
+                <a:fillRect/>
+              </a:stretch>
+            </p:blipFill>
+            <p:spPr bwMode="auto">
+              <a:xfrm>
+                <a:off x="7345361" y="4102572"/>
+                <a:ext cx="1590675" cy="542925"/>
+              </a:xfrm>
+              <a:prstGeom prst="rect">
+                <a:avLst/>
+              </a:prstGeom>
+              <a:noFill/>
+              <a:extLst>
+                <a:ext uri="{909E8E84-426E-40DD-AFC4-6F175D3DCCD1}">
+                  <a14:hiddenFill xmlns:a14="http://schemas.microsoft.com/office/drawing/2010/main">
+                    <a:solidFill>
+                      <a:srgbClr val="FFFFFF"/>
+                    </a:solidFill>
+                  </a14:hiddenFill>
+                </a:ext>
+              </a:extLst>
+            </p:spPr>
+          </p:pic>
+          <p:pic>
+            <p:nvPicPr>
+              <p:cNvPr id="2068" name="Picture 20" descr="\textbf{H}_{k} = \left . \frac{\"/>
+              <p:cNvPicPr>
+                <a:picLocks noChangeAspect="1" noChangeArrowheads="1"/>
+              </p:cNvPicPr>
+              <p:nvPr/>
+            </p:nvPicPr>
+            <p:blipFill>
+              <a:blip r:embed="rId12">
+                <a:extLst>
+                  <a:ext uri="{28A0092B-C50C-407E-A947-70E740481C1C}">
+                    <a14:useLocalDpi xmlns:a14="http://schemas.microsoft.com/office/drawing/2010/main" val="0"/>
+                  </a:ext>
+                </a:extLst>
+              </a:blip>
+              <a:srcRect/>
+              <a:stretch>
+                <a:fillRect/>
+              </a:stretch>
+            </p:blipFill>
+            <p:spPr bwMode="auto">
+              <a:xfrm>
+                <a:off x="7345361" y="4686464"/>
+                <a:ext cx="1257300" cy="542925"/>
+              </a:xfrm>
+              <a:prstGeom prst="rect">
+                <a:avLst/>
+              </a:prstGeom>
+              <a:noFill/>
+              <a:extLst>
+                <a:ext uri="{909E8E84-426E-40DD-AFC4-6F175D3DCCD1}">
+                  <a14:hiddenFill xmlns:a14="http://schemas.microsoft.com/office/drawing/2010/main">
+                    <a:solidFill>
+                      <a:srgbClr val="FFFFFF"/>
+                    </a:solidFill>
+                  </a14:hiddenFill>
+                </a:ext>
+              </a:extLst>
+            </p:spPr>
+          </p:pic>
+        </p:grpSp>
+        <p:pic>
+          <p:nvPicPr>
+            <p:cNvPr id="2048" name="Picture 2047"/>
+            <p:cNvPicPr>
+              <a:picLocks noChangeAspect="1"/>
+            </p:cNvPicPr>
+            <p:nvPr/>
+          </p:nvPicPr>
+          <p:blipFill rotWithShape="1">
+            <a:blip r:embed="rId13">
+              <a:extLst>
+                <a:ext uri="{28A0092B-C50C-407E-A947-70E740481C1C}">
+                  <a14:useLocalDpi xmlns:a14="http://schemas.microsoft.com/office/drawing/2010/main" val="0"/>
+                </a:ext>
+              </a:extLst>
+            </a:blip>
+            <a:srcRect l="8913" t="17910" r="9091" b="15422"/>
+            <a:stretch/>
+          </p:blipFill>
+          <p:spPr>
+            <a:xfrm>
+              <a:off x="7876131" y="5825555"/>
+              <a:ext cx="1947333" cy="567267"/>
+            </a:xfrm>
+            <a:prstGeom prst="rect">
+              <a:avLst/>
+            </a:prstGeom>
+          </p:spPr>
+        </p:pic>
+      </p:grpSp>
     </p:spTree>
     <p:extLst>
       <p:ext uri="{BB962C8B-B14F-4D97-AF65-F5344CB8AC3E}">
@@ -12621,7 +14103,7 @@
                                           </p:stCondLst>
                                         </p:cTn>
                                         <p:tgtEl>
-                                          <p:spTgt spid="6"/>
+                                          <p:spTgt spid="2051"/>
                                         </p:tgtEl>
                                         <p:attrNameLst>
                                           <p:attrName>style.visibility</p:attrName>
@@ -12756,7 +14238,7 @@
                                           </p:stCondLst>
                                         </p:cTn>
                                         <p:tgtEl>
-                                          <p:spTgt spid="7"/>
+                                          <p:spTgt spid="2049"/>
                                         </p:tgtEl>
                                         <p:attrNameLst>
                                           <p:attrName>style.visibility</p:attrName>
@@ -12800,7 +14282,1541 @@
 </p:sld>
 </file>
 
-<file path=ppt/slides/slide5.xml><?xml version="1.0" encoding="utf-8"?>
+<file path=ppt/slides/slide6.xml><?xml version="1.0" encoding="utf-8"?>
+<p:sld xmlns:a="http://schemas.openxmlformats.org/drawingml/2006/main" xmlns:r="http://schemas.openxmlformats.org/officeDocument/2006/relationships" xmlns:p="http://schemas.openxmlformats.org/presentationml/2006/main">
+  <p:cSld>
+    <p:spTree>
+      <p:nvGrpSpPr>
+        <p:cNvPr id="1" name=""/>
+        <p:cNvGrpSpPr/>
+        <p:nvPr/>
+      </p:nvGrpSpPr>
+      <p:grpSpPr>
+        <a:xfrm>
+          <a:off x="0" y="0"/>
+          <a:ext cx="0" cy="0"/>
+          <a:chOff x="0" y="0"/>
+          <a:chExt cx="0" cy="0"/>
+        </a:xfrm>
+      </p:grpSpPr>
+      <p:sp>
+        <p:nvSpPr>
+          <p:cNvPr id="4" name="Rectangle 3"/>
+          <p:cNvSpPr/>
+          <p:nvPr/>
+        </p:nvSpPr>
+        <p:spPr>
+          <a:xfrm>
+            <a:off x="3699934" y="2438399"/>
+            <a:ext cx="5113866" cy="3539066"/>
+          </a:xfrm>
+          <a:prstGeom prst="rect">
+            <a:avLst/>
+          </a:prstGeom>
+          <a:solidFill>
+            <a:schemeClr val="bg1"/>
+          </a:solidFill>
+        </p:spPr>
+        <p:style>
+          <a:lnRef idx="2">
+            <a:schemeClr val="accent1">
+              <a:shade val="50000"/>
+            </a:schemeClr>
+          </a:lnRef>
+          <a:fillRef idx="1">
+            <a:schemeClr val="accent1"/>
+          </a:fillRef>
+          <a:effectRef idx="0">
+            <a:schemeClr val="accent1"/>
+          </a:effectRef>
+          <a:fontRef idx="minor">
+            <a:schemeClr val="lt1"/>
+          </a:fontRef>
+        </p:style>
+        <p:txBody>
+          <a:bodyPr rtlCol="0" anchor="ctr"/>
+          <a:lstStyle/>
+          <a:p>
+            <a:pPr algn="ctr"/>
+            <a:endParaRPr lang="fr-FR"/>
+          </a:p>
+        </p:txBody>
+      </p:sp>
+      <p:sp>
+        <p:nvSpPr>
+          <p:cNvPr id="2" name="Title 1"/>
+          <p:cNvSpPr>
+            <a:spLocks noGrp="1"/>
+          </p:cNvSpPr>
+          <p:nvPr>
+            <p:ph type="title"/>
+          </p:nvPr>
+        </p:nvSpPr>
+        <p:spPr/>
+        <p:txBody>
+          <a:bodyPr/>
+          <a:lstStyle/>
+          <a:p>
+            <a:r>
+              <a:rPr lang="fr-FR" dirty="0" smtClean="0"/>
+              <a:t>L’utilisation des amers</a:t>
+            </a:r>
+            <a:endParaRPr lang="fr-FR" dirty="0"/>
+          </a:p>
+        </p:txBody>
+      </p:sp>
+      <p:sp>
+        <p:nvSpPr>
+          <p:cNvPr id="14" name="Oval 13"/>
+          <p:cNvSpPr/>
+          <p:nvPr/>
+        </p:nvSpPr>
+        <p:spPr>
+          <a:xfrm>
+            <a:off x="5003800" y="3149600"/>
+            <a:ext cx="1007533" cy="795867"/>
+          </a:xfrm>
+          <a:prstGeom prst="ellipse">
+            <a:avLst/>
+          </a:prstGeom>
+          <a:noFill/>
+        </p:spPr>
+        <p:style>
+          <a:lnRef idx="2">
+            <a:schemeClr val="accent1"/>
+          </a:lnRef>
+          <a:fillRef idx="1">
+            <a:schemeClr val="lt1"/>
+          </a:fillRef>
+          <a:effectRef idx="0">
+            <a:schemeClr val="accent1"/>
+          </a:effectRef>
+          <a:fontRef idx="minor">
+            <a:schemeClr val="dk1"/>
+          </a:fontRef>
+        </p:style>
+        <p:txBody>
+          <a:bodyPr rtlCol="0" anchor="ctr"/>
+          <a:lstStyle/>
+          <a:p>
+            <a:pPr algn="ctr"/>
+            <a:endParaRPr lang="fr-FR"/>
+          </a:p>
+        </p:txBody>
+      </p:sp>
+      <p:grpSp>
+        <p:nvGrpSpPr>
+          <p:cNvPr id="10" name="Group 9"/>
+          <p:cNvGrpSpPr/>
+          <p:nvPr/>
+        </p:nvGrpSpPr>
+        <p:grpSpPr>
+          <a:xfrm>
+            <a:off x="5342467" y="3369732"/>
+            <a:ext cx="330200" cy="313267"/>
+            <a:chOff x="4834467" y="2895600"/>
+            <a:chExt cx="330200" cy="313267"/>
+          </a:xfrm>
+        </p:grpSpPr>
+        <p:cxnSp>
+          <p:nvCxnSpPr>
+            <p:cNvPr id="6" name="Straight Connector 5"/>
+            <p:cNvCxnSpPr/>
+            <p:nvPr/>
+          </p:nvCxnSpPr>
+          <p:spPr>
+            <a:xfrm flipV="1">
+              <a:off x="4834467" y="3048000"/>
+              <a:ext cx="330200" cy="8467"/>
+            </a:xfrm>
+            <a:prstGeom prst="line">
+              <a:avLst/>
+            </a:prstGeom>
+            <a:ln w="57150"/>
+          </p:spPr>
+          <p:style>
+            <a:lnRef idx="1">
+              <a:schemeClr val="accent1"/>
+            </a:lnRef>
+            <a:fillRef idx="0">
+              <a:schemeClr val="accent1"/>
+            </a:fillRef>
+            <a:effectRef idx="0">
+              <a:schemeClr val="accent1"/>
+            </a:effectRef>
+            <a:fontRef idx="minor">
+              <a:schemeClr val="tx1"/>
+            </a:fontRef>
+          </p:style>
+        </p:cxnSp>
+        <p:cxnSp>
+          <p:nvCxnSpPr>
+            <p:cNvPr id="7" name="Straight Connector 6"/>
+            <p:cNvCxnSpPr/>
+            <p:nvPr/>
+          </p:nvCxnSpPr>
+          <p:spPr>
+            <a:xfrm flipV="1">
+              <a:off x="4986867" y="2895600"/>
+              <a:ext cx="0" cy="313267"/>
+            </a:xfrm>
+            <a:prstGeom prst="line">
+              <a:avLst/>
+            </a:prstGeom>
+            <a:ln w="57150"/>
+          </p:spPr>
+          <p:style>
+            <a:lnRef idx="1">
+              <a:schemeClr val="accent1"/>
+            </a:lnRef>
+            <a:fillRef idx="0">
+              <a:schemeClr val="accent1"/>
+            </a:fillRef>
+            <a:effectRef idx="0">
+              <a:schemeClr val="accent1"/>
+            </a:effectRef>
+            <a:fontRef idx="minor">
+              <a:schemeClr val="tx1"/>
+            </a:fontRef>
+          </p:style>
+        </p:cxnSp>
+      </p:grpSp>
+      <p:grpSp>
+        <p:nvGrpSpPr>
+          <p:cNvPr id="18" name="Group 17"/>
+          <p:cNvGrpSpPr/>
+          <p:nvPr/>
+        </p:nvGrpSpPr>
+        <p:grpSpPr>
+          <a:xfrm>
+            <a:off x="5211234" y="3835399"/>
+            <a:ext cx="1104900" cy="1058335"/>
+            <a:chOff x="5211234" y="3835399"/>
+            <a:chExt cx="1104900" cy="1058335"/>
+          </a:xfrm>
+        </p:grpSpPr>
+        <p:sp>
+          <p:nvSpPr>
+            <p:cNvPr id="15" name="Oval 14"/>
+            <p:cNvSpPr/>
+            <p:nvPr/>
+          </p:nvSpPr>
+          <p:spPr>
+            <a:xfrm>
+              <a:off x="5211234" y="3835399"/>
+              <a:ext cx="1104900" cy="1058335"/>
+            </a:xfrm>
+            <a:prstGeom prst="ellipse">
+              <a:avLst/>
+            </a:prstGeom>
+            <a:noFill/>
+          </p:spPr>
+          <p:style>
+            <a:lnRef idx="2">
+              <a:schemeClr val="accent5"/>
+            </a:lnRef>
+            <a:fillRef idx="1">
+              <a:schemeClr val="lt1"/>
+            </a:fillRef>
+            <a:effectRef idx="0">
+              <a:schemeClr val="accent5"/>
+            </a:effectRef>
+            <a:fontRef idx="minor">
+              <a:schemeClr val="dk1"/>
+            </a:fontRef>
+          </p:style>
+          <p:txBody>
+            <a:bodyPr rtlCol="0" anchor="ctr"/>
+            <a:lstStyle/>
+            <a:p>
+              <a:pPr algn="ctr"/>
+              <a:endParaRPr lang="fr-FR"/>
+            </a:p>
+          </p:txBody>
+        </p:sp>
+        <p:grpSp>
+          <p:nvGrpSpPr>
+            <p:cNvPr id="11" name="Group 10"/>
+            <p:cNvGrpSpPr/>
+            <p:nvPr/>
+          </p:nvGrpSpPr>
+          <p:grpSpPr>
+            <a:xfrm>
+              <a:off x="5598584" y="4207932"/>
+              <a:ext cx="330200" cy="313267"/>
+              <a:chOff x="4834467" y="2895600"/>
+              <a:chExt cx="330200" cy="313267"/>
+            </a:xfrm>
+          </p:grpSpPr>
+          <p:cxnSp>
+            <p:nvCxnSpPr>
+              <p:cNvPr id="12" name="Straight Connector 11"/>
+              <p:cNvCxnSpPr/>
+              <p:nvPr/>
+            </p:nvCxnSpPr>
+            <p:spPr>
+              <a:xfrm flipV="1">
+                <a:off x="4834467" y="3048000"/>
+                <a:ext cx="330200" cy="8467"/>
+              </a:xfrm>
+              <a:prstGeom prst="line">
+                <a:avLst/>
+              </a:prstGeom>
+              <a:ln w="57150">
+                <a:solidFill>
+                  <a:schemeClr val="accent5">
+                    <a:lumMod val="60000"/>
+                    <a:lumOff val="40000"/>
+                  </a:schemeClr>
+                </a:solidFill>
+              </a:ln>
+            </p:spPr>
+            <p:style>
+              <a:lnRef idx="1">
+                <a:schemeClr val="accent1"/>
+              </a:lnRef>
+              <a:fillRef idx="0">
+                <a:schemeClr val="accent1"/>
+              </a:fillRef>
+              <a:effectRef idx="0">
+                <a:schemeClr val="accent1"/>
+              </a:effectRef>
+              <a:fontRef idx="minor">
+                <a:schemeClr val="tx1"/>
+              </a:fontRef>
+            </p:style>
+          </p:cxnSp>
+          <p:cxnSp>
+            <p:nvCxnSpPr>
+              <p:cNvPr id="13" name="Straight Connector 12"/>
+              <p:cNvCxnSpPr/>
+              <p:nvPr/>
+            </p:nvCxnSpPr>
+            <p:spPr>
+              <a:xfrm flipV="1">
+                <a:off x="4986867" y="2895600"/>
+                <a:ext cx="0" cy="313267"/>
+              </a:xfrm>
+              <a:prstGeom prst="line">
+                <a:avLst/>
+              </a:prstGeom>
+              <a:ln w="57150">
+                <a:solidFill>
+                  <a:schemeClr val="accent5">
+                    <a:lumMod val="60000"/>
+                    <a:lumOff val="40000"/>
+                  </a:schemeClr>
+                </a:solidFill>
+              </a:ln>
+            </p:spPr>
+            <p:style>
+              <a:lnRef idx="1">
+                <a:schemeClr val="accent1"/>
+              </a:lnRef>
+              <a:fillRef idx="0">
+                <a:schemeClr val="accent1"/>
+              </a:fillRef>
+              <a:effectRef idx="0">
+                <a:schemeClr val="accent1"/>
+              </a:effectRef>
+              <a:fontRef idx="minor">
+                <a:schemeClr val="tx1"/>
+              </a:fontRef>
+            </p:style>
+          </p:cxnSp>
+        </p:grpSp>
+      </p:grpSp>
+      <p:grpSp>
+        <p:nvGrpSpPr>
+          <p:cNvPr id="25" name="Group 24"/>
+          <p:cNvGrpSpPr/>
+          <p:nvPr/>
+        </p:nvGrpSpPr>
+        <p:grpSpPr>
+          <a:xfrm>
+            <a:off x="9334502" y="3894665"/>
+            <a:ext cx="330200" cy="313267"/>
+            <a:chOff x="9569451" y="4038597"/>
+            <a:chExt cx="330200" cy="313267"/>
+          </a:xfrm>
+        </p:grpSpPr>
+        <p:cxnSp>
+          <p:nvCxnSpPr>
+            <p:cNvPr id="19" name="Straight Connector 18"/>
+            <p:cNvCxnSpPr/>
+            <p:nvPr/>
+          </p:nvCxnSpPr>
+          <p:spPr>
+            <a:xfrm flipV="1">
+              <a:off x="9569451" y="4190997"/>
+              <a:ext cx="330200" cy="8467"/>
+            </a:xfrm>
+            <a:prstGeom prst="line">
+              <a:avLst/>
+            </a:prstGeom>
+            <a:ln w="57150">
+              <a:solidFill>
+                <a:schemeClr val="accent5">
+                  <a:lumMod val="60000"/>
+                  <a:lumOff val="40000"/>
+                </a:schemeClr>
+              </a:solidFill>
+            </a:ln>
+          </p:spPr>
+          <p:style>
+            <a:lnRef idx="1">
+              <a:schemeClr val="accent1"/>
+            </a:lnRef>
+            <a:fillRef idx="0">
+              <a:schemeClr val="accent1"/>
+            </a:fillRef>
+            <a:effectRef idx="0">
+              <a:schemeClr val="accent1"/>
+            </a:effectRef>
+            <a:fontRef idx="minor">
+              <a:schemeClr val="tx1"/>
+            </a:fontRef>
+          </p:style>
+        </p:cxnSp>
+        <p:cxnSp>
+          <p:nvCxnSpPr>
+            <p:cNvPr id="20" name="Straight Connector 19"/>
+            <p:cNvCxnSpPr/>
+            <p:nvPr/>
+          </p:nvCxnSpPr>
+          <p:spPr>
+            <a:xfrm flipV="1">
+              <a:off x="9721851" y="4038597"/>
+              <a:ext cx="0" cy="313267"/>
+            </a:xfrm>
+            <a:prstGeom prst="line">
+              <a:avLst/>
+            </a:prstGeom>
+            <a:ln w="57150">
+              <a:solidFill>
+                <a:schemeClr val="accent5">
+                  <a:lumMod val="60000"/>
+                  <a:lumOff val="40000"/>
+                </a:schemeClr>
+              </a:solidFill>
+            </a:ln>
+          </p:spPr>
+          <p:style>
+            <a:lnRef idx="1">
+              <a:schemeClr val="accent1"/>
+            </a:lnRef>
+            <a:fillRef idx="0">
+              <a:schemeClr val="accent1"/>
+            </a:fillRef>
+            <a:effectRef idx="0">
+              <a:schemeClr val="accent1"/>
+            </a:effectRef>
+            <a:fontRef idx="minor">
+              <a:schemeClr val="tx1"/>
+            </a:fontRef>
+          </p:style>
+        </p:cxnSp>
+      </p:grpSp>
+      <p:grpSp>
+        <p:nvGrpSpPr>
+          <p:cNvPr id="23" name="Group 22"/>
+          <p:cNvGrpSpPr/>
+          <p:nvPr/>
+        </p:nvGrpSpPr>
+        <p:grpSpPr>
+          <a:xfrm>
+            <a:off x="9334502" y="2992966"/>
+            <a:ext cx="330200" cy="313267"/>
+            <a:chOff x="9569451" y="3509429"/>
+            <a:chExt cx="330200" cy="313267"/>
+          </a:xfrm>
+        </p:grpSpPr>
+        <p:cxnSp>
+          <p:nvCxnSpPr>
+            <p:cNvPr id="21" name="Straight Connector 20"/>
+            <p:cNvCxnSpPr/>
+            <p:nvPr/>
+          </p:nvCxnSpPr>
+          <p:spPr>
+            <a:xfrm flipV="1">
+              <a:off x="9569451" y="3666063"/>
+              <a:ext cx="330200" cy="8467"/>
+            </a:xfrm>
+            <a:prstGeom prst="line">
+              <a:avLst/>
+            </a:prstGeom>
+            <a:ln w="57150"/>
+          </p:spPr>
+          <p:style>
+            <a:lnRef idx="1">
+              <a:schemeClr val="accent1"/>
+            </a:lnRef>
+            <a:fillRef idx="0">
+              <a:schemeClr val="accent1"/>
+            </a:fillRef>
+            <a:effectRef idx="0">
+              <a:schemeClr val="accent1"/>
+            </a:effectRef>
+            <a:fontRef idx="minor">
+              <a:schemeClr val="tx1"/>
+            </a:fontRef>
+          </p:style>
+        </p:cxnSp>
+        <p:cxnSp>
+          <p:nvCxnSpPr>
+            <p:cNvPr id="22" name="Straight Connector 21"/>
+            <p:cNvCxnSpPr/>
+            <p:nvPr/>
+          </p:nvCxnSpPr>
+          <p:spPr>
+            <a:xfrm flipV="1">
+              <a:off x="9721851" y="3509429"/>
+              <a:ext cx="0" cy="313267"/>
+            </a:xfrm>
+            <a:prstGeom prst="line">
+              <a:avLst/>
+            </a:prstGeom>
+            <a:ln w="57150"/>
+          </p:spPr>
+          <p:style>
+            <a:lnRef idx="1">
+              <a:schemeClr val="accent1"/>
+            </a:lnRef>
+            <a:fillRef idx="0">
+              <a:schemeClr val="accent1"/>
+            </a:fillRef>
+            <a:effectRef idx="0">
+              <a:schemeClr val="accent1"/>
+            </a:effectRef>
+            <a:fontRef idx="minor">
+              <a:schemeClr val="tx1"/>
+            </a:fontRef>
+          </p:style>
+        </p:cxnSp>
+      </p:grpSp>
+      <p:sp>
+        <p:nvSpPr>
+          <p:cNvPr id="24" name="TextBox 23"/>
+          <p:cNvSpPr txBox="1"/>
+          <p:nvPr/>
+        </p:nvSpPr>
+        <p:spPr>
+          <a:xfrm>
+            <a:off x="9817102" y="2862511"/>
+            <a:ext cx="1621365" cy="646331"/>
+          </a:xfrm>
+          <a:prstGeom prst="rect">
+            <a:avLst/>
+          </a:prstGeom>
+          <a:noFill/>
+        </p:spPr>
+        <p:txBody>
+          <a:bodyPr wrap="square" rtlCol="0">
+            <a:spAutoFit/>
+          </a:bodyPr>
+          <a:lstStyle/>
+          <a:p>
+            <a:r>
+              <a:rPr lang="fr-FR" smtClean="0"/>
+              <a:t>Positon exacte</a:t>
+            </a:r>
+            <a:endParaRPr lang="fr-FR"/>
+          </a:p>
+        </p:txBody>
+      </p:sp>
+      <p:sp>
+        <p:nvSpPr>
+          <p:cNvPr id="26" name="TextBox 25"/>
+          <p:cNvSpPr txBox="1"/>
+          <p:nvPr/>
+        </p:nvSpPr>
+        <p:spPr>
+          <a:xfrm>
+            <a:off x="9883247" y="3732366"/>
+            <a:ext cx="1621365" cy="646331"/>
+          </a:xfrm>
+          <a:prstGeom prst="rect">
+            <a:avLst/>
+          </a:prstGeom>
+          <a:noFill/>
+        </p:spPr>
+        <p:txBody>
+          <a:bodyPr wrap="square" rtlCol="0">
+            <a:spAutoFit/>
+          </a:bodyPr>
+          <a:lstStyle/>
+          <a:p>
+            <a:r>
+              <a:rPr lang="fr-FR" smtClean="0"/>
+              <a:t>Positon estimé</a:t>
+            </a:r>
+            <a:r>
+              <a:rPr lang="en-US" dirty="0"/>
+              <a:t>e</a:t>
+            </a:r>
+            <a:r>
+              <a:rPr lang="fr-FR" dirty="0" smtClean="0"/>
+              <a:t> </a:t>
+            </a:r>
+            <a:endParaRPr lang="fr-FR" dirty="0"/>
+          </a:p>
+        </p:txBody>
+      </p:sp>
+      <p:grpSp>
+        <p:nvGrpSpPr>
+          <p:cNvPr id="30" name="Group 29"/>
+          <p:cNvGrpSpPr/>
+          <p:nvPr/>
+        </p:nvGrpSpPr>
+        <p:grpSpPr>
+          <a:xfrm>
+            <a:off x="3640668" y="3732366"/>
+            <a:ext cx="1621365" cy="1017434"/>
+            <a:chOff x="3640668" y="3732366"/>
+            <a:chExt cx="1621365" cy="1017434"/>
+          </a:xfrm>
+        </p:grpSpPr>
+        <p:cxnSp>
+          <p:nvCxnSpPr>
+            <p:cNvPr id="28" name="Straight Arrow Connector 27"/>
+            <p:cNvCxnSpPr/>
+            <p:nvPr/>
+          </p:nvCxnSpPr>
+          <p:spPr>
+            <a:xfrm flipH="1" flipV="1">
+              <a:off x="4622800" y="3732366"/>
+              <a:ext cx="491067" cy="1017434"/>
+            </a:xfrm>
+            <a:prstGeom prst="straightConnector1">
+              <a:avLst/>
+            </a:prstGeom>
+            <a:ln w="57150">
+              <a:solidFill>
+                <a:srgbClr val="FF0000"/>
+              </a:solidFill>
+              <a:tailEnd type="triangle"/>
+            </a:ln>
+          </p:spPr>
+          <p:style>
+            <a:lnRef idx="1">
+              <a:schemeClr val="accent1"/>
+            </a:lnRef>
+            <a:fillRef idx="0">
+              <a:schemeClr val="accent1"/>
+            </a:fillRef>
+            <a:effectRef idx="0">
+              <a:schemeClr val="accent1"/>
+            </a:effectRef>
+            <a:fontRef idx="minor">
+              <a:schemeClr val="tx1"/>
+            </a:fontRef>
+          </p:style>
+        </p:cxnSp>
+        <p:sp>
+          <p:nvSpPr>
+            <p:cNvPr id="29" name="TextBox 28"/>
+            <p:cNvSpPr txBox="1"/>
+            <p:nvPr/>
+          </p:nvSpPr>
+          <p:spPr>
+            <a:xfrm>
+              <a:off x="3640668" y="4207932"/>
+              <a:ext cx="1621365" cy="369332"/>
+            </a:xfrm>
+            <a:prstGeom prst="rect">
+              <a:avLst/>
+            </a:prstGeom>
+            <a:noFill/>
+          </p:spPr>
+          <p:txBody>
+            <a:bodyPr wrap="square" rtlCol="0">
+              <a:spAutoFit/>
+            </a:bodyPr>
+            <a:lstStyle/>
+            <a:p>
+              <a:r>
+                <a:rPr lang="fr-FR" smtClean="0"/>
+                <a:t>Innovation</a:t>
+              </a:r>
+              <a:endParaRPr lang="fr-FR"/>
+            </a:p>
+          </p:txBody>
+        </p:sp>
+      </p:grpSp>
+    </p:spTree>
+    <p:extLst>
+      <p:ext uri="{BB962C8B-B14F-4D97-AF65-F5344CB8AC3E}">
+        <p14:creationId xmlns:p14="http://schemas.microsoft.com/office/powerpoint/2010/main" val="461259165"/>
+      </p:ext>
+    </p:extLst>
+  </p:cSld>
+  <p:clrMapOvr>
+    <a:masterClrMapping/>
+  </p:clrMapOvr>
+  <p:timing>
+    <p:tnLst>
+      <p:par>
+        <p:cTn id="1" dur="indefinite" restart="never" nodeType="tmRoot">
+          <p:childTnLst>
+            <p:seq concurrent="1" nextAc="seek">
+              <p:cTn id="2" dur="indefinite" nodeType="mainSeq">
+                <p:childTnLst>
+                  <p:par>
+                    <p:cTn id="3" fill="hold">
+                      <p:stCondLst>
+                        <p:cond delay="indefinite"/>
+                      </p:stCondLst>
+                      <p:childTnLst>
+                        <p:par>
+                          <p:cTn id="4" fill="hold">
+                            <p:stCondLst>
+                              <p:cond delay="0"/>
+                            </p:stCondLst>
+                            <p:childTnLst>
+                              <p:par>
+                                <p:cTn id="5" presetID="1" presetClass="entr" presetSubtype="0" fill="hold" nodeType="clickEffect">
+                                  <p:stCondLst>
+                                    <p:cond delay="0"/>
+                                  </p:stCondLst>
+                                  <p:childTnLst>
+                                    <p:set>
+                                      <p:cBhvr>
+                                        <p:cTn id="6" dur="1" fill="hold">
+                                          <p:stCondLst>
+                                            <p:cond delay="0"/>
+                                          </p:stCondLst>
+                                        </p:cTn>
+                                        <p:tgtEl>
+                                          <p:spTgt spid="10"/>
+                                        </p:tgtEl>
+                                        <p:attrNameLst>
+                                          <p:attrName>style.visibility</p:attrName>
+                                        </p:attrNameLst>
+                                      </p:cBhvr>
+                                      <p:to>
+                                        <p:strVal val="visible"/>
+                                      </p:to>
+                                    </p:set>
+                                  </p:childTnLst>
+                                </p:cTn>
+                              </p:par>
+                              <p:par>
+                                <p:cTn id="7" presetID="1" presetClass="entr" presetSubtype="0" fill="hold" nodeType="withEffect">
+                                  <p:stCondLst>
+                                    <p:cond delay="0"/>
+                                  </p:stCondLst>
+                                  <p:childTnLst>
+                                    <p:set>
+                                      <p:cBhvr>
+                                        <p:cTn id="8" dur="1" fill="hold">
+                                          <p:stCondLst>
+                                            <p:cond delay="0"/>
+                                          </p:stCondLst>
+                                        </p:cTn>
+                                        <p:tgtEl>
+                                          <p:spTgt spid="23"/>
+                                        </p:tgtEl>
+                                        <p:attrNameLst>
+                                          <p:attrName>style.visibility</p:attrName>
+                                        </p:attrNameLst>
+                                      </p:cBhvr>
+                                      <p:to>
+                                        <p:strVal val="visible"/>
+                                      </p:to>
+                                    </p:set>
+                                  </p:childTnLst>
+                                </p:cTn>
+                              </p:par>
+                              <p:par>
+                                <p:cTn id="9" presetID="1" presetClass="entr" presetSubtype="0" fill="hold" grpId="0" nodeType="withEffect">
+                                  <p:stCondLst>
+                                    <p:cond delay="0"/>
+                                  </p:stCondLst>
+                                  <p:childTnLst>
+                                    <p:set>
+                                      <p:cBhvr>
+                                        <p:cTn id="10" dur="1" fill="hold">
+                                          <p:stCondLst>
+                                            <p:cond delay="0"/>
+                                          </p:stCondLst>
+                                        </p:cTn>
+                                        <p:tgtEl>
+                                          <p:spTgt spid="24"/>
+                                        </p:tgtEl>
+                                        <p:attrNameLst>
+                                          <p:attrName>style.visibility</p:attrName>
+                                        </p:attrNameLst>
+                                      </p:cBhvr>
+                                      <p:to>
+                                        <p:strVal val="visible"/>
+                                      </p:to>
+                                    </p:set>
+                                  </p:childTnLst>
+                                </p:cTn>
+                              </p:par>
+                            </p:childTnLst>
+                          </p:cTn>
+                        </p:par>
+                      </p:childTnLst>
+                    </p:cTn>
+                  </p:par>
+                  <p:par>
+                    <p:cTn id="11" fill="hold">
+                      <p:stCondLst>
+                        <p:cond delay="indefinite"/>
+                      </p:stCondLst>
+                      <p:childTnLst>
+                        <p:par>
+                          <p:cTn id="12" fill="hold">
+                            <p:stCondLst>
+                              <p:cond delay="0"/>
+                            </p:stCondLst>
+                            <p:childTnLst>
+                              <p:par>
+                                <p:cTn id="13" presetID="1" presetClass="entr" presetSubtype="0" fill="hold" grpId="0" nodeType="clickEffect">
+                                  <p:stCondLst>
+                                    <p:cond delay="0"/>
+                                  </p:stCondLst>
+                                  <p:childTnLst>
+                                    <p:set>
+                                      <p:cBhvr>
+                                        <p:cTn id="14" dur="1" fill="hold">
+                                          <p:stCondLst>
+                                            <p:cond delay="0"/>
+                                          </p:stCondLst>
+                                        </p:cTn>
+                                        <p:tgtEl>
+                                          <p:spTgt spid="14"/>
+                                        </p:tgtEl>
+                                        <p:attrNameLst>
+                                          <p:attrName>style.visibility</p:attrName>
+                                        </p:attrNameLst>
+                                      </p:cBhvr>
+                                      <p:to>
+                                        <p:strVal val="visible"/>
+                                      </p:to>
+                                    </p:set>
+                                  </p:childTnLst>
+                                </p:cTn>
+                              </p:par>
+                            </p:childTnLst>
+                          </p:cTn>
+                        </p:par>
+                      </p:childTnLst>
+                    </p:cTn>
+                  </p:par>
+                  <p:par>
+                    <p:cTn id="15" fill="hold">
+                      <p:stCondLst>
+                        <p:cond delay="indefinite"/>
+                      </p:stCondLst>
+                      <p:childTnLst>
+                        <p:par>
+                          <p:cTn id="16" fill="hold">
+                            <p:stCondLst>
+                              <p:cond delay="0"/>
+                            </p:stCondLst>
+                            <p:childTnLst>
+                              <p:par>
+                                <p:cTn id="17" presetID="1" presetClass="entr" presetSubtype="0" fill="hold" nodeType="clickEffect">
+                                  <p:stCondLst>
+                                    <p:cond delay="0"/>
+                                  </p:stCondLst>
+                                  <p:childTnLst>
+                                    <p:set>
+                                      <p:cBhvr>
+                                        <p:cTn id="18" dur="1" fill="hold">
+                                          <p:stCondLst>
+                                            <p:cond delay="0"/>
+                                          </p:stCondLst>
+                                        </p:cTn>
+                                        <p:tgtEl>
+                                          <p:spTgt spid="18"/>
+                                        </p:tgtEl>
+                                        <p:attrNameLst>
+                                          <p:attrName>style.visibility</p:attrName>
+                                        </p:attrNameLst>
+                                      </p:cBhvr>
+                                      <p:to>
+                                        <p:strVal val="visible"/>
+                                      </p:to>
+                                    </p:set>
+                                  </p:childTnLst>
+                                </p:cTn>
+                              </p:par>
+                              <p:par>
+                                <p:cTn id="19" presetID="1" presetClass="entr" presetSubtype="0" fill="hold" nodeType="withEffect">
+                                  <p:stCondLst>
+                                    <p:cond delay="0"/>
+                                  </p:stCondLst>
+                                  <p:childTnLst>
+                                    <p:set>
+                                      <p:cBhvr>
+                                        <p:cTn id="20" dur="1" fill="hold">
+                                          <p:stCondLst>
+                                            <p:cond delay="0"/>
+                                          </p:stCondLst>
+                                        </p:cTn>
+                                        <p:tgtEl>
+                                          <p:spTgt spid="25"/>
+                                        </p:tgtEl>
+                                        <p:attrNameLst>
+                                          <p:attrName>style.visibility</p:attrName>
+                                        </p:attrNameLst>
+                                      </p:cBhvr>
+                                      <p:to>
+                                        <p:strVal val="visible"/>
+                                      </p:to>
+                                    </p:set>
+                                  </p:childTnLst>
+                                </p:cTn>
+                              </p:par>
+                              <p:par>
+                                <p:cTn id="21" presetID="1" presetClass="entr" presetSubtype="0" fill="hold" grpId="0" nodeType="withEffect">
+                                  <p:stCondLst>
+                                    <p:cond delay="0"/>
+                                  </p:stCondLst>
+                                  <p:childTnLst>
+                                    <p:set>
+                                      <p:cBhvr>
+                                        <p:cTn id="22" dur="1" fill="hold">
+                                          <p:stCondLst>
+                                            <p:cond delay="0"/>
+                                          </p:stCondLst>
+                                        </p:cTn>
+                                        <p:tgtEl>
+                                          <p:spTgt spid="26"/>
+                                        </p:tgtEl>
+                                        <p:attrNameLst>
+                                          <p:attrName>style.visibility</p:attrName>
+                                        </p:attrNameLst>
+                                      </p:cBhvr>
+                                      <p:to>
+                                        <p:strVal val="visible"/>
+                                      </p:to>
+                                    </p:set>
+                                  </p:childTnLst>
+                                </p:cTn>
+                              </p:par>
+                            </p:childTnLst>
+                          </p:cTn>
+                        </p:par>
+                      </p:childTnLst>
+                    </p:cTn>
+                  </p:par>
+                  <p:par>
+                    <p:cTn id="23" fill="hold">
+                      <p:stCondLst>
+                        <p:cond delay="indefinite"/>
+                      </p:stCondLst>
+                      <p:childTnLst>
+                        <p:par>
+                          <p:cTn id="24" fill="hold">
+                            <p:stCondLst>
+                              <p:cond delay="0"/>
+                            </p:stCondLst>
+                            <p:childTnLst>
+                              <p:par>
+                                <p:cTn id="25" presetID="1" presetClass="entr" presetSubtype="0" fill="hold" nodeType="clickEffect">
+                                  <p:stCondLst>
+                                    <p:cond delay="0"/>
+                                  </p:stCondLst>
+                                  <p:childTnLst>
+                                    <p:set>
+                                      <p:cBhvr>
+                                        <p:cTn id="26" dur="1" fill="hold">
+                                          <p:stCondLst>
+                                            <p:cond delay="0"/>
+                                          </p:stCondLst>
+                                        </p:cTn>
+                                        <p:tgtEl>
+                                          <p:spTgt spid="30"/>
+                                        </p:tgtEl>
+                                        <p:attrNameLst>
+                                          <p:attrName>style.visibility</p:attrName>
+                                        </p:attrNameLst>
+                                      </p:cBhvr>
+                                      <p:to>
+                                        <p:strVal val="visible"/>
+                                      </p:to>
+                                    </p:set>
+                                  </p:childTnLst>
+                                </p:cTn>
+                              </p:par>
+                            </p:childTnLst>
+                          </p:cTn>
+                        </p:par>
+                      </p:childTnLst>
+                    </p:cTn>
+                  </p:par>
+                </p:childTnLst>
+              </p:cTn>
+              <p:prevCondLst>
+                <p:cond evt="onPrev" delay="0">
+                  <p:tgtEl>
+                    <p:sldTgt/>
+                  </p:tgtEl>
+                </p:cond>
+              </p:prevCondLst>
+              <p:nextCondLst>
+                <p:cond evt="onNext" delay="0">
+                  <p:tgtEl>
+                    <p:sldTgt/>
+                  </p:tgtEl>
+                </p:cond>
+              </p:nextCondLst>
+            </p:seq>
+          </p:childTnLst>
+        </p:cTn>
+      </p:par>
+    </p:tnLst>
+    <p:bldLst>
+      <p:bldP spid="14" grpId="0" animBg="1"/>
+      <p:bldP spid="24" grpId="0"/>
+      <p:bldP spid="26" grpId="0"/>
+    </p:bldLst>
+  </p:timing>
+</p:sld>
+</file>
+
+<file path=ppt/slides/slide7.xml><?xml version="1.0" encoding="utf-8"?>
+<p:sld xmlns:a="http://schemas.openxmlformats.org/drawingml/2006/main" xmlns:r="http://schemas.openxmlformats.org/officeDocument/2006/relationships" xmlns:p="http://schemas.openxmlformats.org/presentationml/2006/main">
+  <p:cSld>
+    <p:spTree>
+      <p:nvGrpSpPr>
+        <p:cNvPr id="1" name=""/>
+        <p:cNvGrpSpPr/>
+        <p:nvPr/>
+      </p:nvGrpSpPr>
+      <p:grpSpPr>
+        <a:xfrm>
+          <a:off x="0" y="0"/>
+          <a:ext cx="0" cy="0"/>
+          <a:chOff x="0" y="0"/>
+          <a:chExt cx="0" cy="0"/>
+        </a:xfrm>
+      </p:grpSpPr>
+      <p:sp>
+        <p:nvSpPr>
+          <p:cNvPr id="2" name="Title 1"/>
+          <p:cNvSpPr>
+            <a:spLocks noGrp="1"/>
+          </p:cNvSpPr>
+          <p:nvPr>
+            <p:ph type="title"/>
+          </p:nvPr>
+        </p:nvSpPr>
+        <p:spPr/>
+        <p:txBody>
+          <a:bodyPr/>
+          <a:lstStyle/>
+          <a:p>
+            <a:r>
+              <a:rPr lang="fr-FR" dirty="0" smtClean="0"/>
+              <a:t>Initialisation:</a:t>
+            </a:r>
+            <a:endParaRPr lang="fr-FR" dirty="0"/>
+          </a:p>
+        </p:txBody>
+      </p:sp>
+      <p:pic>
+        <p:nvPicPr>
+          <p:cNvPr id="4" name="Content Placeholder 3"/>
+          <p:cNvPicPr>
+            <a:picLocks noGrp="1" noChangeAspect="1"/>
+          </p:cNvPicPr>
+          <p:nvPr>
+            <p:ph idx="1"/>
+          </p:nvPr>
+        </p:nvPicPr>
+        <p:blipFill>
+          <a:blip r:embed="rId2">
+            <a:extLst>
+              <a:ext uri="{28A0092B-C50C-407E-A947-70E740481C1C}">
+                <a14:useLocalDpi xmlns:a14="http://schemas.microsoft.com/office/drawing/2010/main" val="0"/>
+              </a:ext>
+            </a:extLst>
+          </a:blip>
+          <a:stretch>
+            <a:fillRect/>
+          </a:stretch>
+        </p:blipFill>
+        <p:spPr>
+          <a:xfrm>
+            <a:off x="1099079" y="2174964"/>
+            <a:ext cx="8915400" cy="1951387"/>
+          </a:xfrm>
+        </p:spPr>
+      </p:pic>
+      <p:sp>
+        <p:nvSpPr>
+          <p:cNvPr id="5" name="Rectangle 4"/>
+          <p:cNvSpPr/>
+          <p:nvPr/>
+        </p:nvSpPr>
+        <p:spPr>
+          <a:xfrm>
+            <a:off x="4076966" y="2463800"/>
+            <a:ext cx="2751667" cy="770465"/>
+          </a:xfrm>
+          <a:prstGeom prst="rect">
+            <a:avLst/>
+          </a:prstGeom>
+          <a:noFill/>
+        </p:spPr>
+        <p:style>
+          <a:lnRef idx="2">
+            <a:schemeClr val="accent1">
+              <a:shade val="50000"/>
+            </a:schemeClr>
+          </a:lnRef>
+          <a:fillRef idx="1">
+            <a:schemeClr val="accent1"/>
+          </a:fillRef>
+          <a:effectRef idx="0">
+            <a:schemeClr val="accent1"/>
+          </a:effectRef>
+          <a:fontRef idx="minor">
+            <a:schemeClr val="lt1"/>
+          </a:fontRef>
+        </p:style>
+        <p:txBody>
+          <a:bodyPr rtlCol="0" anchor="ctr"/>
+          <a:lstStyle/>
+          <a:p>
+            <a:pPr algn="ctr"/>
+            <a:endParaRPr lang="fr-FR"/>
+          </a:p>
+        </p:txBody>
+      </p:sp>
+      <p:sp>
+        <p:nvSpPr>
+          <p:cNvPr id="6" name="Rectangle 5"/>
+          <p:cNvSpPr/>
+          <p:nvPr/>
+        </p:nvSpPr>
+        <p:spPr>
+          <a:xfrm>
+            <a:off x="6663267" y="3217332"/>
+            <a:ext cx="1320800" cy="355601"/>
+          </a:xfrm>
+          <a:prstGeom prst="rect">
+            <a:avLst/>
+          </a:prstGeom>
+          <a:noFill/>
+        </p:spPr>
+        <p:style>
+          <a:lnRef idx="2">
+            <a:schemeClr val="accent1">
+              <a:shade val="50000"/>
+            </a:schemeClr>
+          </a:lnRef>
+          <a:fillRef idx="1">
+            <a:schemeClr val="accent1"/>
+          </a:fillRef>
+          <a:effectRef idx="0">
+            <a:schemeClr val="accent1"/>
+          </a:effectRef>
+          <a:fontRef idx="minor">
+            <a:schemeClr val="lt1"/>
+          </a:fontRef>
+        </p:style>
+        <p:txBody>
+          <a:bodyPr rtlCol="0" anchor="ctr"/>
+          <a:lstStyle/>
+          <a:p>
+            <a:pPr algn="ctr"/>
+            <a:endParaRPr lang="fr-FR"/>
+          </a:p>
+        </p:txBody>
+      </p:sp>
+      <p:sp>
+        <p:nvSpPr>
+          <p:cNvPr id="7" name="Rectangle 6"/>
+          <p:cNvSpPr/>
+          <p:nvPr/>
+        </p:nvSpPr>
+        <p:spPr>
+          <a:xfrm>
+            <a:off x="4318000" y="3285846"/>
+            <a:ext cx="1227667" cy="490288"/>
+          </a:xfrm>
+          <a:prstGeom prst="rect">
+            <a:avLst/>
+          </a:prstGeom>
+          <a:noFill/>
+        </p:spPr>
+        <p:style>
+          <a:lnRef idx="2">
+            <a:schemeClr val="accent1">
+              <a:shade val="50000"/>
+            </a:schemeClr>
+          </a:lnRef>
+          <a:fillRef idx="1">
+            <a:schemeClr val="accent1"/>
+          </a:fillRef>
+          <a:effectRef idx="0">
+            <a:schemeClr val="accent1"/>
+          </a:effectRef>
+          <a:fontRef idx="minor">
+            <a:schemeClr val="lt1"/>
+          </a:fontRef>
+        </p:style>
+        <p:txBody>
+          <a:bodyPr rtlCol="0" anchor="ctr"/>
+          <a:lstStyle/>
+          <a:p>
+            <a:pPr algn="ctr"/>
+            <a:endParaRPr lang="fr-FR"/>
+          </a:p>
+        </p:txBody>
+      </p:sp>
+    </p:spTree>
+    <p:extLst>
+      <p:ext uri="{BB962C8B-B14F-4D97-AF65-F5344CB8AC3E}">
+        <p14:creationId xmlns:p14="http://schemas.microsoft.com/office/powerpoint/2010/main" val="854003899"/>
+      </p:ext>
+    </p:extLst>
+  </p:cSld>
+  <p:clrMapOvr>
+    <a:masterClrMapping/>
+  </p:clrMapOvr>
+  <p:timing>
+    <p:tnLst>
+      <p:par>
+        <p:cTn id="1" dur="indefinite" restart="never" nodeType="tmRoot">
+          <p:childTnLst>
+            <p:seq concurrent="1" nextAc="seek">
+              <p:cTn id="2" dur="indefinite" nodeType="mainSeq">
+                <p:childTnLst>
+                  <p:par>
+                    <p:cTn id="3" fill="hold">
+                      <p:stCondLst>
+                        <p:cond delay="indefinite"/>
+                      </p:stCondLst>
+                      <p:childTnLst>
+                        <p:par>
+                          <p:cTn id="4" fill="hold">
+                            <p:stCondLst>
+                              <p:cond delay="0"/>
+                            </p:stCondLst>
+                            <p:childTnLst>
+                              <p:par>
+                                <p:cTn id="5" presetID="1" presetClass="entr" presetSubtype="0" fill="hold" grpId="0" nodeType="clickEffect">
+                                  <p:stCondLst>
+                                    <p:cond delay="0"/>
+                                  </p:stCondLst>
+                                  <p:childTnLst>
+                                    <p:set>
+                                      <p:cBhvr>
+                                        <p:cTn id="6" dur="1" fill="hold">
+                                          <p:stCondLst>
+                                            <p:cond delay="0"/>
+                                          </p:stCondLst>
+                                        </p:cTn>
+                                        <p:tgtEl>
+                                          <p:spTgt spid="5"/>
+                                        </p:tgtEl>
+                                        <p:attrNameLst>
+                                          <p:attrName>style.visibility</p:attrName>
+                                        </p:attrNameLst>
+                                      </p:cBhvr>
+                                      <p:to>
+                                        <p:strVal val="visible"/>
+                                      </p:to>
+                                    </p:set>
+                                  </p:childTnLst>
+                                </p:cTn>
+                              </p:par>
+                            </p:childTnLst>
+                          </p:cTn>
+                        </p:par>
+                      </p:childTnLst>
+                    </p:cTn>
+                  </p:par>
+                  <p:par>
+                    <p:cTn id="7" fill="hold">
+                      <p:stCondLst>
+                        <p:cond delay="indefinite"/>
+                      </p:stCondLst>
+                      <p:childTnLst>
+                        <p:par>
+                          <p:cTn id="8" fill="hold">
+                            <p:stCondLst>
+                              <p:cond delay="0"/>
+                            </p:stCondLst>
+                            <p:childTnLst>
+                              <p:par>
+                                <p:cTn id="9" presetID="3" presetClass="exit" presetSubtype="10" fill="hold" grpId="1" nodeType="clickEffect">
+                                  <p:stCondLst>
+                                    <p:cond delay="0"/>
+                                  </p:stCondLst>
+                                  <p:childTnLst>
+                                    <p:animEffect transition="out" filter="blinds(horizontal)">
+                                      <p:cBhvr>
+                                        <p:cTn id="10" dur="500"/>
+                                        <p:tgtEl>
+                                          <p:spTgt spid="5"/>
+                                        </p:tgtEl>
+                                      </p:cBhvr>
+                                    </p:animEffect>
+                                    <p:set>
+                                      <p:cBhvr>
+                                        <p:cTn id="11" dur="1" fill="hold">
+                                          <p:stCondLst>
+                                            <p:cond delay="499"/>
+                                          </p:stCondLst>
+                                        </p:cTn>
+                                        <p:tgtEl>
+                                          <p:spTgt spid="5"/>
+                                        </p:tgtEl>
+                                        <p:attrNameLst>
+                                          <p:attrName>style.visibility</p:attrName>
+                                        </p:attrNameLst>
+                                      </p:cBhvr>
+                                      <p:to>
+                                        <p:strVal val="hidden"/>
+                                      </p:to>
+                                    </p:set>
+                                  </p:childTnLst>
+                                </p:cTn>
+                              </p:par>
+                            </p:childTnLst>
+                          </p:cTn>
+                        </p:par>
+                      </p:childTnLst>
+                    </p:cTn>
+                  </p:par>
+                  <p:par>
+                    <p:cTn id="12" fill="hold">
+                      <p:stCondLst>
+                        <p:cond delay="indefinite"/>
+                      </p:stCondLst>
+                      <p:childTnLst>
+                        <p:par>
+                          <p:cTn id="13" fill="hold">
+                            <p:stCondLst>
+                              <p:cond delay="0"/>
+                            </p:stCondLst>
+                            <p:childTnLst>
+                              <p:par>
+                                <p:cTn id="14" presetID="1" presetClass="entr" presetSubtype="0" fill="hold" grpId="0" nodeType="clickEffect">
+                                  <p:stCondLst>
+                                    <p:cond delay="0"/>
+                                  </p:stCondLst>
+                                  <p:childTnLst>
+                                    <p:set>
+                                      <p:cBhvr>
+                                        <p:cTn id="15" dur="1" fill="hold">
+                                          <p:stCondLst>
+                                            <p:cond delay="0"/>
+                                          </p:stCondLst>
+                                        </p:cTn>
+                                        <p:tgtEl>
+                                          <p:spTgt spid="6"/>
+                                        </p:tgtEl>
+                                        <p:attrNameLst>
+                                          <p:attrName>style.visibility</p:attrName>
+                                        </p:attrNameLst>
+                                      </p:cBhvr>
+                                      <p:to>
+                                        <p:strVal val="visible"/>
+                                      </p:to>
+                                    </p:set>
+                                  </p:childTnLst>
+                                </p:cTn>
+                              </p:par>
+                            </p:childTnLst>
+                          </p:cTn>
+                        </p:par>
+                      </p:childTnLst>
+                    </p:cTn>
+                  </p:par>
+                  <p:par>
+                    <p:cTn id="16" fill="hold">
+                      <p:stCondLst>
+                        <p:cond delay="indefinite"/>
+                      </p:stCondLst>
+                      <p:childTnLst>
+                        <p:par>
+                          <p:cTn id="17" fill="hold">
+                            <p:stCondLst>
+                              <p:cond delay="0"/>
+                            </p:stCondLst>
+                            <p:childTnLst>
+                              <p:par>
+                                <p:cTn id="18" presetID="3" presetClass="exit" presetSubtype="10" fill="hold" grpId="2" nodeType="clickEffect">
+                                  <p:stCondLst>
+                                    <p:cond delay="0"/>
+                                  </p:stCondLst>
+                                  <p:childTnLst>
+                                    <p:animEffect transition="out" filter="blinds(horizontal)">
+                                      <p:cBhvr>
+                                        <p:cTn id="19" dur="500"/>
+                                        <p:tgtEl>
+                                          <p:spTgt spid="6"/>
+                                        </p:tgtEl>
+                                      </p:cBhvr>
+                                    </p:animEffect>
+                                    <p:set>
+                                      <p:cBhvr>
+                                        <p:cTn id="20" dur="1" fill="hold">
+                                          <p:stCondLst>
+                                            <p:cond delay="499"/>
+                                          </p:stCondLst>
+                                        </p:cTn>
+                                        <p:tgtEl>
+                                          <p:spTgt spid="6"/>
+                                        </p:tgtEl>
+                                        <p:attrNameLst>
+                                          <p:attrName>style.visibility</p:attrName>
+                                        </p:attrNameLst>
+                                      </p:cBhvr>
+                                      <p:to>
+                                        <p:strVal val="hidden"/>
+                                      </p:to>
+                                    </p:set>
+                                  </p:childTnLst>
+                                </p:cTn>
+                              </p:par>
+                            </p:childTnLst>
+                          </p:cTn>
+                        </p:par>
+                      </p:childTnLst>
+                    </p:cTn>
+                  </p:par>
+                  <p:par>
+                    <p:cTn id="21" fill="hold">
+                      <p:stCondLst>
+                        <p:cond delay="indefinite"/>
+                      </p:stCondLst>
+                      <p:childTnLst>
+                        <p:par>
+                          <p:cTn id="22" fill="hold">
+                            <p:stCondLst>
+                              <p:cond delay="0"/>
+                            </p:stCondLst>
+                            <p:childTnLst>
+                              <p:par>
+                                <p:cTn id="23" presetID="1" presetClass="entr" presetSubtype="0" fill="hold" grpId="0" nodeType="clickEffect">
+                                  <p:stCondLst>
+                                    <p:cond delay="0"/>
+                                  </p:stCondLst>
+                                  <p:childTnLst>
+                                    <p:set>
+                                      <p:cBhvr>
+                                        <p:cTn id="24" dur="1" fill="hold">
+                                          <p:stCondLst>
+                                            <p:cond delay="0"/>
+                                          </p:stCondLst>
+                                        </p:cTn>
+                                        <p:tgtEl>
+                                          <p:spTgt spid="7"/>
+                                        </p:tgtEl>
+                                        <p:attrNameLst>
+                                          <p:attrName>style.visibility</p:attrName>
+                                        </p:attrNameLst>
+                                      </p:cBhvr>
+                                      <p:to>
+                                        <p:strVal val="visible"/>
+                                      </p:to>
+                                    </p:set>
+                                  </p:childTnLst>
+                                </p:cTn>
+                              </p:par>
+                            </p:childTnLst>
+                          </p:cTn>
+                        </p:par>
+                      </p:childTnLst>
+                    </p:cTn>
+                  </p:par>
+                  <p:par>
+                    <p:cTn id="25" fill="hold">
+                      <p:stCondLst>
+                        <p:cond delay="indefinite"/>
+                      </p:stCondLst>
+                      <p:childTnLst>
+                        <p:par>
+                          <p:cTn id="26" fill="hold">
+                            <p:stCondLst>
+                              <p:cond delay="0"/>
+                            </p:stCondLst>
+                            <p:childTnLst>
+                              <p:par>
+                                <p:cTn id="27" presetID="3" presetClass="exit" presetSubtype="10" fill="hold" grpId="1" nodeType="clickEffect">
+                                  <p:stCondLst>
+                                    <p:cond delay="0"/>
+                                  </p:stCondLst>
+                                  <p:childTnLst>
+                                    <p:animEffect transition="out" filter="blinds(horizontal)">
+                                      <p:cBhvr>
+                                        <p:cTn id="28" dur="500"/>
+                                        <p:tgtEl>
+                                          <p:spTgt spid="7"/>
+                                        </p:tgtEl>
+                                      </p:cBhvr>
+                                    </p:animEffect>
+                                    <p:set>
+                                      <p:cBhvr>
+                                        <p:cTn id="29" dur="1" fill="hold">
+                                          <p:stCondLst>
+                                            <p:cond delay="499"/>
+                                          </p:stCondLst>
+                                        </p:cTn>
+                                        <p:tgtEl>
+                                          <p:spTgt spid="7"/>
+                                        </p:tgtEl>
+                                        <p:attrNameLst>
+                                          <p:attrName>style.visibility</p:attrName>
+                                        </p:attrNameLst>
+                                      </p:cBhvr>
+                                      <p:to>
+                                        <p:strVal val="hidden"/>
+                                      </p:to>
+                                    </p:set>
+                                  </p:childTnLst>
+                                </p:cTn>
+                              </p:par>
+                            </p:childTnLst>
+                          </p:cTn>
+                        </p:par>
+                      </p:childTnLst>
+                    </p:cTn>
+                  </p:par>
+                </p:childTnLst>
+              </p:cTn>
+              <p:prevCondLst>
+                <p:cond evt="onPrev" delay="0">
+                  <p:tgtEl>
+                    <p:sldTgt/>
+                  </p:tgtEl>
+                </p:cond>
+              </p:prevCondLst>
+              <p:nextCondLst>
+                <p:cond evt="onNext" delay="0">
+                  <p:tgtEl>
+                    <p:sldTgt/>
+                  </p:tgtEl>
+                </p:cond>
+              </p:nextCondLst>
+            </p:seq>
+          </p:childTnLst>
+        </p:cTn>
+      </p:par>
+    </p:tnLst>
+    <p:bldLst>
+      <p:bldP spid="5" grpId="0" animBg="1"/>
+      <p:bldP spid="5" grpId="1" animBg="1"/>
+      <p:bldP spid="6" grpId="0" animBg="1"/>
+      <p:bldP spid="6" grpId="2" animBg="1"/>
+      <p:bldP spid="7" grpId="0" animBg="1"/>
+      <p:bldP spid="7" grpId="1" animBg="1"/>
+    </p:bldLst>
+  </p:timing>
+</p:sld>
+</file>
+
+<file path=ppt/slides/slide8.xml><?xml version="1.0" encoding="utf-8"?>
 <p:sld xmlns:a="http://schemas.openxmlformats.org/drawingml/2006/main" xmlns:r="http://schemas.openxmlformats.org/officeDocument/2006/relationships" xmlns:p="http://schemas.openxmlformats.org/presentationml/2006/main">
   <p:cSld>
     <p:spTree>
